--- a/Revisions/Cy_07_02_TD_01_Hoeken/images/Figures.pptx
+++ b/Revisions/Cy_07_02_TD_01_Hoeken/images/Figures.pptx
@@ -112,6 +112,22 @@
       </a:defRPr>
     </a:lvl9pPr>
   </p:defaultTextStyle>
+  <p:extLst>
+    <p:ext uri="{EFAFB233-063F-42B5-8137-9DF3F51BA10A}">
+      <p15:sldGuideLst xmlns:p15="http://schemas.microsoft.com/office/powerpoint/2012/main">
+        <p15:guide id="1" orient="horz" pos="2160">
+          <p15:clr>
+            <a:srgbClr val="A4A3A4"/>
+          </p15:clr>
+        </p15:guide>
+        <p15:guide id="2" pos="2880">
+          <p15:clr>
+            <a:srgbClr val="A4A3A4"/>
+          </p15:clr>
+        </p15:guide>
+      </p15:sldGuideLst>
+    </p:ext>
+  </p:extLst>
 </p:presentation>
 </file>
 
@@ -153,7 +169,7 @@
           <a:lstStyle/>
           <a:p>
             <a:r>
-              <a:rPr lang="fr-FR" smtClean="0"/>
+              <a:rPr lang="fr-FR"/>
               <a:t>Cliquez pour modifier le style du titre</a:t>
             </a:r>
             <a:endParaRPr lang="fr-BE"/>
@@ -272,7 +288,7 @@
           </a:lstStyle>
           <a:p>
             <a:r>
-              <a:rPr lang="fr-FR" smtClean="0"/>
+              <a:rPr lang="fr-FR"/>
               <a:t>Cliquez pour modifier le style des sous-titres du masque</a:t>
             </a:r>
             <a:endParaRPr lang="fr-BE"/>
@@ -296,7 +312,7 @@
           <a:p>
             <a:fld id="{AA309A6D-C09C-4548-B29A-6CF363A7E532}" type="datetimeFigureOut">
               <a:rPr lang="fr-FR" smtClean="0"/>
-              <a:t>14/04/2018</a:t>
+              <a:t>20/04/2020</a:t>
             </a:fld>
             <a:endParaRPr lang="fr-BE"/>
           </a:p>
@@ -385,7 +401,7 @@
           <a:lstStyle/>
           <a:p>
             <a:r>
-              <a:rPr lang="fr-FR" smtClean="0"/>
+              <a:rPr lang="fr-FR"/>
               <a:t>Cliquez pour modifier le style du titre</a:t>
             </a:r>
             <a:endParaRPr lang="fr-BE"/>
@@ -409,35 +425,35 @@
           <a:p>
             <a:pPr lvl="0"/>
             <a:r>
-              <a:rPr lang="fr-FR" smtClean="0"/>
+              <a:rPr lang="fr-FR"/>
               <a:t>Cliquez pour modifier les styles du texte du masque</a:t>
             </a:r>
           </a:p>
           <a:p>
             <a:pPr lvl="1"/>
             <a:r>
-              <a:rPr lang="fr-FR" smtClean="0"/>
+              <a:rPr lang="fr-FR"/>
               <a:t>Deuxième niveau</a:t>
             </a:r>
           </a:p>
           <a:p>
             <a:pPr lvl="2"/>
             <a:r>
-              <a:rPr lang="fr-FR" smtClean="0"/>
+              <a:rPr lang="fr-FR"/>
               <a:t>Troisième niveau</a:t>
             </a:r>
           </a:p>
           <a:p>
             <a:pPr lvl="3"/>
             <a:r>
-              <a:rPr lang="fr-FR" smtClean="0"/>
+              <a:rPr lang="fr-FR"/>
               <a:t>Quatrième niveau</a:t>
             </a:r>
           </a:p>
           <a:p>
             <a:pPr lvl="4"/>
             <a:r>
-              <a:rPr lang="fr-FR" smtClean="0"/>
+              <a:rPr lang="fr-FR"/>
               <a:t>Cinquième niveau</a:t>
             </a:r>
             <a:endParaRPr lang="fr-BE"/>
@@ -461,7 +477,7 @@
           <a:p>
             <a:fld id="{AA309A6D-C09C-4548-B29A-6CF363A7E532}" type="datetimeFigureOut">
               <a:rPr lang="fr-FR" smtClean="0"/>
-              <a:t>14/04/2018</a:t>
+              <a:t>20/04/2020</a:t>
             </a:fld>
             <a:endParaRPr lang="fr-BE"/>
           </a:p>
@@ -555,7 +571,7 @@
           <a:lstStyle/>
           <a:p>
             <a:r>
-              <a:rPr lang="fr-FR" smtClean="0"/>
+              <a:rPr lang="fr-FR"/>
               <a:t>Cliquez pour modifier le style du titre</a:t>
             </a:r>
             <a:endParaRPr lang="fr-BE"/>
@@ -584,35 +600,35 @@
           <a:p>
             <a:pPr lvl="0"/>
             <a:r>
-              <a:rPr lang="fr-FR" smtClean="0"/>
+              <a:rPr lang="fr-FR"/>
               <a:t>Cliquez pour modifier les styles du texte du masque</a:t>
             </a:r>
           </a:p>
           <a:p>
             <a:pPr lvl="1"/>
             <a:r>
-              <a:rPr lang="fr-FR" smtClean="0"/>
+              <a:rPr lang="fr-FR"/>
               <a:t>Deuxième niveau</a:t>
             </a:r>
           </a:p>
           <a:p>
             <a:pPr lvl="2"/>
             <a:r>
-              <a:rPr lang="fr-FR" smtClean="0"/>
+              <a:rPr lang="fr-FR"/>
               <a:t>Troisième niveau</a:t>
             </a:r>
           </a:p>
           <a:p>
             <a:pPr lvl="3"/>
             <a:r>
-              <a:rPr lang="fr-FR" smtClean="0"/>
+              <a:rPr lang="fr-FR"/>
               <a:t>Quatrième niveau</a:t>
             </a:r>
           </a:p>
           <a:p>
             <a:pPr lvl="4"/>
             <a:r>
-              <a:rPr lang="fr-FR" smtClean="0"/>
+              <a:rPr lang="fr-FR"/>
               <a:t>Cinquième niveau</a:t>
             </a:r>
             <a:endParaRPr lang="fr-BE"/>
@@ -636,7 +652,7 @@
           <a:p>
             <a:fld id="{AA309A6D-C09C-4548-B29A-6CF363A7E532}" type="datetimeFigureOut">
               <a:rPr lang="fr-FR" smtClean="0"/>
-              <a:t>14/04/2018</a:t>
+              <a:t>20/04/2020</a:t>
             </a:fld>
             <a:endParaRPr lang="fr-BE"/>
           </a:p>
@@ -725,7 +741,7 @@
           <a:lstStyle/>
           <a:p>
             <a:r>
-              <a:rPr lang="fr-FR" smtClean="0"/>
+              <a:rPr lang="fr-FR"/>
               <a:t>Cliquez pour modifier le style du titre</a:t>
             </a:r>
             <a:endParaRPr lang="fr-BE"/>
@@ -749,35 +765,35 @@
           <a:p>
             <a:pPr lvl="0"/>
             <a:r>
-              <a:rPr lang="fr-FR" smtClean="0"/>
+              <a:rPr lang="fr-FR"/>
               <a:t>Cliquez pour modifier les styles du texte du masque</a:t>
             </a:r>
           </a:p>
           <a:p>
             <a:pPr lvl="1"/>
             <a:r>
-              <a:rPr lang="fr-FR" smtClean="0"/>
+              <a:rPr lang="fr-FR"/>
               <a:t>Deuxième niveau</a:t>
             </a:r>
           </a:p>
           <a:p>
             <a:pPr lvl="2"/>
             <a:r>
-              <a:rPr lang="fr-FR" smtClean="0"/>
+              <a:rPr lang="fr-FR"/>
               <a:t>Troisième niveau</a:t>
             </a:r>
           </a:p>
           <a:p>
             <a:pPr lvl="3"/>
             <a:r>
-              <a:rPr lang="fr-FR" smtClean="0"/>
+              <a:rPr lang="fr-FR"/>
               <a:t>Quatrième niveau</a:t>
             </a:r>
           </a:p>
           <a:p>
             <a:pPr lvl="4"/>
             <a:r>
-              <a:rPr lang="fr-FR" smtClean="0"/>
+              <a:rPr lang="fr-FR"/>
               <a:t>Cinquième niveau</a:t>
             </a:r>
             <a:endParaRPr lang="fr-BE"/>
@@ -801,7 +817,7 @@
           <a:p>
             <a:fld id="{AA309A6D-C09C-4548-B29A-6CF363A7E532}" type="datetimeFigureOut">
               <a:rPr lang="fr-FR" smtClean="0"/>
-              <a:t>14/04/2018</a:t>
+              <a:t>20/04/2020</a:t>
             </a:fld>
             <a:endParaRPr lang="fr-BE"/>
           </a:p>
@@ -899,7 +915,7 @@
           </a:lstStyle>
           <a:p>
             <a:r>
-              <a:rPr lang="fr-FR" smtClean="0"/>
+              <a:rPr lang="fr-FR"/>
               <a:t>Cliquez pour modifier le style du titre</a:t>
             </a:r>
             <a:endParaRPr lang="fr-BE"/>
@@ -1019,7 +1035,7 @@
           <a:p>
             <a:pPr lvl="0"/>
             <a:r>
-              <a:rPr lang="fr-FR" smtClean="0"/>
+              <a:rPr lang="fr-FR"/>
               <a:t>Cliquez pour modifier les styles du texte du masque</a:t>
             </a:r>
           </a:p>
@@ -1042,7 +1058,7 @@
           <a:p>
             <a:fld id="{AA309A6D-C09C-4548-B29A-6CF363A7E532}" type="datetimeFigureOut">
               <a:rPr lang="fr-FR" smtClean="0"/>
-              <a:t>14/04/2018</a:t>
+              <a:t>20/04/2020</a:t>
             </a:fld>
             <a:endParaRPr lang="fr-BE"/>
           </a:p>
@@ -1131,7 +1147,7 @@
           <a:lstStyle/>
           <a:p>
             <a:r>
-              <a:rPr lang="fr-FR" smtClean="0"/>
+              <a:rPr lang="fr-FR"/>
               <a:t>Cliquez pour modifier le style du titre</a:t>
             </a:r>
             <a:endParaRPr lang="fr-BE"/>
@@ -1188,35 +1204,35 @@
           <a:p>
             <a:pPr lvl="0"/>
             <a:r>
-              <a:rPr lang="fr-FR" smtClean="0"/>
+              <a:rPr lang="fr-FR"/>
               <a:t>Cliquez pour modifier les styles du texte du masque</a:t>
             </a:r>
           </a:p>
           <a:p>
             <a:pPr lvl="1"/>
             <a:r>
-              <a:rPr lang="fr-FR" smtClean="0"/>
+              <a:rPr lang="fr-FR"/>
               <a:t>Deuxième niveau</a:t>
             </a:r>
           </a:p>
           <a:p>
             <a:pPr lvl="2"/>
             <a:r>
-              <a:rPr lang="fr-FR" smtClean="0"/>
+              <a:rPr lang="fr-FR"/>
               <a:t>Troisième niveau</a:t>
             </a:r>
           </a:p>
           <a:p>
             <a:pPr lvl="3"/>
             <a:r>
-              <a:rPr lang="fr-FR" smtClean="0"/>
+              <a:rPr lang="fr-FR"/>
               <a:t>Quatrième niveau</a:t>
             </a:r>
           </a:p>
           <a:p>
             <a:pPr lvl="4"/>
             <a:r>
-              <a:rPr lang="fr-FR" smtClean="0"/>
+              <a:rPr lang="fr-FR"/>
               <a:t>Cinquième niveau</a:t>
             </a:r>
             <a:endParaRPr lang="fr-BE"/>
@@ -1273,35 +1289,35 @@
           <a:p>
             <a:pPr lvl="0"/>
             <a:r>
-              <a:rPr lang="fr-FR" smtClean="0"/>
+              <a:rPr lang="fr-FR"/>
               <a:t>Cliquez pour modifier les styles du texte du masque</a:t>
             </a:r>
           </a:p>
           <a:p>
             <a:pPr lvl="1"/>
             <a:r>
-              <a:rPr lang="fr-FR" smtClean="0"/>
+              <a:rPr lang="fr-FR"/>
               <a:t>Deuxième niveau</a:t>
             </a:r>
           </a:p>
           <a:p>
             <a:pPr lvl="2"/>
             <a:r>
-              <a:rPr lang="fr-FR" smtClean="0"/>
+              <a:rPr lang="fr-FR"/>
               <a:t>Troisième niveau</a:t>
             </a:r>
           </a:p>
           <a:p>
             <a:pPr lvl="3"/>
             <a:r>
-              <a:rPr lang="fr-FR" smtClean="0"/>
+              <a:rPr lang="fr-FR"/>
               <a:t>Quatrième niveau</a:t>
             </a:r>
           </a:p>
           <a:p>
             <a:pPr lvl="4"/>
             <a:r>
-              <a:rPr lang="fr-FR" smtClean="0"/>
+              <a:rPr lang="fr-FR"/>
               <a:t>Cinquième niveau</a:t>
             </a:r>
             <a:endParaRPr lang="fr-BE"/>
@@ -1325,7 +1341,7 @@
           <a:p>
             <a:fld id="{AA309A6D-C09C-4548-B29A-6CF363A7E532}" type="datetimeFigureOut">
               <a:rPr lang="fr-FR" smtClean="0"/>
-              <a:t>14/04/2018</a:t>
+              <a:t>20/04/2020</a:t>
             </a:fld>
             <a:endParaRPr lang="fr-BE"/>
           </a:p>
@@ -1418,7 +1434,7 @@
           </a:lstStyle>
           <a:p>
             <a:r>
-              <a:rPr lang="fr-FR" smtClean="0"/>
+              <a:rPr lang="fr-FR"/>
               <a:t>Cliquez pour modifier le style du titre</a:t>
             </a:r>
             <a:endParaRPr lang="fr-BE"/>
@@ -1484,7 +1500,7 @@
           <a:p>
             <a:pPr lvl="0"/>
             <a:r>
-              <a:rPr lang="fr-FR" smtClean="0"/>
+              <a:rPr lang="fr-FR"/>
               <a:t>Cliquez pour modifier les styles du texte du masque</a:t>
             </a:r>
           </a:p>
@@ -1540,35 +1556,35 @@
           <a:p>
             <a:pPr lvl="0"/>
             <a:r>
-              <a:rPr lang="fr-FR" smtClean="0"/>
+              <a:rPr lang="fr-FR"/>
               <a:t>Cliquez pour modifier les styles du texte du masque</a:t>
             </a:r>
           </a:p>
           <a:p>
             <a:pPr lvl="1"/>
             <a:r>
-              <a:rPr lang="fr-FR" smtClean="0"/>
+              <a:rPr lang="fr-FR"/>
               <a:t>Deuxième niveau</a:t>
             </a:r>
           </a:p>
           <a:p>
             <a:pPr lvl="2"/>
             <a:r>
-              <a:rPr lang="fr-FR" smtClean="0"/>
+              <a:rPr lang="fr-FR"/>
               <a:t>Troisième niveau</a:t>
             </a:r>
           </a:p>
           <a:p>
             <a:pPr lvl="3"/>
             <a:r>
-              <a:rPr lang="fr-FR" smtClean="0"/>
+              <a:rPr lang="fr-FR"/>
               <a:t>Quatrième niveau</a:t>
             </a:r>
           </a:p>
           <a:p>
             <a:pPr lvl="4"/>
             <a:r>
-              <a:rPr lang="fr-FR" smtClean="0"/>
+              <a:rPr lang="fr-FR"/>
               <a:t>Cinquième niveau</a:t>
             </a:r>
             <a:endParaRPr lang="fr-BE"/>
@@ -1634,7 +1650,7 @@
           <a:p>
             <a:pPr lvl="0"/>
             <a:r>
-              <a:rPr lang="fr-FR" smtClean="0"/>
+              <a:rPr lang="fr-FR"/>
               <a:t>Cliquez pour modifier les styles du texte du masque</a:t>
             </a:r>
           </a:p>
@@ -1690,35 +1706,35 @@
           <a:p>
             <a:pPr lvl="0"/>
             <a:r>
-              <a:rPr lang="fr-FR" smtClean="0"/>
+              <a:rPr lang="fr-FR"/>
               <a:t>Cliquez pour modifier les styles du texte du masque</a:t>
             </a:r>
           </a:p>
           <a:p>
             <a:pPr lvl="1"/>
             <a:r>
-              <a:rPr lang="fr-FR" smtClean="0"/>
+              <a:rPr lang="fr-FR"/>
               <a:t>Deuxième niveau</a:t>
             </a:r>
           </a:p>
           <a:p>
             <a:pPr lvl="2"/>
             <a:r>
-              <a:rPr lang="fr-FR" smtClean="0"/>
+              <a:rPr lang="fr-FR"/>
               <a:t>Troisième niveau</a:t>
             </a:r>
           </a:p>
           <a:p>
             <a:pPr lvl="3"/>
             <a:r>
-              <a:rPr lang="fr-FR" smtClean="0"/>
+              <a:rPr lang="fr-FR"/>
               <a:t>Quatrième niveau</a:t>
             </a:r>
           </a:p>
           <a:p>
             <a:pPr lvl="4"/>
             <a:r>
-              <a:rPr lang="fr-FR" smtClean="0"/>
+              <a:rPr lang="fr-FR"/>
               <a:t>Cinquième niveau</a:t>
             </a:r>
             <a:endParaRPr lang="fr-BE"/>
@@ -1742,7 +1758,7 @@
           <a:p>
             <a:fld id="{AA309A6D-C09C-4548-B29A-6CF363A7E532}" type="datetimeFigureOut">
               <a:rPr lang="fr-FR" smtClean="0"/>
-              <a:t>14/04/2018</a:t>
+              <a:t>20/04/2020</a:t>
             </a:fld>
             <a:endParaRPr lang="fr-BE"/>
           </a:p>
@@ -1831,7 +1847,7 @@
           <a:lstStyle/>
           <a:p>
             <a:r>
-              <a:rPr lang="fr-FR" smtClean="0"/>
+              <a:rPr lang="fr-FR"/>
               <a:t>Cliquez pour modifier le style du titre</a:t>
             </a:r>
             <a:endParaRPr lang="fr-BE"/>
@@ -1855,7 +1871,7 @@
           <a:p>
             <a:fld id="{AA309A6D-C09C-4548-B29A-6CF363A7E532}" type="datetimeFigureOut">
               <a:rPr lang="fr-FR" smtClean="0"/>
-              <a:t>14/04/2018</a:t>
+              <a:t>20/04/2020</a:t>
             </a:fld>
             <a:endParaRPr lang="fr-BE"/>
           </a:p>
@@ -1945,7 +1961,7 @@
           <a:p>
             <a:fld id="{AA309A6D-C09C-4548-B29A-6CF363A7E532}" type="datetimeFigureOut">
               <a:rPr lang="fr-FR" smtClean="0"/>
-              <a:t>14/04/2018</a:t>
+              <a:t>20/04/2020</a:t>
             </a:fld>
             <a:endParaRPr lang="fr-BE"/>
           </a:p>
@@ -2043,7 +2059,7 @@
           </a:lstStyle>
           <a:p>
             <a:r>
-              <a:rPr lang="fr-FR" smtClean="0"/>
+              <a:rPr lang="fr-FR"/>
               <a:t>Cliquez pour modifier le style du titre</a:t>
             </a:r>
             <a:endParaRPr lang="fr-BE"/>
@@ -2100,35 +2116,35 @@
           <a:p>
             <a:pPr lvl="0"/>
             <a:r>
-              <a:rPr lang="fr-FR" smtClean="0"/>
+              <a:rPr lang="fr-FR"/>
               <a:t>Cliquez pour modifier les styles du texte du masque</a:t>
             </a:r>
           </a:p>
           <a:p>
             <a:pPr lvl="1"/>
             <a:r>
-              <a:rPr lang="fr-FR" smtClean="0"/>
+              <a:rPr lang="fr-FR"/>
               <a:t>Deuxième niveau</a:t>
             </a:r>
           </a:p>
           <a:p>
             <a:pPr lvl="2"/>
             <a:r>
-              <a:rPr lang="fr-FR" smtClean="0"/>
+              <a:rPr lang="fr-FR"/>
               <a:t>Troisième niveau</a:t>
             </a:r>
           </a:p>
           <a:p>
             <a:pPr lvl="3"/>
             <a:r>
-              <a:rPr lang="fr-FR" smtClean="0"/>
+              <a:rPr lang="fr-FR"/>
               <a:t>Quatrième niveau</a:t>
             </a:r>
           </a:p>
           <a:p>
             <a:pPr lvl="4"/>
             <a:r>
-              <a:rPr lang="fr-FR" smtClean="0"/>
+              <a:rPr lang="fr-FR"/>
               <a:t>Cinquième niveau</a:t>
             </a:r>
             <a:endParaRPr lang="fr-BE"/>
@@ -2194,7 +2210,7 @@
           <a:p>
             <a:pPr lvl="0"/>
             <a:r>
-              <a:rPr lang="fr-FR" smtClean="0"/>
+              <a:rPr lang="fr-FR"/>
               <a:t>Cliquez pour modifier les styles du texte du masque</a:t>
             </a:r>
           </a:p>
@@ -2217,7 +2233,7 @@
           <a:p>
             <a:fld id="{AA309A6D-C09C-4548-B29A-6CF363A7E532}" type="datetimeFigureOut">
               <a:rPr lang="fr-FR" smtClean="0"/>
-              <a:t>14/04/2018</a:t>
+              <a:t>20/04/2020</a:t>
             </a:fld>
             <a:endParaRPr lang="fr-BE"/>
           </a:p>
@@ -2315,7 +2331,7 @@
           </a:lstStyle>
           <a:p>
             <a:r>
-              <a:rPr lang="fr-FR" smtClean="0"/>
+              <a:rPr lang="fr-FR"/>
               <a:t>Cliquez pour modifier le style du titre</a:t>
             </a:r>
             <a:endParaRPr lang="fr-BE"/>
@@ -2442,7 +2458,7 @@
           <a:p>
             <a:pPr lvl="0"/>
             <a:r>
-              <a:rPr lang="fr-FR" smtClean="0"/>
+              <a:rPr lang="fr-FR"/>
               <a:t>Cliquez pour modifier les styles du texte du masque</a:t>
             </a:r>
           </a:p>
@@ -2465,7 +2481,7 @@
           <a:p>
             <a:fld id="{AA309A6D-C09C-4548-B29A-6CF363A7E532}" type="datetimeFigureOut">
               <a:rPr lang="fr-FR" smtClean="0"/>
-              <a:t>14/04/2018</a:t>
+              <a:t>20/04/2020</a:t>
             </a:fld>
             <a:endParaRPr lang="fr-BE"/>
           </a:p>
@@ -2569,7 +2585,7 @@
           <a:lstStyle/>
           <a:p>
             <a:r>
-              <a:rPr lang="fr-FR" smtClean="0"/>
+              <a:rPr lang="fr-FR"/>
               <a:t>Cliquez pour modifier le style du titre</a:t>
             </a:r>
             <a:endParaRPr lang="fr-BE"/>
@@ -2603,35 +2619,35 @@
           <a:p>
             <a:pPr lvl="0"/>
             <a:r>
-              <a:rPr lang="fr-FR" smtClean="0"/>
+              <a:rPr lang="fr-FR"/>
               <a:t>Cliquez pour modifier les styles du texte du masque</a:t>
             </a:r>
           </a:p>
           <a:p>
             <a:pPr lvl="1"/>
             <a:r>
-              <a:rPr lang="fr-FR" smtClean="0"/>
+              <a:rPr lang="fr-FR"/>
               <a:t>Deuxième niveau</a:t>
             </a:r>
           </a:p>
           <a:p>
             <a:pPr lvl="2"/>
             <a:r>
-              <a:rPr lang="fr-FR" smtClean="0"/>
+              <a:rPr lang="fr-FR"/>
               <a:t>Troisième niveau</a:t>
             </a:r>
           </a:p>
           <a:p>
             <a:pPr lvl="3"/>
             <a:r>
-              <a:rPr lang="fr-FR" smtClean="0"/>
+              <a:rPr lang="fr-FR"/>
               <a:t>Quatrième niveau</a:t>
             </a:r>
           </a:p>
           <a:p>
             <a:pPr lvl="4"/>
             <a:r>
-              <a:rPr lang="fr-FR" smtClean="0"/>
+              <a:rPr lang="fr-FR"/>
               <a:t>Cinquième niveau</a:t>
             </a:r>
             <a:endParaRPr lang="fr-BE"/>
@@ -2673,7 +2689,7 @@
           <a:p>
             <a:fld id="{AA309A6D-C09C-4548-B29A-6CF363A7E532}" type="datetimeFigureOut">
               <a:rPr lang="fr-FR" smtClean="0"/>
-              <a:t>14/04/2018</a:t>
+              <a:t>20/04/2020</a:t>
             </a:fld>
             <a:endParaRPr lang="fr-BE"/>
           </a:p>
@@ -3043,93 +3059,6 @@
           <a:chExt cx="0" cy="0"/>
         </a:xfrm>
       </p:grpSpPr>
-      <p:grpSp>
-        <p:nvGrpSpPr>
-          <p:cNvPr id="55" name="Groupe 54"/>
-          <p:cNvGrpSpPr/>
-          <p:nvPr/>
-        </p:nvGrpSpPr>
-        <p:grpSpPr>
-          <a:xfrm rot="19800000">
-            <a:off x="2903584" y="1137340"/>
-            <a:ext cx="720080" cy="720080"/>
-            <a:chOff x="971600" y="1268760"/>
-            <a:chExt cx="720080" cy="720080"/>
-          </a:xfrm>
-        </p:grpSpPr>
-        <p:cxnSp>
-          <p:nvCxnSpPr>
-            <p:cNvPr id="56" name="Connecteur droit avec flèche 55"/>
-            <p:cNvCxnSpPr/>
-            <p:nvPr/>
-          </p:nvCxnSpPr>
-          <p:spPr>
-            <a:xfrm flipV="1">
-              <a:off x="971600" y="1268760"/>
-              <a:ext cx="0" cy="720080"/>
-            </a:xfrm>
-            <a:prstGeom prst="straightConnector1">
-              <a:avLst/>
-            </a:prstGeom>
-            <a:ln w="19050">
-              <a:solidFill>
-                <a:srgbClr val="C00000"/>
-              </a:solidFill>
-              <a:tailEnd type="stealth" w="med" len="lg"/>
-            </a:ln>
-          </p:spPr>
-          <p:style>
-            <a:lnRef idx="1">
-              <a:schemeClr val="accent1"/>
-            </a:lnRef>
-            <a:fillRef idx="0">
-              <a:schemeClr val="accent1"/>
-            </a:fillRef>
-            <a:effectRef idx="0">
-              <a:schemeClr val="accent1"/>
-            </a:effectRef>
-            <a:fontRef idx="minor">
-              <a:schemeClr val="tx1"/>
-            </a:fontRef>
-          </p:style>
-        </p:cxnSp>
-        <p:cxnSp>
-          <p:nvCxnSpPr>
-            <p:cNvPr id="57" name="Connecteur droit avec flèche 56"/>
-            <p:cNvCxnSpPr/>
-            <p:nvPr/>
-          </p:nvCxnSpPr>
-          <p:spPr>
-            <a:xfrm rot="5400000" flipV="1">
-              <a:off x="1331640" y="1628800"/>
-              <a:ext cx="0" cy="720080"/>
-            </a:xfrm>
-            <a:prstGeom prst="straightConnector1">
-              <a:avLst/>
-            </a:prstGeom>
-            <a:ln w="19050">
-              <a:solidFill>
-                <a:srgbClr val="C00000"/>
-              </a:solidFill>
-              <a:tailEnd type="stealth" w="med" len="lg"/>
-            </a:ln>
-          </p:spPr>
-          <p:style>
-            <a:lnRef idx="1">
-              <a:schemeClr val="accent1"/>
-            </a:lnRef>
-            <a:fillRef idx="0">
-              <a:schemeClr val="accent1"/>
-            </a:fillRef>
-            <a:effectRef idx="0">
-              <a:schemeClr val="accent1"/>
-            </a:effectRef>
-            <a:fontRef idx="minor">
-              <a:schemeClr val="tx1"/>
-            </a:fontRef>
-          </p:style>
-        </p:cxnSp>
-      </p:grpSp>
       <p:grpSp>
         <p:nvGrpSpPr>
           <p:cNvPr id="21" name="Groupe 20"/>
@@ -3608,7 +3537,7 @@
               </a:prstGeom>
               <a:ln w="19050">
                 <a:solidFill>
-                  <a:srgbClr val="C00000"/>
+                  <a:srgbClr val="00B050"/>
                 </a:solidFill>
                 <a:tailEnd type="stealth" w="med" len="lg"/>
               </a:ln>
@@ -3644,7 +3573,7 @@
               </a:prstGeom>
               <a:ln w="19050">
                 <a:solidFill>
-                  <a:srgbClr val="C00000"/>
+                  <a:srgbClr val="00B050"/>
                 </a:solidFill>
                 <a:tailEnd type="stealth" w="med" len="lg"/>
               </a:ln>
@@ -3824,340 +3753,8 @@
           </p:sp>
         </p:grpSp>
       </p:grpSp>
-      <p:grpSp>
-        <p:nvGrpSpPr>
-          <p:cNvPr id="34" name="Groupe 33"/>
-          <p:cNvGrpSpPr/>
-          <p:nvPr/>
-        </p:nvGrpSpPr>
-        <p:grpSpPr>
-          <a:xfrm>
-            <a:off x="3131840" y="1268760"/>
-            <a:ext cx="720080" cy="720080"/>
-            <a:chOff x="971600" y="1268760"/>
-            <a:chExt cx="720080" cy="720080"/>
-          </a:xfrm>
-        </p:grpSpPr>
-        <p:cxnSp>
-          <p:nvCxnSpPr>
-            <p:cNvPr id="42" name="Connecteur droit avec flèche 41"/>
-            <p:cNvCxnSpPr/>
-            <p:nvPr/>
-          </p:nvCxnSpPr>
-          <p:spPr>
-            <a:xfrm flipV="1">
-              <a:off x="971600" y="1268760"/>
-              <a:ext cx="0" cy="720080"/>
-            </a:xfrm>
-            <a:prstGeom prst="straightConnector1">
-              <a:avLst/>
-            </a:prstGeom>
-            <a:ln w="19050">
-              <a:solidFill>
-                <a:srgbClr val="C00000"/>
-              </a:solidFill>
-              <a:tailEnd type="stealth" w="med" len="lg"/>
-            </a:ln>
-          </p:spPr>
-          <p:style>
-            <a:lnRef idx="1">
-              <a:schemeClr val="accent1"/>
-            </a:lnRef>
-            <a:fillRef idx="0">
-              <a:schemeClr val="accent1"/>
-            </a:fillRef>
-            <a:effectRef idx="0">
-              <a:schemeClr val="accent1"/>
-            </a:effectRef>
-            <a:fontRef idx="minor">
-              <a:schemeClr val="tx1"/>
-            </a:fontRef>
-          </p:style>
-        </p:cxnSp>
-        <p:cxnSp>
-          <p:nvCxnSpPr>
-            <p:cNvPr id="43" name="Connecteur droit avec flèche 42"/>
-            <p:cNvCxnSpPr/>
-            <p:nvPr/>
-          </p:nvCxnSpPr>
-          <p:spPr>
-            <a:xfrm rot="5400000" flipV="1">
-              <a:off x="1331640" y="1628800"/>
-              <a:ext cx="0" cy="720080"/>
-            </a:xfrm>
-            <a:prstGeom prst="straightConnector1">
-              <a:avLst/>
-            </a:prstGeom>
-            <a:ln w="19050">
-              <a:solidFill>
-                <a:srgbClr val="C00000"/>
-              </a:solidFill>
-              <a:tailEnd type="stealth" w="med" len="lg"/>
-            </a:ln>
-          </p:spPr>
-          <p:style>
-            <a:lnRef idx="1">
-              <a:schemeClr val="accent1"/>
-            </a:lnRef>
-            <a:fillRef idx="0">
-              <a:schemeClr val="accent1"/>
-            </a:fillRef>
-            <a:effectRef idx="0">
-              <a:schemeClr val="accent1"/>
-            </a:effectRef>
-            <a:fontRef idx="minor">
-              <a:schemeClr val="tx1"/>
-            </a:fontRef>
-          </p:style>
-        </p:cxnSp>
-      </p:grpSp>
-      <p:grpSp>
-        <p:nvGrpSpPr>
-          <p:cNvPr id="35" name="Groupe 34"/>
-          <p:cNvGrpSpPr/>
-          <p:nvPr/>
-        </p:nvGrpSpPr>
-        <p:grpSpPr>
-          <a:xfrm rot="20700000">
-            <a:off x="3021012" y="1187843"/>
-            <a:ext cx="720080" cy="720080"/>
-            <a:chOff x="971600" y="1268760"/>
-            <a:chExt cx="720080" cy="720080"/>
-          </a:xfrm>
-        </p:grpSpPr>
-        <p:cxnSp>
-          <p:nvCxnSpPr>
-            <p:cNvPr id="40" name="Connecteur droit avec flèche 39"/>
-            <p:cNvCxnSpPr/>
-            <p:nvPr/>
-          </p:nvCxnSpPr>
-          <p:spPr>
-            <a:xfrm flipV="1">
-              <a:off x="971600" y="1268760"/>
-              <a:ext cx="0" cy="720080"/>
-            </a:xfrm>
-            <a:prstGeom prst="straightConnector1">
-              <a:avLst/>
-            </a:prstGeom>
-            <a:ln w="19050">
-              <a:solidFill>
-                <a:srgbClr val="C00000"/>
-              </a:solidFill>
-              <a:tailEnd type="stealth" w="med" len="lg"/>
-            </a:ln>
-          </p:spPr>
-          <p:style>
-            <a:lnRef idx="1">
-              <a:schemeClr val="accent1"/>
-            </a:lnRef>
-            <a:fillRef idx="0">
-              <a:schemeClr val="accent1"/>
-            </a:fillRef>
-            <a:effectRef idx="0">
-              <a:schemeClr val="accent1"/>
-            </a:effectRef>
-            <a:fontRef idx="minor">
-              <a:schemeClr val="tx1"/>
-            </a:fontRef>
-          </p:style>
-        </p:cxnSp>
-        <p:cxnSp>
-          <p:nvCxnSpPr>
-            <p:cNvPr id="41" name="Connecteur droit avec flèche 40"/>
-            <p:cNvCxnSpPr/>
-            <p:nvPr/>
-          </p:nvCxnSpPr>
-          <p:spPr>
-            <a:xfrm rot="5400000" flipV="1">
-              <a:off x="1331640" y="1628800"/>
-              <a:ext cx="0" cy="720080"/>
-            </a:xfrm>
-            <a:prstGeom prst="straightConnector1">
-              <a:avLst/>
-            </a:prstGeom>
-            <a:ln w="19050">
-              <a:solidFill>
-                <a:srgbClr val="C00000"/>
-              </a:solidFill>
-              <a:tailEnd type="stealth" w="med" len="lg"/>
-            </a:ln>
-          </p:spPr>
-          <p:style>
-            <a:lnRef idx="1">
-              <a:schemeClr val="accent1"/>
-            </a:lnRef>
-            <a:fillRef idx="0">
-              <a:schemeClr val="accent1"/>
-            </a:fillRef>
-            <a:effectRef idx="0">
-              <a:schemeClr val="accent1"/>
-            </a:effectRef>
-            <a:fontRef idx="minor">
-              <a:schemeClr val="tx1"/>
-            </a:fontRef>
-          </p:style>
-        </p:cxnSp>
-      </p:grpSp>
-      <p:sp>
-        <p:nvSpPr>
-          <p:cNvPr id="36" name="Arc 35"/>
-          <p:cNvSpPr/>
-          <p:nvPr/>
-        </p:nvSpPr>
-        <p:spPr>
-          <a:xfrm>
-            <a:off x="2555776" y="1412777"/>
-            <a:ext cx="1152128" cy="1152128"/>
-          </a:xfrm>
-          <a:prstGeom prst="arc">
-            <a:avLst>
-              <a:gd name="adj1" fmla="val 20787483"/>
-              <a:gd name="adj2" fmla="val 21510070"/>
-            </a:avLst>
-          </a:prstGeom>
-          <a:ln>
-            <a:solidFill>
-              <a:srgbClr val="002060"/>
-            </a:solidFill>
-            <a:headEnd type="stealth" w="sm" len="med"/>
-          </a:ln>
-        </p:spPr>
-        <p:style>
-          <a:lnRef idx="1">
-            <a:schemeClr val="accent1"/>
-          </a:lnRef>
-          <a:fillRef idx="0">
-            <a:schemeClr val="accent1"/>
-          </a:fillRef>
-          <a:effectRef idx="0">
-            <a:schemeClr val="accent1"/>
-          </a:effectRef>
-          <a:fontRef idx="minor">
-            <a:schemeClr val="tx1"/>
-          </a:fontRef>
-        </p:style>
-        <p:txBody>
-          <a:bodyPr rtlCol="0" anchor="ctr"/>
-          <a:lstStyle/>
-          <a:p>
-            <a:pPr algn="ctr"/>
-            <a:endParaRPr lang="fr-FR"/>
-          </a:p>
-        </p:txBody>
-      </p:sp>
-      <p:grpSp>
-        <p:nvGrpSpPr>
-          <p:cNvPr id="37" name="Groupe 36"/>
-          <p:cNvGrpSpPr/>
-          <p:nvPr/>
-        </p:nvGrpSpPr>
-        <p:grpSpPr>
-          <a:xfrm>
-            <a:off x="3077840" y="1934841"/>
-            <a:ext cx="108000" cy="108000"/>
-            <a:chOff x="899592" y="1916833"/>
-            <a:chExt cx="108000" cy="108000"/>
-          </a:xfrm>
-        </p:grpSpPr>
-        <p:sp>
-          <p:nvSpPr>
-            <p:cNvPr id="38" name="Ellipse 37"/>
-            <p:cNvSpPr/>
-            <p:nvPr/>
-          </p:nvSpPr>
-          <p:spPr>
-            <a:xfrm>
-              <a:off x="899592" y="1916833"/>
-              <a:ext cx="108000" cy="108000"/>
-            </a:xfrm>
-            <a:prstGeom prst="ellipse">
-              <a:avLst/>
-            </a:prstGeom>
-            <a:solidFill>
-              <a:schemeClr val="bg1"/>
-            </a:solidFill>
-            <a:ln w="12700">
-              <a:solidFill>
-                <a:schemeClr val="tx1"/>
-              </a:solidFill>
-            </a:ln>
-          </p:spPr>
-          <p:style>
-            <a:lnRef idx="2">
-              <a:schemeClr val="accent1">
-                <a:shade val="50000"/>
-              </a:schemeClr>
-            </a:lnRef>
-            <a:fillRef idx="1">
-              <a:schemeClr val="accent1"/>
-            </a:fillRef>
-            <a:effectRef idx="0">
-              <a:schemeClr val="accent1"/>
-            </a:effectRef>
-            <a:fontRef idx="minor">
-              <a:schemeClr val="lt1"/>
-            </a:fontRef>
-          </p:style>
-          <p:txBody>
-            <a:bodyPr rtlCol="0" anchor="ctr"/>
-            <a:lstStyle/>
-            <a:p>
-              <a:pPr algn="ctr"/>
-              <a:endParaRPr lang="fr-FR"/>
-            </a:p>
-          </p:txBody>
-        </p:sp>
-        <p:sp>
-          <p:nvSpPr>
-            <p:cNvPr id="39" name="Ellipse 38"/>
-            <p:cNvSpPr/>
-            <p:nvPr/>
-          </p:nvSpPr>
-          <p:spPr>
-            <a:xfrm flipV="1">
-              <a:off x="935592" y="1952833"/>
-              <a:ext cx="36000" cy="36000"/>
-            </a:xfrm>
-            <a:prstGeom prst="ellipse">
-              <a:avLst/>
-            </a:prstGeom>
-            <a:solidFill>
-              <a:schemeClr val="tx1"/>
-            </a:solidFill>
-            <a:ln w="12700">
-              <a:solidFill>
-                <a:schemeClr val="tx1"/>
-              </a:solidFill>
-            </a:ln>
-          </p:spPr>
-          <p:style>
-            <a:lnRef idx="2">
-              <a:schemeClr val="accent1">
-                <a:shade val="50000"/>
-              </a:schemeClr>
-            </a:lnRef>
-            <a:fillRef idx="1">
-              <a:schemeClr val="accent1"/>
-            </a:fillRef>
-            <a:effectRef idx="0">
-              <a:schemeClr val="accent1"/>
-            </a:effectRef>
-            <a:fontRef idx="minor">
-              <a:schemeClr val="lt1"/>
-            </a:fontRef>
-          </p:style>
-          <p:txBody>
-            <a:bodyPr rtlCol="0" anchor="ctr"/>
-            <a:lstStyle/>
-            <a:p>
-              <a:pPr algn="ctr"/>
-              <a:endParaRPr lang="fr-FR"/>
-            </a:p>
-          </p:txBody>
-        </p:sp>
-      </p:grpSp>
-      <mc:AlternateContent xmlns:mc="http://schemas.openxmlformats.org/markup-compatibility/2006" xmlns:a14="http://schemas.microsoft.com/office/drawing/2010/main">
-        <mc:Choice Requires="a14">
+      <mc:AlternateContent xmlns:mc="http://schemas.openxmlformats.org/markup-compatibility/2006">
+        <mc:Choice xmlns:a14="http://schemas.microsoft.com/office/drawing/2010/main" Requires="a14">
           <p:sp>
             <p:nvSpPr>
               <p:cNvPr id="58" name="ZoneTexte 57"/>
@@ -4167,6 +3764,121 @@
             <p:spPr>
               <a:xfrm>
                 <a:off x="795730" y="1988839"/>
+                <a:ext cx="332720" cy="246221"/>
+              </a:xfrm>
+              <a:prstGeom prst="rect">
+                <a:avLst/>
+              </a:prstGeom>
+              <a:noFill/>
+            </p:spPr>
+            <p:txBody>
+              <a:bodyPr wrap="none" rtlCol="0">
+                <a:spAutoFit/>
+              </a:bodyPr>
+              <a:lstStyle/>
+              <a:p>
+                <a:pPr/>
+                <a14:m>
+                  <m:oMathPara xmlns:m="http://schemas.openxmlformats.org/officeDocument/2006/math">
+                    <m:oMathParaPr>
+                      <m:jc m:val="centerGroup"/>
+                    </m:oMathParaPr>
+                    <m:oMath xmlns:m="http://schemas.openxmlformats.org/officeDocument/2006/math">
+                      <m:acc>
+                        <m:accPr>
+                          <m:chr m:val="⃗"/>
+                          <m:ctrlPr>
+                            <a:rPr lang="fr-FR" sz="1000" b="0" i="1" smtClean="0">
+                              <a:latin typeface="Cambria Math" panose="02040503050406030204" pitchFamily="18" charset="0"/>
+                            </a:rPr>
+                          </m:ctrlPr>
+                        </m:accPr>
+                        <m:e>
+                          <m:sSub>
+                            <m:sSubPr>
+                              <m:ctrlPr>
+                                <a:rPr lang="fr-FR" sz="1000" i="1">
+                                  <a:latin typeface="Cambria Math" panose="02040503050406030204" pitchFamily="18" charset="0"/>
+                                </a:rPr>
+                              </m:ctrlPr>
+                            </m:sSubPr>
+                            <m:e>
+                              <m:r>
+                                <a:rPr lang="fr-FR" sz="1000" b="0" i="1" smtClean="0">
+                                  <a:latin typeface="Cambria Math" panose="02040503050406030204" pitchFamily="18" charset="0"/>
+                                </a:rPr>
+                                <m:t>𝑧</m:t>
+                              </m:r>
+                            </m:e>
+                            <m:sub>
+                              <m:r>
+                                <a:rPr lang="fr-FR" sz="1000" i="1">
+                                  <a:latin typeface="Cambria Math"/>
+                                </a:rPr>
+                                <m:t>0</m:t>
+                              </m:r>
+                            </m:sub>
+                          </m:sSub>
+                        </m:e>
+                      </m:acc>
+                    </m:oMath>
+                  </m:oMathPara>
+                </a14:m>
+                <a:endParaRPr lang="fr-FR" sz="1000" dirty="0"/>
+              </a:p>
+            </p:txBody>
+          </p:sp>
+        </mc:Choice>
+        <mc:Fallback>
+          <p:sp>
+            <p:nvSpPr>
+              <p:cNvPr id="58" name="ZoneTexte 57"/>
+              <p:cNvSpPr txBox="1">
+                <a:spLocks noRot="1" noChangeAspect="1" noMove="1" noResize="1" noEditPoints="1" noAdjustHandles="1" noChangeArrowheads="1" noChangeShapeType="1" noTextEdit="1"/>
+              </p:cNvSpPr>
+              <p:nvPr/>
+            </p:nvSpPr>
+            <p:spPr>
+              <a:xfrm>
+                <a:off x="795730" y="1988839"/>
+                <a:ext cx="332720" cy="246221"/>
+              </a:xfrm>
+              <a:prstGeom prst="rect">
+                <a:avLst/>
+              </a:prstGeom>
+              <a:blipFill>
+                <a:blip r:embed="rId2"/>
+                <a:stretch>
+                  <a:fillRect/>
+                </a:stretch>
+              </a:blipFill>
+            </p:spPr>
+            <p:txBody>
+              <a:bodyPr/>
+              <a:lstStyle/>
+              <a:p>
+                <a:r>
+                  <a:rPr lang="fr-FR">
+                    <a:noFill/>
+                  </a:rPr>
+                  <a:t> </a:t>
+                </a:r>
+              </a:p>
+            </p:txBody>
+          </p:sp>
+        </mc:Fallback>
+      </mc:AlternateContent>
+      <mc:AlternateContent xmlns:mc="http://schemas.openxmlformats.org/markup-compatibility/2006">
+        <mc:Choice xmlns:a14="http://schemas.microsoft.com/office/drawing/2010/main" Requires="a14">
+          <p:sp>
+            <p:nvSpPr>
+              <p:cNvPr id="60" name="ZoneTexte 59"/>
+              <p:cNvSpPr txBox="1"/>
+              <p:nvPr/>
+            </p:nvSpPr>
+            <p:spPr>
+              <a:xfrm>
+                <a:off x="1376085" y="1988838"/>
                 <a:ext cx="340991" cy="246221"/>
               </a:xfrm>
               <a:prstGeom prst="rect">
@@ -4192,7 +3904,7 @@
                           <m:chr m:val="⃗"/>
                           <m:ctrlPr>
                             <a:rPr lang="fr-FR" sz="1000" b="0" i="1" smtClean="0">
-                              <a:latin typeface="Cambria Math"/>
+                              <a:latin typeface="Cambria Math" panose="02040503050406030204" pitchFamily="18" charset="0"/>
                             </a:rPr>
                           </m:ctrlPr>
                         </m:accPr>
@@ -4201,14 +3913,14 @@
                             <m:sSubPr>
                               <m:ctrlPr>
                                 <a:rPr lang="fr-FR" sz="1000" i="1">
-                                  <a:latin typeface="Cambria Math"/>
+                                  <a:latin typeface="Cambria Math" panose="02040503050406030204" pitchFamily="18" charset="0"/>
                                 </a:rPr>
                               </m:ctrlPr>
                             </m:sSubPr>
                             <m:e>
                               <m:r>
-                                <a:rPr lang="fr-FR" sz="1000" i="1">
-                                  <a:latin typeface="Cambria Math"/>
+                                <a:rPr lang="fr-FR" sz="1000" b="0" i="1" smtClean="0">
+                                  <a:latin typeface="Cambria Math" panose="02040503050406030204" pitchFamily="18" charset="0"/>
                                 </a:rPr>
                                 <m:t>𝑥</m:t>
                               </m:r>
@@ -4232,10 +3944,10 @@
             </p:txBody>
           </p:sp>
         </mc:Choice>
-        <mc:Fallback xmlns="">
+        <mc:Fallback>
           <p:sp>
             <p:nvSpPr>
-              <p:cNvPr id="58" name="ZoneTexte 57"/>
+              <p:cNvPr id="60" name="ZoneTexte 59"/>
               <p:cNvSpPr txBox="1">
                 <a:spLocks noRot="1" noChangeAspect="1" noMove="1" noResize="1" noEditPoints="1" noAdjustHandles="1" noChangeArrowheads="1" noChangeShapeType="1" noTextEdit="1"/>
               </p:cNvSpPr>
@@ -4243,14 +3955,14 @@
             </p:nvSpPr>
             <p:spPr>
               <a:xfrm>
-                <a:off x="795730" y="1988839"/>
+                <a:off x="1376085" y="1988838"/>
                 <a:ext cx="340991" cy="246221"/>
               </a:xfrm>
               <a:prstGeom prst="rect">
                 <a:avLst/>
               </a:prstGeom>
-              <a:blipFill rotWithShape="1">
-                <a:blip r:embed="rId2"/>
+              <a:blipFill>
+                <a:blip r:embed="rId3"/>
                 <a:stretch>
                   <a:fillRect/>
                 </a:stretch>
@@ -4271,72 +3983,18 @@
           </p:sp>
         </mc:Fallback>
       </mc:AlternateContent>
-      <p:pic>
-        <p:nvPicPr>
-          <p:cNvPr id="1026" name="Picture 2"/>
-          <p:cNvPicPr>
-            <a:picLocks noChangeAspect="1" noChangeArrowheads="1"/>
-          </p:cNvPicPr>
-          <p:nvPr/>
-        </p:nvPicPr>
-        <p:blipFill>
-          <a:blip r:embed="rId3">
-            <a:extLst>
-              <a:ext uri="{28A0092B-C50C-407E-A947-70E740481C1C}">
-                <a14:useLocalDpi xmlns:a14="http://schemas.microsoft.com/office/drawing/2010/main" val="0"/>
-              </a:ext>
-            </a:extLst>
-          </a:blip>
-          <a:srcRect/>
-          <a:stretch>
-            <a:fillRect/>
-          </a:stretch>
-        </p:blipFill>
-        <p:spPr bwMode="auto">
-          <a:xfrm>
-            <a:off x="361115" y="2671650"/>
-            <a:ext cx="4498917" cy="1120837"/>
-          </a:xfrm>
-          <a:prstGeom prst="rect">
-            <a:avLst/>
-          </a:prstGeom>
-          <a:noFill/>
-          <a:ln>
-            <a:noFill/>
-          </a:ln>
-          <a:extLst>
-            <a:ext uri="{909E8E84-426E-40DD-AFC4-6F175D3DCCD1}">
-              <a14:hiddenFill xmlns:a14="http://schemas.microsoft.com/office/drawing/2010/main">
-                <a:solidFill>
-                  <a:schemeClr val="accent1"/>
-                </a:solidFill>
-              </a14:hiddenFill>
-            </a:ext>
-            <a:ext uri="{91240B29-F687-4F45-9708-019B960494DF}">
-              <a14:hiddenLine xmlns:a14="http://schemas.microsoft.com/office/drawing/2010/main" w="9525">
-                <a:solidFill>
-                  <a:schemeClr val="tx1"/>
-                </a:solidFill>
-                <a:miter lim="800000"/>
-                <a:headEnd/>
-                <a:tailEnd/>
-              </a14:hiddenLine>
-            </a:ext>
-          </a:extLst>
-        </p:spPr>
-      </p:pic>
-      <mc:AlternateContent xmlns:mc="http://schemas.openxmlformats.org/markup-compatibility/2006" xmlns:a14="http://schemas.microsoft.com/office/drawing/2010/main">
-        <mc:Choice Requires="a14">
+      <mc:AlternateContent xmlns:mc="http://schemas.openxmlformats.org/markup-compatibility/2006">
+        <mc:Choice xmlns:a14="http://schemas.microsoft.com/office/drawing/2010/main" Requires="a14">
           <p:sp>
             <p:nvSpPr>
-              <p:cNvPr id="60" name="ZoneTexte 59"/>
+              <p:cNvPr id="61" name="ZoneTexte 60"/>
               <p:cNvSpPr txBox="1"/>
               <p:nvPr/>
             </p:nvSpPr>
             <p:spPr>
               <a:xfrm>
-                <a:off x="1376085" y="1988838"/>
-                <a:ext cx="341567" cy="246221"/>
+                <a:off x="1726663" y="2042841"/>
+                <a:ext cx="616451" cy="246221"/>
               </a:xfrm>
               <a:prstGeom prst="rect">
                 <a:avLst/>
@@ -4361,7 +4019,7 @@
                           <m:chr m:val="⃗"/>
                           <m:ctrlPr>
                             <a:rPr lang="fr-FR" sz="1000" b="0" i="1" smtClean="0">
-                              <a:latin typeface="Cambria Math"/>
+                              <a:latin typeface="Cambria Math" panose="02040503050406030204" pitchFamily="18" charset="0"/>
                             </a:rPr>
                           </m:ctrlPr>
                         </m:accPr>
@@ -4370,122 +4028,7 @@
                             <m:sSubPr>
                               <m:ctrlPr>
                                 <a:rPr lang="fr-FR" sz="1000" i="1">
-                                  <a:latin typeface="Cambria Math"/>
-                                </a:rPr>
-                              </m:ctrlPr>
-                            </m:sSubPr>
-                            <m:e>
-                              <m:r>
-                                <a:rPr lang="fr-FR" sz="1000" b="0" i="1" smtClean="0">
-                                  <a:latin typeface="Cambria Math"/>
-                                </a:rPr>
-                                <m:t>𝑦</m:t>
-                              </m:r>
-                            </m:e>
-                            <m:sub>
-                              <m:r>
-                                <a:rPr lang="fr-FR" sz="1000" i="1">
-                                  <a:latin typeface="Cambria Math"/>
-                                </a:rPr>
-                                <m:t>0</m:t>
-                              </m:r>
-                            </m:sub>
-                          </m:sSub>
-                        </m:e>
-                      </m:acc>
-                    </m:oMath>
-                  </m:oMathPara>
-                </a14:m>
-                <a:endParaRPr lang="fr-FR" sz="1000" dirty="0"/>
-              </a:p>
-            </p:txBody>
-          </p:sp>
-        </mc:Choice>
-        <mc:Fallback xmlns="">
-          <p:sp>
-            <p:nvSpPr>
-              <p:cNvPr id="60" name="ZoneTexte 59"/>
-              <p:cNvSpPr txBox="1">
-                <a:spLocks noRot="1" noChangeAspect="1" noMove="1" noResize="1" noEditPoints="1" noAdjustHandles="1" noChangeArrowheads="1" noChangeShapeType="1" noTextEdit="1"/>
-              </p:cNvSpPr>
-              <p:nvPr/>
-            </p:nvSpPr>
-            <p:spPr>
-              <a:xfrm>
-                <a:off x="1376085" y="1988838"/>
-                <a:ext cx="341567" cy="246221"/>
-              </a:xfrm>
-              <a:prstGeom prst="rect">
-                <a:avLst/>
-              </a:prstGeom>
-              <a:blipFill rotWithShape="1">
-                <a:blip r:embed="rId4"/>
-                <a:stretch>
-                  <a:fillRect/>
-                </a:stretch>
-              </a:blipFill>
-            </p:spPr>
-            <p:txBody>
-              <a:bodyPr/>
-              <a:lstStyle/>
-              <a:p>
-                <a:r>
-                  <a:rPr lang="fr-FR">
-                    <a:noFill/>
-                  </a:rPr>
-                  <a:t> </a:t>
-                </a:r>
-              </a:p>
-            </p:txBody>
-          </p:sp>
-        </mc:Fallback>
-      </mc:AlternateContent>
-      <mc:AlternateContent xmlns:mc="http://schemas.openxmlformats.org/markup-compatibility/2006" xmlns:a14="http://schemas.microsoft.com/office/drawing/2010/main">
-        <mc:Choice Requires="a14">
-          <p:sp>
-            <p:nvSpPr>
-              <p:cNvPr id="61" name="ZoneTexte 60"/>
-              <p:cNvSpPr txBox="1"/>
-              <p:nvPr/>
-            </p:nvSpPr>
-            <p:spPr>
-              <a:xfrm>
-                <a:off x="1726663" y="2042841"/>
-                <a:ext cx="650114" cy="246221"/>
-              </a:xfrm>
-              <a:prstGeom prst="rect">
-                <a:avLst/>
-              </a:prstGeom>
-              <a:noFill/>
-            </p:spPr>
-            <p:txBody>
-              <a:bodyPr wrap="none" rtlCol="0">
-                <a:spAutoFit/>
-              </a:bodyPr>
-              <a:lstStyle/>
-              <a:p>
-                <a:pPr/>
-                <a14:m>
-                  <m:oMathPara xmlns:m="http://schemas.openxmlformats.org/officeDocument/2006/math">
-                    <m:oMathParaPr>
-                      <m:jc m:val="centerGroup"/>
-                    </m:oMathParaPr>
-                    <m:oMath xmlns:m="http://schemas.openxmlformats.org/officeDocument/2006/math">
-                      <m:acc>
-                        <m:accPr>
-                          <m:chr m:val="⃗"/>
-                          <m:ctrlPr>
-                            <a:rPr lang="fr-FR" sz="1000" b="0" i="1" smtClean="0">
-                              <a:latin typeface="Cambria Math"/>
-                            </a:rPr>
-                          </m:ctrlPr>
-                        </m:accPr>
-                        <m:e>
-                          <m:sSub>
-                            <m:sSubPr>
-                              <m:ctrlPr>
-                                <a:rPr lang="fr-FR" sz="1000" i="1">
-                                  <a:latin typeface="Cambria Math"/>
+                                  <a:latin typeface="Cambria Math" panose="02040503050406030204" pitchFamily="18" charset="0"/>
                                 </a:rPr>
                               </m:ctrlPr>
                             </m:sSubPr>
@@ -4519,7 +4062,7 @@
                           <m:chr m:val="⃗"/>
                           <m:ctrlPr>
                             <a:rPr lang="fr-FR" sz="1000" i="1">
-                              <a:latin typeface="Cambria Math"/>
+                              <a:latin typeface="Cambria Math" panose="02040503050406030204" pitchFamily="18" charset="0"/>
                             </a:rPr>
                           </m:ctrlPr>
                         </m:accPr>
@@ -4528,7 +4071,7 @@
                             <m:sSubPr>
                               <m:ctrlPr>
                                 <a:rPr lang="fr-FR" sz="1000" b="0" i="1" smtClean="0">
-                                  <a:latin typeface="Cambria Math"/>
+                                  <a:latin typeface="Cambria Math" panose="02040503050406030204" pitchFamily="18" charset="0"/>
                                 </a:rPr>
                               </m:ctrlPr>
                             </m:sSubPr>
@@ -4551,12 +4094,6 @@
                           </m:sSub>
                         </m:e>
                       </m:acc>
-                      <m:r>
-                        <a:rPr lang="fr-FR" sz="1000" b="0" i="1" smtClean="0">
-                          <a:latin typeface="Cambria Math"/>
-                        </a:rPr>
-                        <m:t>′</m:t>
-                      </m:r>
                     </m:oMath>
                   </m:oMathPara>
                 </a14:m>
@@ -4565,7 +4102,7 @@
             </p:txBody>
           </p:sp>
         </mc:Choice>
-        <mc:Fallback xmlns="">
+        <mc:Fallback>
           <p:sp>
             <p:nvSpPr>
               <p:cNvPr id="61" name="ZoneTexte 60"/>
@@ -4577,13 +4114,13 @@
             <p:spPr>
               <a:xfrm>
                 <a:off x="1726663" y="2042841"/>
-                <a:ext cx="650114" cy="246221"/>
+                <a:ext cx="616451" cy="246221"/>
               </a:xfrm>
               <a:prstGeom prst="rect">
                 <a:avLst/>
               </a:prstGeom>
-              <a:blipFill rotWithShape="1">
-                <a:blip r:embed="rId5"/>
+              <a:blipFill>
+                <a:blip r:embed="rId4"/>
                 <a:stretch>
                   <a:fillRect/>
                 </a:stretch>
@@ -4604,8 +4141,8 @@
           </p:sp>
         </mc:Fallback>
       </mc:AlternateContent>
-      <mc:AlternateContent xmlns:mc="http://schemas.openxmlformats.org/markup-compatibility/2006" xmlns:a14="http://schemas.microsoft.com/office/drawing/2010/main">
-        <mc:Choice Requires="a14">
+      <mc:AlternateContent xmlns:mc="http://schemas.openxmlformats.org/markup-compatibility/2006">
+        <mc:Choice xmlns:a14="http://schemas.microsoft.com/office/drawing/2010/main" Requires="a14">
           <p:sp>
             <p:nvSpPr>
               <p:cNvPr id="62" name="ZoneTexte 61"/>
@@ -4615,7 +4152,7 @@
             <p:spPr>
               <a:xfrm>
                 <a:off x="1359253" y="1548316"/>
-                <a:ext cx="375231" cy="246221"/>
+                <a:ext cx="338041" cy="246221"/>
               </a:xfrm>
               <a:prstGeom prst="rect">
                 <a:avLst/>
@@ -4640,7 +4177,7 @@
                           <m:chr m:val="⃗"/>
                           <m:ctrlPr>
                             <a:rPr lang="fr-FR" sz="1000" b="0" i="1" smtClean="0">
-                              <a:latin typeface="Cambria Math"/>
+                              <a:latin typeface="Cambria Math" panose="02040503050406030204" pitchFamily="18" charset="0"/>
                             </a:rPr>
                           </m:ctrlPr>
                         </m:accPr>
@@ -4649,35 +4186,29 @@
                             <m:sSubPr>
                               <m:ctrlPr>
                                 <a:rPr lang="fr-FR" sz="1000" i="1">
-                                  <a:latin typeface="Cambria Math"/>
+                                  <a:latin typeface="Cambria Math" panose="02040503050406030204" pitchFamily="18" charset="0"/>
                                 </a:rPr>
                               </m:ctrlPr>
                             </m:sSubPr>
                             <m:e>
                               <m:r>
                                 <a:rPr lang="fr-FR" sz="1000" b="0" i="1" smtClean="0">
-                                  <a:latin typeface="Cambria Math"/>
+                                  <a:latin typeface="Cambria Math" panose="02040503050406030204" pitchFamily="18" charset="0"/>
                                 </a:rPr>
-                                <m:t>𝑦</m:t>
+                                <m:t>𝑥</m:t>
                               </m:r>
                             </m:e>
                             <m:sub>
                               <m:r>
-                                <a:rPr lang="fr-FR" sz="1000" i="1">
-                                  <a:latin typeface="Cambria Math"/>
+                                <a:rPr lang="fr-FR" sz="1000" b="0" i="1" smtClean="0">
+                                  <a:latin typeface="Cambria Math" panose="02040503050406030204" pitchFamily="18" charset="0"/>
                                 </a:rPr>
-                                <m:t>0</m:t>
+                                <m:t>1</m:t>
                               </m:r>
                             </m:sub>
                           </m:sSub>
                         </m:e>
                       </m:acc>
-                      <m:r>
-                        <a:rPr lang="fr-FR" sz="1000" b="0" i="1" smtClean="0">
-                          <a:latin typeface="Cambria Math"/>
-                        </a:rPr>
-                        <m:t>′</m:t>
-                      </m:r>
                     </m:oMath>
                   </m:oMathPara>
                 </a14:m>
@@ -4686,7 +4217,7 @@
             </p:txBody>
           </p:sp>
         </mc:Choice>
-        <mc:Fallback xmlns="">
+        <mc:Fallback>
           <p:sp>
             <p:nvSpPr>
               <p:cNvPr id="62" name="ZoneTexte 61"/>
@@ -4698,13 +4229,13 @@
             <p:spPr>
               <a:xfrm>
                 <a:off x="1359253" y="1548316"/>
-                <a:ext cx="375231" cy="246221"/>
+                <a:ext cx="338041" cy="246221"/>
               </a:xfrm>
               <a:prstGeom prst="rect">
                 <a:avLst/>
               </a:prstGeom>
-              <a:blipFill rotWithShape="1">
-                <a:blip r:embed="rId6"/>
+              <a:blipFill>
+                <a:blip r:embed="rId5"/>
                 <a:stretch>
                   <a:fillRect/>
                 </a:stretch>
@@ -4725,8 +4256,8 @@
           </p:sp>
         </mc:Fallback>
       </mc:AlternateContent>
-      <mc:AlternateContent xmlns:mc="http://schemas.openxmlformats.org/markup-compatibility/2006" xmlns:a14="http://schemas.microsoft.com/office/drawing/2010/main">
-        <mc:Choice Requires="a14">
+      <mc:AlternateContent xmlns:mc="http://schemas.openxmlformats.org/markup-compatibility/2006">
+        <mc:Choice xmlns:a14="http://schemas.microsoft.com/office/drawing/2010/main" Requires="a14">
           <p:sp>
             <p:nvSpPr>
               <p:cNvPr id="63" name="ZoneTexte 62"/>
@@ -4736,7 +4267,7 @@
             <p:spPr>
               <a:xfrm>
                 <a:off x="972430" y="1014606"/>
-                <a:ext cx="332720" cy="246221"/>
+                <a:ext cx="341567" cy="246221"/>
               </a:xfrm>
               <a:prstGeom prst="rect">
                 <a:avLst/>
@@ -4761,7 +4292,7 @@
                           <m:chr m:val="⃗"/>
                           <m:ctrlPr>
                             <a:rPr lang="fr-FR" sz="1000" b="0" i="1" smtClean="0">
-                              <a:latin typeface="Cambria Math"/>
+                              <a:latin typeface="Cambria Math" panose="02040503050406030204" pitchFamily="18" charset="0"/>
                             </a:rPr>
                           </m:ctrlPr>
                         </m:accPr>
@@ -4770,16 +4301,16 @@
                             <m:sSubPr>
                               <m:ctrlPr>
                                 <a:rPr lang="fr-FR" sz="1000" i="1">
-                                  <a:latin typeface="Cambria Math"/>
+                                  <a:latin typeface="Cambria Math" panose="02040503050406030204" pitchFamily="18" charset="0"/>
                                 </a:rPr>
                               </m:ctrlPr>
                             </m:sSubPr>
                             <m:e>
                               <m:r>
                                 <a:rPr lang="fr-FR" sz="1000" b="0" i="1" smtClean="0">
-                                  <a:latin typeface="Cambria Math"/>
+                                  <a:latin typeface="Cambria Math" panose="02040503050406030204" pitchFamily="18" charset="0"/>
                                 </a:rPr>
-                                <m:t>𝑧</m:t>
+                                <m:t>𝑦</m:t>
                               </m:r>
                             </m:e>
                             <m:sub>
@@ -4801,7 +4332,7 @@
             </p:txBody>
           </p:sp>
         </mc:Choice>
-        <mc:Fallback xmlns="">
+        <mc:Fallback>
           <p:sp>
             <p:nvSpPr>
               <p:cNvPr id="63" name="ZoneTexte 62"/>
@@ -4813,13 +4344,13 @@
             <p:spPr>
               <a:xfrm>
                 <a:off x="972430" y="1014606"/>
-                <a:ext cx="332720" cy="246221"/>
+                <a:ext cx="341567" cy="246221"/>
               </a:xfrm>
               <a:prstGeom prst="rect">
                 <a:avLst/>
               </a:prstGeom>
-              <a:blipFill rotWithShape="1">
-                <a:blip r:embed="rId7"/>
+              <a:blipFill>
+                <a:blip r:embed="rId6"/>
                 <a:stretch>
                   <a:fillRect/>
                 </a:stretch>
@@ -4840,8 +4371,8 @@
           </p:sp>
         </mc:Fallback>
       </mc:AlternateContent>
-      <mc:AlternateContent xmlns:mc="http://schemas.openxmlformats.org/markup-compatibility/2006" xmlns:a14="http://schemas.microsoft.com/office/drawing/2010/main">
-        <mc:Choice Requires="a14">
+      <mc:AlternateContent xmlns:mc="http://schemas.openxmlformats.org/markup-compatibility/2006">
+        <mc:Choice xmlns:a14="http://schemas.microsoft.com/office/drawing/2010/main" Requires="a14">
           <p:sp>
             <p:nvSpPr>
               <p:cNvPr id="64" name="ZoneTexte 63"/>
@@ -4851,242 +4382,6 @@
             <p:spPr>
               <a:xfrm>
                 <a:off x="594830" y="1014605"/>
-                <a:ext cx="329769" cy="246221"/>
-              </a:xfrm>
-              <a:prstGeom prst="rect">
-                <a:avLst/>
-              </a:prstGeom>
-              <a:noFill/>
-            </p:spPr>
-            <p:txBody>
-              <a:bodyPr wrap="none" rtlCol="0">
-                <a:spAutoFit/>
-              </a:bodyPr>
-              <a:lstStyle/>
-              <a:p>
-                <a:pPr/>
-                <a14:m>
-                  <m:oMathPara xmlns:m="http://schemas.openxmlformats.org/officeDocument/2006/math">
-                    <m:oMathParaPr>
-                      <m:jc m:val="centerGroup"/>
-                    </m:oMathParaPr>
-                    <m:oMath xmlns:m="http://schemas.openxmlformats.org/officeDocument/2006/math">
-                      <m:acc>
-                        <m:accPr>
-                          <m:chr m:val="⃗"/>
-                          <m:ctrlPr>
-                            <a:rPr lang="fr-FR" sz="1000" b="0" i="1" smtClean="0">
-                              <a:latin typeface="Cambria Math"/>
-                            </a:rPr>
-                          </m:ctrlPr>
-                        </m:accPr>
-                        <m:e>
-                          <m:sSub>
-                            <m:sSubPr>
-                              <m:ctrlPr>
-                                <a:rPr lang="fr-FR" sz="1000" i="1">
-                                  <a:latin typeface="Cambria Math"/>
-                                </a:rPr>
-                              </m:ctrlPr>
-                            </m:sSubPr>
-                            <m:e>
-                              <m:r>
-                                <a:rPr lang="fr-FR" sz="1000" b="0" i="1" smtClean="0">
-                                  <a:latin typeface="Cambria Math"/>
-                                </a:rPr>
-                                <m:t>𝑧</m:t>
-                              </m:r>
-                            </m:e>
-                            <m:sub>
-                              <m:r>
-                                <a:rPr lang="fr-FR" sz="1000" b="0" i="1" smtClean="0">
-                                  <a:latin typeface="Cambria Math"/>
-                                </a:rPr>
-                                <m:t>1</m:t>
-                              </m:r>
-                            </m:sub>
-                          </m:sSub>
-                        </m:e>
-                      </m:acc>
-                    </m:oMath>
-                  </m:oMathPara>
-                </a14:m>
-                <a:endParaRPr lang="fr-FR" sz="1000" dirty="0"/>
-              </a:p>
-            </p:txBody>
-          </p:sp>
-        </mc:Choice>
-        <mc:Fallback xmlns="">
-          <p:sp>
-            <p:nvSpPr>
-              <p:cNvPr id="64" name="ZoneTexte 63"/>
-              <p:cNvSpPr txBox="1">
-                <a:spLocks noRot="1" noChangeAspect="1" noMove="1" noResize="1" noEditPoints="1" noAdjustHandles="1" noChangeArrowheads="1" noChangeShapeType="1" noTextEdit="1"/>
-              </p:cNvSpPr>
-              <p:nvPr/>
-            </p:nvSpPr>
-            <p:spPr>
-              <a:xfrm>
-                <a:off x="594830" y="1014605"/>
-                <a:ext cx="329769" cy="246221"/>
-              </a:xfrm>
-              <a:prstGeom prst="rect">
-                <a:avLst/>
-              </a:prstGeom>
-              <a:blipFill rotWithShape="1">
-                <a:blip r:embed="rId8"/>
-                <a:stretch>
-                  <a:fillRect/>
-                </a:stretch>
-              </a:blipFill>
-            </p:spPr>
-            <p:txBody>
-              <a:bodyPr/>
-              <a:lstStyle/>
-              <a:p>
-                <a:r>
-                  <a:rPr lang="fr-FR">
-                    <a:noFill/>
-                  </a:rPr>
-                  <a:t> </a:t>
-                </a:r>
-              </a:p>
-            </p:txBody>
-          </p:sp>
-        </mc:Fallback>
-      </mc:AlternateContent>
-      <mc:AlternateContent xmlns:mc="http://schemas.openxmlformats.org/markup-compatibility/2006" xmlns:a14="http://schemas.microsoft.com/office/drawing/2010/main">
-        <mc:Choice Requires="a14">
-          <p:sp>
-            <p:nvSpPr>
-              <p:cNvPr id="65" name="ZoneTexte 64"/>
-              <p:cNvSpPr txBox="1"/>
-              <p:nvPr/>
-            </p:nvSpPr>
-            <p:spPr>
-              <a:xfrm>
-                <a:off x="2051720" y="1022539"/>
-                <a:ext cx="375231" cy="246221"/>
-              </a:xfrm>
-              <a:prstGeom prst="rect">
-                <a:avLst/>
-              </a:prstGeom>
-              <a:noFill/>
-            </p:spPr>
-            <p:txBody>
-              <a:bodyPr wrap="none" rtlCol="0">
-                <a:spAutoFit/>
-              </a:bodyPr>
-              <a:lstStyle/>
-              <a:p>
-                <a:pPr/>
-                <a14:m>
-                  <m:oMathPara xmlns:m="http://schemas.openxmlformats.org/officeDocument/2006/math">
-                    <m:oMathParaPr>
-                      <m:jc m:val="centerGroup"/>
-                    </m:oMathParaPr>
-                    <m:oMath xmlns:m="http://schemas.openxmlformats.org/officeDocument/2006/math">
-                      <m:acc>
-                        <m:accPr>
-                          <m:chr m:val="⃗"/>
-                          <m:ctrlPr>
-                            <a:rPr lang="fr-FR" sz="1000" b="0" i="1" smtClean="0">
-                              <a:latin typeface="Cambria Math"/>
-                            </a:rPr>
-                          </m:ctrlPr>
-                        </m:accPr>
-                        <m:e>
-                          <m:sSub>
-                            <m:sSubPr>
-                              <m:ctrlPr>
-                                <a:rPr lang="fr-FR" sz="1000" i="1">
-                                  <a:latin typeface="Cambria Math"/>
-                                </a:rPr>
-                              </m:ctrlPr>
-                            </m:sSubPr>
-                            <m:e>
-                              <m:r>
-                                <a:rPr lang="fr-FR" sz="1000" b="0" i="1" smtClean="0">
-                                  <a:latin typeface="Cambria Math"/>
-                                </a:rPr>
-                                <m:t>𝑦</m:t>
-                              </m:r>
-                            </m:e>
-                            <m:sub>
-                              <m:r>
-                                <a:rPr lang="fr-FR" sz="1000" i="1">
-                                  <a:latin typeface="Cambria Math"/>
-                                </a:rPr>
-                                <m:t>0</m:t>
-                              </m:r>
-                            </m:sub>
-                          </m:sSub>
-                        </m:e>
-                      </m:acc>
-                      <m:r>
-                        <a:rPr lang="fr-FR" sz="1000" b="0" i="1" smtClean="0">
-                          <a:latin typeface="Cambria Math"/>
-                        </a:rPr>
-                        <m:t>′</m:t>
-                      </m:r>
-                    </m:oMath>
-                  </m:oMathPara>
-                </a14:m>
-                <a:endParaRPr lang="fr-FR" sz="1000" dirty="0"/>
-              </a:p>
-            </p:txBody>
-          </p:sp>
-        </mc:Choice>
-        <mc:Fallback xmlns="">
-          <p:sp>
-            <p:nvSpPr>
-              <p:cNvPr id="65" name="ZoneTexte 64"/>
-              <p:cNvSpPr txBox="1">
-                <a:spLocks noRot="1" noChangeAspect="1" noMove="1" noResize="1" noEditPoints="1" noAdjustHandles="1" noChangeArrowheads="1" noChangeShapeType="1" noTextEdit="1"/>
-              </p:cNvSpPr>
-              <p:nvPr/>
-            </p:nvSpPr>
-            <p:spPr>
-              <a:xfrm>
-                <a:off x="2051720" y="1022539"/>
-                <a:ext cx="375231" cy="246221"/>
-              </a:xfrm>
-              <a:prstGeom prst="rect">
-                <a:avLst/>
-              </a:prstGeom>
-              <a:blipFill rotWithShape="1">
-                <a:blip r:embed="rId9"/>
-                <a:stretch>
-                  <a:fillRect/>
-                </a:stretch>
-              </a:blipFill>
-            </p:spPr>
-            <p:txBody>
-              <a:bodyPr/>
-              <a:lstStyle/>
-              <a:p>
-                <a:r>
-                  <a:rPr lang="fr-FR">
-                    <a:noFill/>
-                  </a:rPr>
-                  <a:t> </a:t>
-                </a:r>
-              </a:p>
-            </p:txBody>
-          </p:sp>
-        </mc:Fallback>
-      </mc:AlternateContent>
-      <mc:AlternateContent xmlns:mc="http://schemas.openxmlformats.org/markup-compatibility/2006" xmlns:a14="http://schemas.microsoft.com/office/drawing/2010/main">
-        <mc:Choice Requires="a14">
-          <p:sp>
-            <p:nvSpPr>
-              <p:cNvPr id="66" name="ZoneTexte 65"/>
-              <p:cNvSpPr txBox="1"/>
-              <p:nvPr/>
-            </p:nvSpPr>
-            <p:spPr>
-              <a:xfrm>
-                <a:off x="1674120" y="1022538"/>
                 <a:ext cx="338618" cy="246221"/>
               </a:xfrm>
               <a:prstGeom prst="rect">
@@ -5112,7 +4407,7 @@
                           <m:chr m:val="⃗"/>
                           <m:ctrlPr>
                             <a:rPr lang="fr-FR" sz="1000" b="0" i="1" smtClean="0">
-                              <a:latin typeface="Cambria Math"/>
+                              <a:latin typeface="Cambria Math" panose="02040503050406030204" pitchFamily="18" charset="0"/>
                             </a:rPr>
                           </m:ctrlPr>
                         </m:accPr>
@@ -5121,14 +4416,14 @@
                             <m:sSubPr>
                               <m:ctrlPr>
                                 <a:rPr lang="fr-FR" sz="1000" i="1">
-                                  <a:latin typeface="Cambria Math"/>
+                                  <a:latin typeface="Cambria Math" panose="02040503050406030204" pitchFamily="18" charset="0"/>
                                 </a:rPr>
                               </m:ctrlPr>
                             </m:sSubPr>
                             <m:e>
                               <m:r>
                                 <a:rPr lang="fr-FR" sz="1000" b="0" i="1" smtClean="0">
-                                  <a:latin typeface="Cambria Math"/>
+                                  <a:latin typeface="Cambria Math" panose="02040503050406030204" pitchFamily="18" charset="0"/>
                                 </a:rPr>
                                 <m:t>𝑦</m:t>
                               </m:r>
@@ -5152,7 +4447,237 @@
             </p:txBody>
           </p:sp>
         </mc:Choice>
-        <mc:Fallback xmlns="">
+        <mc:Fallback>
+          <p:sp>
+            <p:nvSpPr>
+              <p:cNvPr id="64" name="ZoneTexte 63"/>
+              <p:cNvSpPr txBox="1">
+                <a:spLocks noRot="1" noChangeAspect="1" noMove="1" noResize="1" noEditPoints="1" noAdjustHandles="1" noChangeArrowheads="1" noChangeShapeType="1" noTextEdit="1"/>
+              </p:cNvSpPr>
+              <p:nvPr/>
+            </p:nvSpPr>
+            <p:spPr>
+              <a:xfrm>
+                <a:off x="594830" y="1014605"/>
+                <a:ext cx="338618" cy="246221"/>
+              </a:xfrm>
+              <a:prstGeom prst="rect">
+                <a:avLst/>
+              </a:prstGeom>
+              <a:blipFill>
+                <a:blip r:embed="rId7"/>
+                <a:stretch>
+                  <a:fillRect/>
+                </a:stretch>
+              </a:blipFill>
+            </p:spPr>
+            <p:txBody>
+              <a:bodyPr/>
+              <a:lstStyle/>
+              <a:p>
+                <a:r>
+                  <a:rPr lang="fr-FR">
+                    <a:noFill/>
+                  </a:rPr>
+                  <a:t> </a:t>
+                </a:r>
+              </a:p>
+            </p:txBody>
+          </p:sp>
+        </mc:Fallback>
+      </mc:AlternateContent>
+      <mc:AlternateContent xmlns:mc="http://schemas.openxmlformats.org/markup-compatibility/2006">
+        <mc:Choice xmlns:a14="http://schemas.microsoft.com/office/drawing/2010/main" Requires="a14">
+          <p:sp>
+            <p:nvSpPr>
+              <p:cNvPr id="65" name="ZoneTexte 64"/>
+              <p:cNvSpPr txBox="1"/>
+              <p:nvPr/>
+            </p:nvSpPr>
+            <p:spPr>
+              <a:xfrm>
+                <a:off x="2051720" y="1022539"/>
+                <a:ext cx="341568" cy="246221"/>
+              </a:xfrm>
+              <a:prstGeom prst="rect">
+                <a:avLst/>
+              </a:prstGeom>
+              <a:noFill/>
+            </p:spPr>
+            <p:txBody>
+              <a:bodyPr wrap="none" rtlCol="0">
+                <a:spAutoFit/>
+              </a:bodyPr>
+              <a:lstStyle/>
+              <a:p>
+                <a:pPr/>
+                <a14:m>
+                  <m:oMathPara xmlns:m="http://schemas.openxmlformats.org/officeDocument/2006/math">
+                    <m:oMathParaPr>
+                      <m:jc m:val="centerGroup"/>
+                    </m:oMathParaPr>
+                    <m:oMath xmlns:m="http://schemas.openxmlformats.org/officeDocument/2006/math">
+                      <m:acc>
+                        <m:accPr>
+                          <m:chr m:val="⃗"/>
+                          <m:ctrlPr>
+                            <a:rPr lang="fr-FR" sz="1000" b="0" i="1" smtClean="0">
+                              <a:latin typeface="Cambria Math" panose="02040503050406030204" pitchFamily="18" charset="0"/>
+                            </a:rPr>
+                          </m:ctrlPr>
+                        </m:accPr>
+                        <m:e>
+                          <m:sSub>
+                            <m:sSubPr>
+                              <m:ctrlPr>
+                                <a:rPr lang="fr-FR" sz="1000" i="1">
+                                  <a:latin typeface="Cambria Math" panose="02040503050406030204" pitchFamily="18" charset="0"/>
+                                </a:rPr>
+                              </m:ctrlPr>
+                            </m:sSubPr>
+                            <m:e>
+                              <m:r>
+                                <a:rPr lang="fr-FR" sz="1000" b="0" i="1" smtClean="0">
+                                  <a:latin typeface="Cambria Math"/>
+                                </a:rPr>
+                                <m:t>𝑦</m:t>
+                              </m:r>
+                            </m:e>
+                            <m:sub>
+                              <m:r>
+                                <a:rPr lang="fr-FR" sz="1000" i="1">
+                                  <a:latin typeface="Cambria Math"/>
+                                </a:rPr>
+                                <m:t>0</m:t>
+                              </m:r>
+                            </m:sub>
+                          </m:sSub>
+                        </m:e>
+                      </m:acc>
+                    </m:oMath>
+                  </m:oMathPara>
+                </a14:m>
+                <a:endParaRPr lang="fr-FR" sz="1000" dirty="0"/>
+              </a:p>
+            </p:txBody>
+          </p:sp>
+        </mc:Choice>
+        <mc:Fallback>
+          <p:sp>
+            <p:nvSpPr>
+              <p:cNvPr id="65" name="ZoneTexte 64"/>
+              <p:cNvSpPr txBox="1">
+                <a:spLocks noRot="1" noChangeAspect="1" noMove="1" noResize="1" noEditPoints="1" noAdjustHandles="1" noChangeArrowheads="1" noChangeShapeType="1" noTextEdit="1"/>
+              </p:cNvSpPr>
+              <p:nvPr/>
+            </p:nvSpPr>
+            <p:spPr>
+              <a:xfrm>
+                <a:off x="2051720" y="1022539"/>
+                <a:ext cx="341568" cy="246221"/>
+              </a:xfrm>
+              <a:prstGeom prst="rect">
+                <a:avLst/>
+              </a:prstGeom>
+              <a:blipFill>
+                <a:blip r:embed="rId8"/>
+                <a:stretch>
+                  <a:fillRect/>
+                </a:stretch>
+              </a:blipFill>
+            </p:spPr>
+            <p:txBody>
+              <a:bodyPr/>
+              <a:lstStyle/>
+              <a:p>
+                <a:r>
+                  <a:rPr lang="fr-FR">
+                    <a:noFill/>
+                  </a:rPr>
+                  <a:t> </a:t>
+                </a:r>
+              </a:p>
+            </p:txBody>
+          </p:sp>
+        </mc:Fallback>
+      </mc:AlternateContent>
+      <mc:AlternateContent xmlns:mc="http://schemas.openxmlformats.org/markup-compatibility/2006">
+        <mc:Choice xmlns:a14="http://schemas.microsoft.com/office/drawing/2010/main" Requires="a14">
+          <p:sp>
+            <p:nvSpPr>
+              <p:cNvPr id="66" name="ZoneTexte 65"/>
+              <p:cNvSpPr txBox="1"/>
+              <p:nvPr/>
+            </p:nvSpPr>
+            <p:spPr>
+              <a:xfrm>
+                <a:off x="1674120" y="1022538"/>
+                <a:ext cx="341568" cy="246221"/>
+              </a:xfrm>
+              <a:prstGeom prst="rect">
+                <a:avLst/>
+              </a:prstGeom>
+              <a:noFill/>
+            </p:spPr>
+            <p:txBody>
+              <a:bodyPr wrap="none" rtlCol="0">
+                <a:spAutoFit/>
+              </a:bodyPr>
+              <a:lstStyle/>
+              <a:p>
+                <a:pPr/>
+                <a14:m>
+                  <m:oMathPara xmlns:m="http://schemas.openxmlformats.org/officeDocument/2006/math">
+                    <m:oMathParaPr>
+                      <m:jc m:val="centerGroup"/>
+                    </m:oMathParaPr>
+                    <m:oMath xmlns:m="http://schemas.openxmlformats.org/officeDocument/2006/math">
+                      <m:acc>
+                        <m:accPr>
+                          <m:chr m:val="⃗"/>
+                          <m:ctrlPr>
+                            <a:rPr lang="fr-FR" sz="1000" b="0" i="1" smtClean="0">
+                              <a:latin typeface="Cambria Math" panose="02040503050406030204" pitchFamily="18" charset="0"/>
+                            </a:rPr>
+                          </m:ctrlPr>
+                        </m:accPr>
+                        <m:e>
+                          <m:sSub>
+                            <m:sSubPr>
+                              <m:ctrlPr>
+                                <a:rPr lang="fr-FR" sz="1000" i="1">
+                                  <a:latin typeface="Cambria Math" panose="02040503050406030204" pitchFamily="18" charset="0"/>
+                                </a:rPr>
+                              </m:ctrlPr>
+                            </m:sSubPr>
+                            <m:e>
+                              <m:r>
+                                <a:rPr lang="fr-FR" sz="1000" b="0" i="1" smtClean="0">
+                                  <a:latin typeface="Cambria Math"/>
+                                </a:rPr>
+                                <m:t>𝑦</m:t>
+                              </m:r>
+                            </m:e>
+                            <m:sub>
+                              <m:r>
+                                <a:rPr lang="fr-FR" sz="1000" b="0" i="1" smtClean="0">
+                                  <a:latin typeface="Cambria Math" panose="02040503050406030204" pitchFamily="18" charset="0"/>
+                                </a:rPr>
+                                <m:t>2</m:t>
+                              </m:r>
+                            </m:sub>
+                          </m:sSub>
+                        </m:e>
+                      </m:acc>
+                    </m:oMath>
+                  </m:oMathPara>
+                </a14:m>
+                <a:endParaRPr lang="fr-FR" sz="1000" dirty="0"/>
+              </a:p>
+            </p:txBody>
+          </p:sp>
+        </mc:Choice>
+        <mc:Fallback>
           <p:sp>
             <p:nvSpPr>
               <p:cNvPr id="66" name="ZoneTexte 65"/>
@@ -5164,13 +4689,13 @@
             <p:spPr>
               <a:xfrm>
                 <a:off x="1674120" y="1022538"/>
-                <a:ext cx="338618" cy="246221"/>
+                <a:ext cx="341568" cy="246221"/>
               </a:xfrm>
               <a:prstGeom prst="rect">
                 <a:avLst/>
               </a:prstGeom>
-              <a:blipFill rotWithShape="1">
-                <a:blip r:embed="rId10"/>
+              <a:blipFill>
+                <a:blip r:embed="rId9"/>
                 <a:stretch>
                   <a:fillRect/>
                 </a:stretch>
@@ -5227,7 +4752,7 @@
                           <m:chr m:val="⃗"/>
                           <m:ctrlPr>
                             <a:rPr lang="fr-FR" sz="1000" b="0" i="1" smtClean="0">
-                              <a:latin typeface="Cambria Math"/>
+                              <a:latin typeface="Cambria Math" panose="02040503050406030204" pitchFamily="18" charset="0"/>
                             </a:rPr>
                           </m:ctrlPr>
                         </m:accPr>
@@ -5236,7 +4761,7 @@
                             <m:sSubPr>
                               <m:ctrlPr>
                                 <a:rPr lang="fr-FR" sz="1000" i="1">
-                                  <a:latin typeface="Cambria Math"/>
+                                  <a:latin typeface="Cambria Math" panose="02040503050406030204" pitchFamily="18" charset="0"/>
                                 </a:rPr>
                               </m:ctrlPr>
                             </m:sSubPr>
@@ -5306,8 +4831,8 @@
           </p:sp>
         </mc:Fallback>
       </mc:AlternateContent>
-      <mc:AlternateContent xmlns:mc="http://schemas.openxmlformats.org/markup-compatibility/2006" xmlns:a14="http://schemas.microsoft.com/office/drawing/2010/main">
-        <mc:Choice Requires="a14">
+      <mc:AlternateContent xmlns:mc="http://schemas.openxmlformats.org/markup-compatibility/2006">
+        <mc:Choice xmlns:a14="http://schemas.microsoft.com/office/drawing/2010/main" Requires="a14">
           <p:sp>
             <p:nvSpPr>
               <p:cNvPr id="70" name="ZoneTexte 69"/>
@@ -5317,7 +4842,7 @@
             <p:spPr>
               <a:xfrm>
                 <a:off x="2386271" y="1551182"/>
-                <a:ext cx="338041" cy="246221"/>
+                <a:ext cx="340991" cy="246221"/>
               </a:xfrm>
               <a:prstGeom prst="rect">
                 <a:avLst/>
@@ -5342,7 +4867,7 @@
                           <m:chr m:val="⃗"/>
                           <m:ctrlPr>
                             <a:rPr lang="fr-FR" sz="1000" b="0" i="1" smtClean="0">
-                              <a:latin typeface="Cambria Math"/>
+                              <a:latin typeface="Cambria Math" panose="02040503050406030204" pitchFamily="18" charset="0"/>
                             </a:rPr>
                           </m:ctrlPr>
                         </m:accPr>
@@ -5351,7 +4876,7 @@
                             <m:sSubPr>
                               <m:ctrlPr>
                                 <a:rPr lang="fr-FR" sz="1000" i="1">
-                                  <a:latin typeface="Cambria Math"/>
+                                  <a:latin typeface="Cambria Math" panose="02040503050406030204" pitchFamily="18" charset="0"/>
                                 </a:rPr>
                               </m:ctrlPr>
                             </m:sSubPr>
@@ -5366,9 +4891,9 @@
                             <m:sub>
                               <m:r>
                                 <a:rPr lang="fr-FR" sz="1000" b="0" i="1" smtClean="0">
-                                  <a:latin typeface="Cambria Math"/>
+                                  <a:latin typeface="Cambria Math" panose="02040503050406030204" pitchFamily="18" charset="0"/>
                                 </a:rPr>
-                                <m:t>1</m:t>
+                                <m:t>2</m:t>
                               </m:r>
                             </m:sub>
                           </m:sSub>
@@ -5382,7 +4907,7 @@
             </p:txBody>
           </p:sp>
         </mc:Choice>
-        <mc:Fallback xmlns="">
+        <mc:Fallback>
           <p:sp>
             <p:nvSpPr>
               <p:cNvPr id="70" name="ZoneTexte 69"/>
@@ -5394,12 +4919,12 @@
             <p:spPr>
               <a:xfrm>
                 <a:off x="2386271" y="1551182"/>
-                <a:ext cx="338041" cy="246221"/>
+                <a:ext cx="340991" cy="246221"/>
               </a:xfrm>
               <a:prstGeom prst="rect">
                 <a:avLst/>
               </a:prstGeom>
-              <a:blipFill rotWithShape="1">
+              <a:blipFill>
                 <a:blip r:embed="rId12"/>
                 <a:stretch>
                   <a:fillRect/>
@@ -5421,8 +4946,8 @@
           </p:sp>
         </mc:Fallback>
       </mc:AlternateContent>
-      <mc:AlternateContent xmlns:mc="http://schemas.openxmlformats.org/markup-compatibility/2006" xmlns:a14="http://schemas.microsoft.com/office/drawing/2010/main">
-        <mc:Choice Requires="a14">
+      <mc:AlternateContent xmlns:mc="http://schemas.openxmlformats.org/markup-compatibility/2006">
+        <mc:Choice xmlns:a14="http://schemas.microsoft.com/office/drawing/2010/main" Requires="a14">
           <p:sp>
             <p:nvSpPr>
               <p:cNvPr id="71" name="ZoneTexte 70"/>
@@ -5432,109 +4957,6 @@
             <p:spPr>
               <a:xfrm>
                 <a:off x="1514749" y="1772544"/>
-                <a:ext cx="347339" cy="246221"/>
-              </a:xfrm>
-              <a:prstGeom prst="rect">
-                <a:avLst/>
-              </a:prstGeom>
-              <a:noFill/>
-            </p:spPr>
-            <p:txBody>
-              <a:bodyPr wrap="none" rtlCol="0">
-                <a:spAutoFit/>
-              </a:bodyPr>
-              <a:lstStyle/>
-              <a:p>
-                <a:pPr/>
-                <a14:m>
-                  <m:oMathPara xmlns:m="http://schemas.openxmlformats.org/officeDocument/2006/math">
-                    <m:oMathParaPr>
-                      <m:jc m:val="centerGroup"/>
-                    </m:oMathParaPr>
-                    <m:oMath xmlns:m="http://schemas.openxmlformats.org/officeDocument/2006/math">
-                      <m:sSub>
-                        <m:sSubPr>
-                          <m:ctrlPr>
-                            <a:rPr lang="fr-FR" sz="1000" b="0" i="1" smtClean="0">
-                              <a:latin typeface="Cambria Math"/>
-                            </a:rPr>
-                          </m:ctrlPr>
-                        </m:sSubPr>
-                        <m:e>
-                          <m:r>
-                            <a:rPr lang="fr-FR" sz="1000" b="0" i="1" smtClean="0">
-                              <a:latin typeface="Cambria Math"/>
-                            </a:rPr>
-                            <m:t>𝛼</m:t>
-                          </m:r>
-                        </m:e>
-                        <m:sub>
-                          <m:r>
-                            <a:rPr lang="fr-FR" sz="1000" b="0" i="1" smtClean="0">
-                              <a:latin typeface="Cambria Math"/>
-                            </a:rPr>
-                            <m:t>1</m:t>
-                          </m:r>
-                        </m:sub>
-                      </m:sSub>
-                    </m:oMath>
-                  </m:oMathPara>
-                </a14:m>
-                <a:endParaRPr lang="fr-FR" sz="1000" dirty="0"/>
-              </a:p>
-            </p:txBody>
-          </p:sp>
-        </mc:Choice>
-        <mc:Fallback xmlns="">
-          <p:sp>
-            <p:nvSpPr>
-              <p:cNvPr id="71" name="ZoneTexte 70"/>
-              <p:cNvSpPr txBox="1">
-                <a:spLocks noRot="1" noChangeAspect="1" noMove="1" noResize="1" noEditPoints="1" noAdjustHandles="1" noChangeArrowheads="1" noChangeShapeType="1" noTextEdit="1"/>
-              </p:cNvSpPr>
-              <p:nvPr/>
-            </p:nvSpPr>
-            <p:spPr>
-              <a:xfrm>
-                <a:off x="1514749" y="1772544"/>
-                <a:ext cx="347339" cy="246221"/>
-              </a:xfrm>
-              <a:prstGeom prst="rect">
-                <a:avLst/>
-              </a:prstGeom>
-              <a:blipFill rotWithShape="1">
-                <a:blip r:embed="rId13"/>
-                <a:stretch>
-                  <a:fillRect/>
-                </a:stretch>
-              </a:blipFill>
-            </p:spPr>
-            <p:txBody>
-              <a:bodyPr/>
-              <a:lstStyle/>
-              <a:p>
-                <a:r>
-                  <a:rPr lang="fr-FR">
-                    <a:noFill/>
-                  </a:rPr>
-                  <a:t> </a:t>
-                </a:r>
-              </a:p>
-            </p:txBody>
-          </p:sp>
-        </mc:Fallback>
-      </mc:AlternateContent>
-      <mc:AlternateContent xmlns:mc="http://schemas.openxmlformats.org/markup-compatibility/2006" xmlns:a14="http://schemas.microsoft.com/office/drawing/2010/main">
-        <mc:Choice Requires="a14">
-          <p:sp>
-            <p:nvSpPr>
-              <p:cNvPr id="72" name="ZoneTexte 71"/>
-              <p:cNvSpPr txBox="1"/>
-              <p:nvPr/>
-            </p:nvSpPr>
-            <p:spPr>
-              <a:xfrm>
-                <a:off x="2571809" y="1783160"/>
                 <a:ext cx="338041" cy="246221"/>
               </a:xfrm>
               <a:prstGeom prst="rect">
@@ -5559,14 +4981,14 @@
                         <m:sSubPr>
                           <m:ctrlPr>
                             <a:rPr lang="fr-FR" sz="1000" b="0" i="1" smtClean="0">
-                              <a:latin typeface="Cambria Math"/>
+                              <a:latin typeface="Cambria Math" panose="02040503050406030204" pitchFamily="18" charset="0"/>
                             </a:rPr>
                           </m:ctrlPr>
                         </m:sSubPr>
                         <m:e>
                           <m:r>
                             <a:rPr lang="fr-FR" sz="1000" b="0" i="1" smtClean="0">
-                              <a:latin typeface="Cambria Math"/>
+                              <a:latin typeface="Cambria Math" panose="02040503050406030204" pitchFamily="18" charset="0"/>
                             </a:rPr>
                             <m:t>𝜃</m:t>
                           </m:r>
@@ -5588,10 +5010,10 @@
             </p:txBody>
           </p:sp>
         </mc:Choice>
-        <mc:Fallback xmlns="">
+        <mc:Fallback>
           <p:sp>
             <p:nvSpPr>
-              <p:cNvPr id="72" name="ZoneTexte 71"/>
+              <p:cNvPr id="71" name="ZoneTexte 70"/>
               <p:cNvSpPr txBox="1">
                 <a:spLocks noRot="1" noChangeAspect="1" noMove="1" noResize="1" noEditPoints="1" noAdjustHandles="1" noChangeArrowheads="1" noChangeShapeType="1" noTextEdit="1"/>
               </p:cNvSpPr>
@@ -5599,14 +5021,14 @@
             </p:nvSpPr>
             <p:spPr>
               <a:xfrm>
-                <a:off x="2571809" y="1783160"/>
+                <a:off x="1514749" y="1772544"/>
                 <a:ext cx="338041" cy="246221"/>
               </a:xfrm>
               <a:prstGeom prst="rect">
                 <a:avLst/>
               </a:prstGeom>
-              <a:blipFill rotWithShape="1">
-                <a:blip r:embed="rId14"/>
+              <a:blipFill>
+                <a:blip r:embed="rId13"/>
                 <a:stretch>
                   <a:fillRect/>
                 </a:stretch>
@@ -5627,18 +5049,18 @@
           </p:sp>
         </mc:Fallback>
       </mc:AlternateContent>
-      <mc:AlternateContent xmlns:mc="http://schemas.openxmlformats.org/markup-compatibility/2006" xmlns:a14="http://schemas.microsoft.com/office/drawing/2010/main">
-        <mc:Choice Requires="a14">
+      <mc:AlternateContent xmlns:mc="http://schemas.openxmlformats.org/markup-compatibility/2006">
+        <mc:Choice xmlns:a14="http://schemas.microsoft.com/office/drawing/2010/main" Requires="a14">
           <p:sp>
             <p:nvSpPr>
-              <p:cNvPr id="73" name="ZoneTexte 72"/>
+              <p:cNvPr id="72" name="ZoneTexte 71"/>
               <p:cNvSpPr txBox="1"/>
               <p:nvPr/>
             </p:nvSpPr>
             <p:spPr>
               <a:xfrm>
-                <a:off x="3755448" y="1783159"/>
-                <a:ext cx="350289" cy="246221"/>
+                <a:off x="2571809" y="1783160"/>
+                <a:ext cx="340991" cy="246221"/>
               </a:xfrm>
               <a:prstGeom prst="rect">
                 <a:avLst/>
@@ -5662,7 +5084,7 @@
                         <m:sSubPr>
                           <m:ctrlPr>
                             <a:rPr lang="fr-FR" sz="1000" b="0" i="1" smtClean="0">
-                              <a:latin typeface="Cambria Math"/>
+                              <a:latin typeface="Cambria Math" panose="02040503050406030204" pitchFamily="18" charset="0"/>
                             </a:rPr>
                           </m:ctrlPr>
                         </m:sSubPr>
@@ -5671,13 +5093,13 @@
                             <a:rPr lang="fr-FR" sz="1000" b="0" i="1" smtClean="0">
                               <a:latin typeface="Cambria Math"/>
                             </a:rPr>
-                            <m:t>𝛼</m:t>
+                            <m:t>𝜃</m:t>
                           </m:r>
                         </m:e>
                         <m:sub>
                           <m:r>
                             <a:rPr lang="fr-FR" sz="1000" b="0" i="1" smtClean="0">
-                              <a:latin typeface="Cambria Math"/>
+                              <a:latin typeface="Cambria Math" panose="02040503050406030204" pitchFamily="18" charset="0"/>
                             </a:rPr>
                             <m:t>2</m:t>
                           </m:r>
@@ -5691,10 +5113,10 @@
             </p:txBody>
           </p:sp>
         </mc:Choice>
-        <mc:Fallback xmlns="">
+        <mc:Fallback>
           <p:sp>
             <p:nvSpPr>
-              <p:cNvPr id="73" name="ZoneTexte 72"/>
+              <p:cNvPr id="72" name="ZoneTexte 71"/>
               <p:cNvSpPr txBox="1">
                 <a:spLocks noRot="1" noChangeAspect="1" noMove="1" noResize="1" noEditPoints="1" noAdjustHandles="1" noChangeArrowheads="1" noChangeShapeType="1" noTextEdit="1"/>
               </p:cNvSpPr>
@@ -5702,14 +5124,14 @@
             </p:nvSpPr>
             <p:spPr>
               <a:xfrm>
-                <a:off x="3755448" y="1783159"/>
-                <a:ext cx="350289" cy="246221"/>
+                <a:off x="2571809" y="1783160"/>
+                <a:ext cx="340991" cy="246221"/>
               </a:xfrm>
               <a:prstGeom prst="rect">
                 <a:avLst/>
               </a:prstGeom>
-              <a:blipFill rotWithShape="1">
-                <a:blip r:embed="rId15"/>
+              <a:blipFill>
+                <a:blip r:embed="rId14"/>
                 <a:stretch>
                   <a:fillRect/>
                 </a:stretch>
@@ -5730,952 +5152,478 @@
           </p:sp>
         </mc:Fallback>
       </mc:AlternateContent>
-      <p:sp>
-        <p:nvSpPr>
-          <p:cNvPr id="74" name="Arc 73"/>
-          <p:cNvSpPr/>
+      <p:pic>
+        <p:nvPicPr>
+          <p:cNvPr id="3" name="Image 2">
+            <a:extLst>
+              <a:ext uri="{FF2B5EF4-FFF2-40B4-BE49-F238E27FC236}">
+                <a16:creationId xmlns:a16="http://schemas.microsoft.com/office/drawing/2014/main" id="{47B1C0E1-2BAF-44F2-9AE2-04F95983F2DA}"/>
+              </a:ext>
+            </a:extLst>
+          </p:cNvPr>
+          <p:cNvPicPr>
+            <a:picLocks noChangeAspect="1"/>
+          </p:cNvPicPr>
           <p:nvPr/>
-        </p:nvSpPr>
+        </p:nvPicPr>
+        <p:blipFill>
+          <a:blip r:embed="rId15" cstate="print">
+            <a:extLst>
+              <a:ext uri="{28A0092B-C50C-407E-A947-70E740481C1C}">
+                <a14:useLocalDpi xmlns:a14="http://schemas.microsoft.com/office/drawing/2010/main" val="0"/>
+              </a:ext>
+            </a:extLst>
+          </a:blip>
+          <a:stretch>
+            <a:fillRect/>
+          </a:stretch>
+        </p:blipFill>
         <p:spPr>
           <a:xfrm>
-            <a:off x="2555776" y="1412776"/>
-            <a:ext cx="1152128" cy="1152128"/>
+            <a:off x="5292082" y="1014605"/>
+            <a:ext cx="2221997" cy="1932436"/>
           </a:xfrm>
-          <a:prstGeom prst="arc">
-            <a:avLst>
-              <a:gd name="adj1" fmla="val 19832481"/>
-              <a:gd name="adj2" fmla="val 20531628"/>
-            </a:avLst>
+          <a:prstGeom prst="rect">
+            <a:avLst/>
           </a:prstGeom>
-          <a:ln>
-            <a:solidFill>
-              <a:srgbClr val="002060"/>
-            </a:solidFill>
-            <a:headEnd type="stealth" w="sm" len="med"/>
-          </a:ln>
         </p:spPr>
-        <p:style>
-          <a:lnRef idx="1">
-            <a:schemeClr val="accent1"/>
-          </a:lnRef>
-          <a:fillRef idx="0">
-            <a:schemeClr val="accent1"/>
-          </a:fillRef>
-          <a:effectRef idx="0">
-            <a:schemeClr val="accent1"/>
-          </a:effectRef>
-          <a:fontRef idx="minor">
-            <a:schemeClr val="tx1"/>
-          </a:fontRef>
-        </p:style>
-        <p:txBody>
-          <a:bodyPr rtlCol="0" anchor="ctr"/>
-          <a:lstStyle/>
-          <a:p>
-            <a:pPr algn="ctr"/>
-            <a:endParaRPr lang="fr-FR"/>
-          </a:p>
-        </p:txBody>
-      </p:sp>
-      <mc:AlternateContent xmlns:mc="http://schemas.openxmlformats.org/markup-compatibility/2006" xmlns:a14="http://schemas.microsoft.com/office/drawing/2010/main">
-        <mc:Choice Requires="a14">
+      </p:pic>
+      <p:grpSp>
+        <p:nvGrpSpPr>
+          <p:cNvPr id="87" name="Groupe 86">
+            <a:extLst>
+              <a:ext uri="{FF2B5EF4-FFF2-40B4-BE49-F238E27FC236}">
+                <a16:creationId xmlns:a16="http://schemas.microsoft.com/office/drawing/2014/main" id="{E37C089B-AEA2-4346-AE6F-CB3CFD764917}"/>
+              </a:ext>
+            </a:extLst>
+          </p:cNvPr>
+          <p:cNvGrpSpPr/>
+          <p:nvPr/>
+        </p:nvGrpSpPr>
+        <p:grpSpPr>
+          <a:xfrm>
+            <a:off x="2555849" y="1187843"/>
+            <a:ext cx="1296144" cy="1377062"/>
+            <a:chOff x="395536" y="1187843"/>
+            <a:chExt cx="1296144" cy="1377062"/>
+          </a:xfrm>
+        </p:grpSpPr>
+        <p:grpSp>
+          <p:nvGrpSpPr>
+            <p:cNvPr id="88" name="Groupe 87">
+              <a:extLst>
+                <a:ext uri="{FF2B5EF4-FFF2-40B4-BE49-F238E27FC236}">
+                  <a16:creationId xmlns:a16="http://schemas.microsoft.com/office/drawing/2014/main" id="{CDC1E51E-C323-4393-AEE0-2E114A27272A}"/>
+                </a:ext>
+              </a:extLst>
+            </p:cNvPr>
+            <p:cNvGrpSpPr/>
+            <p:nvPr/>
+          </p:nvGrpSpPr>
+          <p:grpSpPr>
+            <a:xfrm>
+              <a:off x="971600" y="1268760"/>
+              <a:ext cx="720080" cy="720080"/>
+              <a:chOff x="971600" y="1268760"/>
+              <a:chExt cx="720080" cy="720080"/>
+            </a:xfrm>
+          </p:grpSpPr>
+          <p:cxnSp>
+            <p:nvCxnSpPr>
+              <p:cNvPr id="96" name="Connecteur droit avec flèche 95">
+                <a:extLst>
+                  <a:ext uri="{FF2B5EF4-FFF2-40B4-BE49-F238E27FC236}">
+                    <a16:creationId xmlns:a16="http://schemas.microsoft.com/office/drawing/2014/main" id="{73925CEE-3491-42E6-80FB-076D7559A6C3}"/>
+                  </a:ext>
+                </a:extLst>
+              </p:cNvPr>
+              <p:cNvCxnSpPr/>
+              <p:nvPr/>
+            </p:nvCxnSpPr>
+            <p:spPr>
+              <a:xfrm flipV="1">
+                <a:off x="971600" y="1268760"/>
+                <a:ext cx="0" cy="720080"/>
+              </a:xfrm>
+              <a:prstGeom prst="straightConnector1">
+                <a:avLst/>
+              </a:prstGeom>
+              <a:ln w="19050">
+                <a:solidFill>
+                  <a:srgbClr val="C00000"/>
+                </a:solidFill>
+                <a:tailEnd type="stealth" w="med" len="lg"/>
+              </a:ln>
+            </p:spPr>
+            <p:style>
+              <a:lnRef idx="1">
+                <a:schemeClr val="accent1"/>
+              </a:lnRef>
+              <a:fillRef idx="0">
+                <a:schemeClr val="accent1"/>
+              </a:fillRef>
+              <a:effectRef idx="0">
+                <a:schemeClr val="accent1"/>
+              </a:effectRef>
+              <a:fontRef idx="minor">
+                <a:schemeClr val="tx1"/>
+              </a:fontRef>
+            </p:style>
+          </p:cxnSp>
+          <p:cxnSp>
+            <p:nvCxnSpPr>
+              <p:cNvPr id="97" name="Connecteur droit avec flèche 96">
+                <a:extLst>
+                  <a:ext uri="{FF2B5EF4-FFF2-40B4-BE49-F238E27FC236}">
+                    <a16:creationId xmlns:a16="http://schemas.microsoft.com/office/drawing/2014/main" id="{28186736-CFF7-4533-B231-A3BFA9A68966}"/>
+                  </a:ext>
+                </a:extLst>
+              </p:cNvPr>
+              <p:cNvCxnSpPr/>
+              <p:nvPr/>
+            </p:nvCxnSpPr>
+            <p:spPr>
+              <a:xfrm rot="5400000" flipV="1">
+                <a:off x="1331640" y="1628800"/>
+                <a:ext cx="0" cy="720080"/>
+              </a:xfrm>
+              <a:prstGeom prst="straightConnector1">
+                <a:avLst/>
+              </a:prstGeom>
+              <a:ln w="19050">
+                <a:solidFill>
+                  <a:srgbClr val="C00000"/>
+                </a:solidFill>
+                <a:tailEnd type="stealth" w="med" len="lg"/>
+              </a:ln>
+            </p:spPr>
+            <p:style>
+              <a:lnRef idx="1">
+                <a:schemeClr val="accent1"/>
+              </a:lnRef>
+              <a:fillRef idx="0">
+                <a:schemeClr val="accent1"/>
+              </a:fillRef>
+              <a:effectRef idx="0">
+                <a:schemeClr val="accent1"/>
+              </a:effectRef>
+              <a:fontRef idx="minor">
+                <a:schemeClr val="tx1"/>
+              </a:fontRef>
+            </p:style>
+          </p:cxnSp>
+        </p:grpSp>
+        <p:grpSp>
+          <p:nvGrpSpPr>
+            <p:cNvPr id="89" name="Groupe 88">
+              <a:extLst>
+                <a:ext uri="{FF2B5EF4-FFF2-40B4-BE49-F238E27FC236}">
+                  <a16:creationId xmlns:a16="http://schemas.microsoft.com/office/drawing/2014/main" id="{1A3E9D87-B073-49EE-B6BB-8947632BB074}"/>
+                </a:ext>
+              </a:extLst>
+            </p:cNvPr>
+            <p:cNvGrpSpPr/>
+            <p:nvPr/>
+          </p:nvGrpSpPr>
+          <p:grpSpPr>
+            <a:xfrm rot="20700000">
+              <a:off x="860772" y="1187843"/>
+              <a:ext cx="720080" cy="720080"/>
+              <a:chOff x="971600" y="1268760"/>
+              <a:chExt cx="720080" cy="720080"/>
+            </a:xfrm>
+          </p:grpSpPr>
+          <p:cxnSp>
+            <p:nvCxnSpPr>
+              <p:cNvPr id="94" name="Connecteur droit avec flèche 93">
+                <a:extLst>
+                  <a:ext uri="{FF2B5EF4-FFF2-40B4-BE49-F238E27FC236}">
+                    <a16:creationId xmlns:a16="http://schemas.microsoft.com/office/drawing/2014/main" id="{140FBEAA-B1FD-4F9F-8EC7-2BA84B37AD38}"/>
+                  </a:ext>
+                </a:extLst>
+              </p:cNvPr>
+              <p:cNvCxnSpPr/>
+              <p:nvPr/>
+            </p:nvCxnSpPr>
+            <p:spPr>
+              <a:xfrm flipV="1">
+                <a:off x="971600" y="1268760"/>
+                <a:ext cx="0" cy="720080"/>
+              </a:xfrm>
+              <a:prstGeom prst="straightConnector1">
+                <a:avLst/>
+              </a:prstGeom>
+              <a:ln w="19050">
+                <a:solidFill>
+                  <a:schemeClr val="tx2">
+                    <a:lumMod val="60000"/>
+                    <a:lumOff val="40000"/>
+                  </a:schemeClr>
+                </a:solidFill>
+                <a:tailEnd type="stealth" w="med" len="lg"/>
+              </a:ln>
+            </p:spPr>
+            <p:style>
+              <a:lnRef idx="1">
+                <a:schemeClr val="accent1"/>
+              </a:lnRef>
+              <a:fillRef idx="0">
+                <a:schemeClr val="accent1"/>
+              </a:fillRef>
+              <a:effectRef idx="0">
+                <a:schemeClr val="accent1"/>
+              </a:effectRef>
+              <a:fontRef idx="minor">
+                <a:schemeClr val="tx1"/>
+              </a:fontRef>
+            </p:style>
+          </p:cxnSp>
+          <p:cxnSp>
+            <p:nvCxnSpPr>
+              <p:cNvPr id="95" name="Connecteur droit avec flèche 94">
+                <a:extLst>
+                  <a:ext uri="{FF2B5EF4-FFF2-40B4-BE49-F238E27FC236}">
+                    <a16:creationId xmlns:a16="http://schemas.microsoft.com/office/drawing/2014/main" id="{40D1D173-D14F-4B26-AC16-B249375C0A8A}"/>
+                  </a:ext>
+                </a:extLst>
+              </p:cNvPr>
+              <p:cNvCxnSpPr/>
+              <p:nvPr/>
+            </p:nvCxnSpPr>
+            <p:spPr>
+              <a:xfrm rot="5400000" flipV="1">
+                <a:off x="1331640" y="1628800"/>
+                <a:ext cx="0" cy="720080"/>
+              </a:xfrm>
+              <a:prstGeom prst="straightConnector1">
+                <a:avLst/>
+              </a:prstGeom>
+              <a:ln w="19050">
+                <a:solidFill>
+                  <a:schemeClr val="tx2">
+                    <a:lumMod val="60000"/>
+                    <a:lumOff val="40000"/>
+                  </a:schemeClr>
+                </a:solidFill>
+                <a:tailEnd type="stealth" w="med" len="lg"/>
+              </a:ln>
+            </p:spPr>
+            <p:style>
+              <a:lnRef idx="1">
+                <a:schemeClr val="accent1"/>
+              </a:lnRef>
+              <a:fillRef idx="0">
+                <a:schemeClr val="accent1"/>
+              </a:fillRef>
+              <a:effectRef idx="0">
+                <a:schemeClr val="accent1"/>
+              </a:effectRef>
+              <a:fontRef idx="minor">
+                <a:schemeClr val="tx1"/>
+              </a:fontRef>
+            </p:style>
+          </p:cxnSp>
+        </p:grpSp>
+        <p:sp>
+          <p:nvSpPr>
+            <p:cNvPr id="90" name="Arc 89">
+              <a:extLst>
+                <a:ext uri="{FF2B5EF4-FFF2-40B4-BE49-F238E27FC236}">
+                  <a16:creationId xmlns:a16="http://schemas.microsoft.com/office/drawing/2014/main" id="{75802F76-F0D3-4E0E-AE3D-9320AB0A9CBC}"/>
+                </a:ext>
+              </a:extLst>
+            </p:cNvPr>
+            <p:cNvSpPr/>
+            <p:nvPr/>
+          </p:nvSpPr>
+          <p:spPr>
+            <a:xfrm>
+              <a:off x="395536" y="1412777"/>
+              <a:ext cx="1152128" cy="1152128"/>
+            </a:xfrm>
+            <a:prstGeom prst="arc">
+              <a:avLst>
+                <a:gd name="adj1" fmla="val 20787483"/>
+                <a:gd name="adj2" fmla="val 21510070"/>
+              </a:avLst>
+            </a:prstGeom>
+            <a:ln>
+              <a:solidFill>
+                <a:srgbClr val="002060"/>
+              </a:solidFill>
+              <a:headEnd type="stealth" w="sm" len="med"/>
+            </a:ln>
+          </p:spPr>
+          <p:style>
+            <a:lnRef idx="1">
+              <a:schemeClr val="accent1"/>
+            </a:lnRef>
+            <a:fillRef idx="0">
+              <a:schemeClr val="accent1"/>
+            </a:fillRef>
+            <a:effectRef idx="0">
+              <a:schemeClr val="accent1"/>
+            </a:effectRef>
+            <a:fontRef idx="minor">
+              <a:schemeClr val="tx1"/>
+            </a:fontRef>
+          </p:style>
+          <p:txBody>
+            <a:bodyPr rtlCol="0" anchor="ctr"/>
+            <a:lstStyle/>
+            <a:p>
+              <a:pPr algn="ctr"/>
+              <a:endParaRPr lang="fr-FR"/>
+            </a:p>
+          </p:txBody>
+        </p:sp>
+        <p:grpSp>
+          <p:nvGrpSpPr>
+            <p:cNvPr id="91" name="Groupe 90">
+              <a:extLst>
+                <a:ext uri="{FF2B5EF4-FFF2-40B4-BE49-F238E27FC236}">
+                  <a16:creationId xmlns:a16="http://schemas.microsoft.com/office/drawing/2014/main" id="{A132A984-9D6C-4179-B69D-15AA9C4D7085}"/>
+                </a:ext>
+              </a:extLst>
+            </p:cNvPr>
+            <p:cNvGrpSpPr/>
+            <p:nvPr/>
+          </p:nvGrpSpPr>
+          <p:grpSpPr>
+            <a:xfrm>
+              <a:off x="917600" y="1934841"/>
+              <a:ext cx="108000" cy="108000"/>
+              <a:chOff x="899592" y="1916833"/>
+              <a:chExt cx="108000" cy="108000"/>
+            </a:xfrm>
+          </p:grpSpPr>
           <p:sp>
             <p:nvSpPr>
-              <p:cNvPr id="75" name="ZoneTexte 74"/>
+              <p:cNvPr id="92" name="Ellipse 91">
+                <a:extLst>
+                  <a:ext uri="{FF2B5EF4-FFF2-40B4-BE49-F238E27FC236}">
+                    <a16:creationId xmlns:a16="http://schemas.microsoft.com/office/drawing/2014/main" id="{9FC9403B-99FF-493D-9584-2D3FE0A590EF}"/>
+                  </a:ext>
+                </a:extLst>
+              </p:cNvPr>
+              <p:cNvSpPr/>
+              <p:nvPr/>
+            </p:nvSpPr>
+            <p:spPr>
+              <a:xfrm>
+                <a:off x="899592" y="1916833"/>
+                <a:ext cx="108000" cy="108000"/>
+              </a:xfrm>
+              <a:prstGeom prst="ellipse">
+                <a:avLst/>
+              </a:prstGeom>
+              <a:solidFill>
+                <a:schemeClr val="bg1"/>
+              </a:solidFill>
+              <a:ln w="12700">
+                <a:solidFill>
+                  <a:schemeClr val="tx1"/>
+                </a:solidFill>
+              </a:ln>
+            </p:spPr>
+            <p:style>
+              <a:lnRef idx="2">
+                <a:schemeClr val="accent1">
+                  <a:shade val="50000"/>
+                </a:schemeClr>
+              </a:lnRef>
+              <a:fillRef idx="1">
+                <a:schemeClr val="accent1"/>
+              </a:fillRef>
+              <a:effectRef idx="0">
+                <a:schemeClr val="accent1"/>
+              </a:effectRef>
+              <a:fontRef idx="minor">
+                <a:schemeClr val="lt1"/>
+              </a:fontRef>
+            </p:style>
+            <p:txBody>
+              <a:bodyPr rtlCol="0" anchor="ctr"/>
+              <a:lstStyle/>
+              <a:p>
+                <a:pPr algn="ctr"/>
+                <a:endParaRPr lang="fr-FR"/>
+              </a:p>
+            </p:txBody>
+          </p:sp>
+          <p:sp>
+            <p:nvSpPr>
+              <p:cNvPr id="93" name="Ellipse 92">
+                <a:extLst>
+                  <a:ext uri="{FF2B5EF4-FFF2-40B4-BE49-F238E27FC236}">
+                    <a16:creationId xmlns:a16="http://schemas.microsoft.com/office/drawing/2014/main" id="{18A5827E-8147-4C55-A26A-1F6F53EF6D05}"/>
+                  </a:ext>
+                </a:extLst>
+              </p:cNvPr>
+              <p:cNvSpPr/>
+              <p:nvPr/>
+            </p:nvSpPr>
+            <p:spPr>
+              <a:xfrm flipV="1">
+                <a:off x="935592" y="1952833"/>
+                <a:ext cx="36000" cy="36000"/>
+              </a:xfrm>
+              <a:prstGeom prst="ellipse">
+                <a:avLst/>
+              </a:prstGeom>
+              <a:solidFill>
+                <a:schemeClr val="tx1"/>
+              </a:solidFill>
+              <a:ln w="12700">
+                <a:solidFill>
+                  <a:schemeClr val="tx1"/>
+                </a:solidFill>
+              </a:ln>
+            </p:spPr>
+            <p:style>
+              <a:lnRef idx="2">
+                <a:schemeClr val="accent1">
+                  <a:shade val="50000"/>
+                </a:schemeClr>
+              </a:lnRef>
+              <a:fillRef idx="1">
+                <a:schemeClr val="accent1"/>
+              </a:fillRef>
+              <a:effectRef idx="0">
+                <a:schemeClr val="accent1"/>
+              </a:effectRef>
+              <a:fontRef idx="minor">
+                <a:schemeClr val="lt1"/>
+              </a:fontRef>
+            </p:style>
+            <p:txBody>
+              <a:bodyPr rtlCol="0" anchor="ctr"/>
+              <a:lstStyle/>
+              <a:p>
+                <a:pPr algn="ctr"/>
+                <a:endParaRPr lang="fr-FR"/>
+              </a:p>
+            </p:txBody>
+          </p:sp>
+        </p:grpSp>
+      </p:grpSp>
+      <mc:AlternateContent xmlns:mc="http://schemas.openxmlformats.org/markup-compatibility/2006">
+        <mc:Choice xmlns:a14="http://schemas.microsoft.com/office/drawing/2010/main" Requires="a14">
+          <p:sp>
+            <p:nvSpPr>
+              <p:cNvPr id="109" name="ZoneTexte 108">
+                <a:extLst>
+                  <a:ext uri="{FF2B5EF4-FFF2-40B4-BE49-F238E27FC236}">
+                    <a16:creationId xmlns:a16="http://schemas.microsoft.com/office/drawing/2014/main" id="{3096F22A-8DF7-4DC6-8CA6-E5794A199131}"/>
+                  </a:ext>
+                </a:extLst>
+              </p:cNvPr>
               <p:cNvSpPr txBox="1"/>
               <p:nvPr/>
             </p:nvSpPr>
             <p:spPr>
               <a:xfrm>
-                <a:off x="3635896" y="1585965"/>
-                <a:ext cx="350289" cy="246221"/>
-              </a:xfrm>
-              <a:prstGeom prst="rect">
-                <a:avLst/>
-              </a:prstGeom>
-              <a:noFill/>
-            </p:spPr>
-            <p:txBody>
-              <a:bodyPr wrap="none" rtlCol="0">
-                <a:spAutoFit/>
-              </a:bodyPr>
-              <a:lstStyle/>
-              <a:p>
-                <a:pPr/>
-                <a14:m>
-                  <m:oMathPara xmlns:m="http://schemas.openxmlformats.org/officeDocument/2006/math">
-                    <m:oMathParaPr>
-                      <m:jc m:val="centerGroup"/>
-                    </m:oMathParaPr>
-                    <m:oMath xmlns:m="http://schemas.openxmlformats.org/officeDocument/2006/math">
-                      <m:sSub>
-                        <m:sSubPr>
-                          <m:ctrlPr>
-                            <a:rPr lang="fr-FR" sz="1000" b="0" i="1" smtClean="0">
-                              <a:latin typeface="Cambria Math"/>
-                            </a:rPr>
-                          </m:ctrlPr>
-                        </m:sSubPr>
-                        <m:e>
-                          <m:r>
-                            <a:rPr lang="fr-FR" sz="1000" b="0" i="1" smtClean="0">
-                              <a:latin typeface="Cambria Math"/>
-                            </a:rPr>
-                            <m:t>𝛼</m:t>
-                          </m:r>
-                        </m:e>
-                        <m:sub>
-                          <m:r>
-                            <a:rPr lang="fr-FR" sz="1000" b="0" i="1" smtClean="0">
-                              <a:latin typeface="Cambria Math"/>
-                            </a:rPr>
-                            <m:t>3</m:t>
-                          </m:r>
-                        </m:sub>
-                      </m:sSub>
-                    </m:oMath>
-                  </m:oMathPara>
-                </a14:m>
-                <a:endParaRPr lang="fr-FR" sz="1000" dirty="0"/>
-              </a:p>
-            </p:txBody>
-          </p:sp>
-        </mc:Choice>
-        <mc:Fallback xmlns="">
-          <p:sp>
-            <p:nvSpPr>
-              <p:cNvPr id="75" name="ZoneTexte 74"/>
-              <p:cNvSpPr txBox="1">
-                <a:spLocks noRot="1" noChangeAspect="1" noMove="1" noResize="1" noEditPoints="1" noAdjustHandles="1" noChangeArrowheads="1" noChangeShapeType="1" noTextEdit="1"/>
-              </p:cNvSpPr>
-              <p:nvPr/>
-            </p:nvSpPr>
-            <p:spPr>
-              <a:xfrm>
-                <a:off x="3635896" y="1585965"/>
-                <a:ext cx="350289" cy="246221"/>
-              </a:xfrm>
-              <a:prstGeom prst="rect">
-                <a:avLst/>
-              </a:prstGeom>
-              <a:blipFill rotWithShape="1">
-                <a:blip r:embed="rId16"/>
-                <a:stretch>
-                  <a:fillRect/>
-                </a:stretch>
-              </a:blipFill>
-            </p:spPr>
-            <p:txBody>
-              <a:bodyPr/>
-              <a:lstStyle/>
-              <a:p>
-                <a:r>
-                  <a:rPr lang="fr-FR">
-                    <a:noFill/>
-                  </a:rPr>
-                  <a:t> </a:t>
-                </a:r>
-              </a:p>
-            </p:txBody>
-          </p:sp>
-        </mc:Fallback>
-      </mc:AlternateContent>
-      <mc:AlternateContent xmlns:mc="http://schemas.openxmlformats.org/markup-compatibility/2006" xmlns:a14="http://schemas.microsoft.com/office/drawing/2010/main">
-        <mc:Choice Requires="a14">
-          <p:sp>
-            <p:nvSpPr>
-              <p:cNvPr id="76" name="ZoneTexte 75"/>
-              <p:cNvSpPr txBox="1"/>
-              <p:nvPr/>
-            </p:nvSpPr>
-            <p:spPr>
-              <a:xfrm>
-                <a:off x="3513302" y="1991887"/>
-                <a:ext cx="338618" cy="246221"/>
-              </a:xfrm>
-              <a:prstGeom prst="rect">
-                <a:avLst/>
-              </a:prstGeom>
-              <a:noFill/>
-            </p:spPr>
-            <p:txBody>
-              <a:bodyPr wrap="none" rtlCol="0">
-                <a:spAutoFit/>
-              </a:bodyPr>
-              <a:lstStyle/>
-              <a:p>
-                <a:pPr/>
-                <a14:m>
-                  <m:oMathPara xmlns:m="http://schemas.openxmlformats.org/officeDocument/2006/math">
-                    <m:oMathParaPr>
-                      <m:jc m:val="centerGroup"/>
-                    </m:oMathParaPr>
-                    <m:oMath xmlns:m="http://schemas.openxmlformats.org/officeDocument/2006/math">
-                      <m:acc>
-                        <m:accPr>
-                          <m:chr m:val="⃗"/>
-                          <m:ctrlPr>
-                            <a:rPr lang="fr-FR" sz="1000" b="0" i="1" smtClean="0">
-                              <a:latin typeface="Cambria Math"/>
-                            </a:rPr>
-                          </m:ctrlPr>
-                        </m:accPr>
-                        <m:e>
-                          <m:sSub>
-                            <m:sSubPr>
-                              <m:ctrlPr>
-                                <a:rPr lang="fr-FR" sz="1000" i="1">
-                                  <a:latin typeface="Cambria Math"/>
-                                </a:rPr>
-                              </m:ctrlPr>
-                            </m:sSubPr>
-                            <m:e>
-                              <m:r>
-                                <a:rPr lang="fr-FR" sz="1000" b="0" i="1" smtClean="0">
-                                  <a:latin typeface="Cambria Math"/>
-                                </a:rPr>
-                                <m:t>𝑦</m:t>
-                              </m:r>
-                            </m:e>
-                            <m:sub>
-                              <m:r>
-                                <a:rPr lang="fr-FR" sz="1000" b="0" i="1" smtClean="0">
-                                  <a:latin typeface="Cambria Math"/>
-                                </a:rPr>
-                                <m:t>1</m:t>
-                              </m:r>
-                            </m:sub>
-                          </m:sSub>
-                        </m:e>
-                      </m:acc>
-                    </m:oMath>
-                  </m:oMathPara>
-                </a14:m>
-                <a:endParaRPr lang="fr-FR" sz="1000" dirty="0"/>
-              </a:p>
-            </p:txBody>
-          </p:sp>
-        </mc:Choice>
-        <mc:Fallback xmlns="">
-          <p:sp>
-            <p:nvSpPr>
-              <p:cNvPr id="76" name="ZoneTexte 75"/>
-              <p:cNvSpPr txBox="1">
-                <a:spLocks noRot="1" noChangeAspect="1" noMove="1" noResize="1" noEditPoints="1" noAdjustHandles="1" noChangeArrowheads="1" noChangeShapeType="1" noTextEdit="1"/>
-              </p:cNvSpPr>
-              <p:nvPr/>
-            </p:nvSpPr>
-            <p:spPr>
-              <a:xfrm>
-                <a:off x="3513302" y="1991887"/>
-                <a:ext cx="338618" cy="246221"/>
-              </a:xfrm>
-              <a:prstGeom prst="rect">
-                <a:avLst/>
-              </a:prstGeom>
-              <a:blipFill rotWithShape="1">
-                <a:blip r:embed="rId17"/>
-                <a:stretch>
-                  <a:fillRect/>
-                </a:stretch>
-              </a:blipFill>
-            </p:spPr>
-            <p:txBody>
-              <a:bodyPr/>
-              <a:lstStyle/>
-              <a:p>
-                <a:r>
-                  <a:rPr lang="fr-FR">
-                    <a:noFill/>
-                  </a:rPr>
-                  <a:t> </a:t>
-                </a:r>
-              </a:p>
-            </p:txBody>
-          </p:sp>
-        </mc:Fallback>
-      </mc:AlternateContent>
-      <mc:AlternateContent xmlns:mc="http://schemas.openxmlformats.org/markup-compatibility/2006" xmlns:a14="http://schemas.microsoft.com/office/drawing/2010/main">
-        <mc:Choice Requires="a14">
-          <p:sp>
-            <p:nvSpPr>
-              <p:cNvPr id="77" name="ZoneTexte 76"/>
-              <p:cNvSpPr txBox="1"/>
-              <p:nvPr/>
-            </p:nvSpPr>
-            <p:spPr>
-              <a:xfrm>
-                <a:off x="2750096" y="2058229"/>
-                <a:ext cx="775469" cy="215444"/>
-              </a:xfrm>
-              <a:prstGeom prst="rect">
-                <a:avLst/>
-              </a:prstGeom>
-              <a:noFill/>
-            </p:spPr>
-            <p:txBody>
-              <a:bodyPr wrap="none" rtlCol="0">
-                <a:spAutoFit/>
-              </a:bodyPr>
-              <a:lstStyle/>
-              <a:p>
-                <a:pPr/>
-                <a14:m>
-                  <m:oMathPara xmlns:m="http://schemas.openxmlformats.org/officeDocument/2006/math">
-                    <m:oMathParaPr>
-                      <m:jc m:val="centerGroup"/>
-                    </m:oMathParaPr>
-                    <m:oMath xmlns:m="http://schemas.openxmlformats.org/officeDocument/2006/math">
-                      <m:acc>
-                        <m:accPr>
-                          <m:chr m:val="⃗"/>
-                          <m:ctrlPr>
-                            <a:rPr lang="fr-FR" sz="800" b="0" i="1" smtClean="0">
-                              <a:latin typeface="Cambria Math"/>
-                            </a:rPr>
-                          </m:ctrlPr>
-                        </m:accPr>
-                        <m:e>
-                          <m:sSub>
-                            <m:sSubPr>
-                              <m:ctrlPr>
-                                <a:rPr lang="fr-FR" sz="800" i="1">
-                                  <a:latin typeface="Cambria Math"/>
-                                </a:rPr>
-                              </m:ctrlPr>
-                            </m:sSubPr>
-                            <m:e>
-                              <m:r>
-                                <a:rPr lang="fr-FR" sz="800" i="1">
-                                  <a:latin typeface="Cambria Math"/>
-                                </a:rPr>
-                                <m:t>𝑥</m:t>
-                              </m:r>
-                            </m:e>
-                            <m:sub>
-                              <m:r>
-                                <a:rPr lang="fr-FR" sz="800" b="0" i="1" smtClean="0">
-                                  <a:latin typeface="Cambria Math"/>
-                                </a:rPr>
-                                <m:t>1</m:t>
-                              </m:r>
-                            </m:sub>
-                          </m:sSub>
-                        </m:e>
-                      </m:acc>
-                      <m:r>
-                        <a:rPr lang="fr-FR" sz="800" i="1">
-                          <a:latin typeface="Cambria Math"/>
-                        </a:rPr>
-                        <m:t>=</m:t>
-                      </m:r>
-                      <m:acc>
-                        <m:accPr>
-                          <m:chr m:val="⃗"/>
-                          <m:ctrlPr>
-                            <a:rPr lang="fr-FR" sz="800" i="1">
-                              <a:latin typeface="Cambria Math"/>
-                            </a:rPr>
-                          </m:ctrlPr>
-                        </m:accPr>
-                        <m:e>
-                          <m:sSub>
-                            <m:sSubPr>
-                              <m:ctrlPr>
-                                <a:rPr lang="fr-FR" sz="800" i="1">
-                                  <a:latin typeface="Cambria Math"/>
-                                </a:rPr>
-                              </m:ctrlPr>
-                            </m:sSubPr>
-                            <m:e>
-                              <m:r>
-                                <a:rPr lang="fr-FR" sz="800" i="1">
-                                  <a:latin typeface="Cambria Math"/>
-                                </a:rPr>
-                                <m:t>𝑥</m:t>
-                              </m:r>
-                            </m:e>
-                            <m:sub>
-                              <m:r>
-                                <a:rPr lang="fr-FR" sz="800" b="0" i="1" smtClean="0">
-                                  <a:latin typeface="Cambria Math"/>
-                                </a:rPr>
-                                <m:t>2</m:t>
-                              </m:r>
-                            </m:sub>
-                          </m:sSub>
-                        </m:e>
-                      </m:acc>
-                      <m:r>
-                        <a:rPr lang="fr-FR" sz="800" i="1">
-                          <a:latin typeface="Cambria Math"/>
-                        </a:rPr>
-                        <m:t>=</m:t>
-                      </m:r>
-                      <m:acc>
-                        <m:accPr>
-                          <m:chr m:val="⃗"/>
-                          <m:ctrlPr>
-                            <a:rPr lang="fr-FR" sz="800" i="1">
-                              <a:latin typeface="Cambria Math"/>
-                            </a:rPr>
-                          </m:ctrlPr>
-                        </m:accPr>
-                        <m:e>
-                          <m:sSub>
-                            <m:sSubPr>
-                              <m:ctrlPr>
-                                <a:rPr lang="fr-FR" sz="800" i="1">
-                                  <a:latin typeface="Cambria Math"/>
-                                </a:rPr>
-                              </m:ctrlPr>
-                            </m:sSubPr>
-                            <m:e>
-                              <m:r>
-                                <a:rPr lang="fr-FR" sz="800" i="1">
-                                  <a:latin typeface="Cambria Math"/>
-                                </a:rPr>
-                                <m:t>𝑥</m:t>
-                              </m:r>
-                            </m:e>
-                            <m:sub>
-                              <m:r>
-                                <a:rPr lang="fr-FR" sz="800" b="0" i="1" smtClean="0">
-                                  <a:latin typeface="Cambria Math"/>
-                                </a:rPr>
-                                <m:t>3</m:t>
-                              </m:r>
-                            </m:sub>
-                          </m:sSub>
-                        </m:e>
-                      </m:acc>
-                    </m:oMath>
-                  </m:oMathPara>
-                </a14:m>
-                <a:endParaRPr lang="fr-FR" sz="800" dirty="0"/>
-              </a:p>
-            </p:txBody>
-          </p:sp>
-        </mc:Choice>
-        <mc:Fallback xmlns="">
-          <p:sp>
-            <p:nvSpPr>
-              <p:cNvPr id="77" name="ZoneTexte 76"/>
-              <p:cNvSpPr txBox="1">
-                <a:spLocks noRot="1" noChangeAspect="1" noMove="1" noResize="1" noEditPoints="1" noAdjustHandles="1" noChangeArrowheads="1" noChangeShapeType="1" noTextEdit="1"/>
-              </p:cNvSpPr>
-              <p:nvPr/>
-            </p:nvSpPr>
-            <p:spPr>
-              <a:xfrm>
-                <a:off x="2750096" y="2058229"/>
-                <a:ext cx="775469" cy="215444"/>
-              </a:xfrm>
-              <a:prstGeom prst="rect">
-                <a:avLst/>
-              </a:prstGeom>
-              <a:blipFill rotWithShape="1">
-                <a:blip r:embed="rId18"/>
-                <a:stretch>
-                  <a:fillRect/>
-                </a:stretch>
-              </a:blipFill>
-            </p:spPr>
-            <p:txBody>
-              <a:bodyPr/>
-              <a:lstStyle/>
-              <a:p>
-                <a:r>
-                  <a:rPr lang="fr-FR">
-                    <a:noFill/>
-                  </a:rPr>
-                  <a:t> </a:t>
-                </a:r>
-              </a:p>
-            </p:txBody>
-          </p:sp>
-        </mc:Fallback>
-      </mc:AlternateContent>
-      <mc:AlternateContent xmlns:mc="http://schemas.openxmlformats.org/markup-compatibility/2006" xmlns:a14="http://schemas.microsoft.com/office/drawing/2010/main">
-        <mc:Choice Requires="a14">
-          <p:sp>
-            <p:nvSpPr>
-              <p:cNvPr id="78" name="ZoneTexte 77"/>
-              <p:cNvSpPr txBox="1"/>
-              <p:nvPr/>
-            </p:nvSpPr>
-            <p:spPr>
-              <a:xfrm>
-                <a:off x="3831389" y="1679084"/>
-                <a:ext cx="673133" cy="260199"/>
-              </a:xfrm>
-              <a:prstGeom prst="rect">
-                <a:avLst/>
-              </a:prstGeom>
-              <a:noFill/>
-            </p:spPr>
-            <p:txBody>
-              <a:bodyPr wrap="none" rtlCol="0">
-                <a:spAutoFit/>
-              </a:bodyPr>
-              <a:lstStyle/>
-              <a:p>
-                <a:pPr/>
-                <a14:m>
-                  <m:oMathPara xmlns:m="http://schemas.openxmlformats.org/officeDocument/2006/math">
-                    <m:oMathParaPr>
-                      <m:jc m:val="centerGroup"/>
-                    </m:oMathParaPr>
-                    <m:oMath xmlns:m="http://schemas.openxmlformats.org/officeDocument/2006/math">
-                      <m:sSup>
-                        <m:sSupPr>
-                          <m:ctrlPr>
-                            <a:rPr lang="fr-FR" sz="1000" b="0" i="1" smtClean="0">
-                              <a:latin typeface="Cambria Math"/>
-                            </a:rPr>
-                          </m:ctrlPr>
-                        </m:sSupPr>
-                        <m:e>
-                          <m:acc>
-                            <m:accPr>
-                              <m:chr m:val="⃗"/>
-                              <m:ctrlPr>
-                                <a:rPr lang="fr-FR" sz="1000" b="0" i="1" smtClean="0">
-                                  <a:latin typeface="Cambria Math"/>
-                                </a:rPr>
-                              </m:ctrlPr>
-                            </m:accPr>
-                            <m:e>
-                              <m:sSub>
-                                <m:sSubPr>
-                                  <m:ctrlPr>
-                                    <a:rPr lang="fr-FR" sz="1000" i="1">
-                                      <a:latin typeface="Cambria Math"/>
-                                    </a:rPr>
-                                  </m:ctrlPr>
-                                </m:sSubPr>
-                                <m:e>
-                                  <m:r>
-                                    <a:rPr lang="fr-FR" sz="1000" b="0" i="1" smtClean="0">
-                                      <a:latin typeface="Cambria Math"/>
-                                    </a:rPr>
-                                    <m:t>𝑦</m:t>
-                                  </m:r>
-                                </m:e>
-                                <m:sub>
-                                  <m:r>
-                                    <a:rPr lang="fr-FR" sz="1000" b="0" i="1" smtClean="0">
-                                      <a:latin typeface="Cambria Math"/>
-                                    </a:rPr>
-                                    <m:t>1</m:t>
-                                  </m:r>
-                                </m:sub>
-                              </m:sSub>
-                            </m:e>
-                          </m:acc>
-                        </m:e>
-                        <m:sup>
-                          <m:r>
-                            <a:rPr lang="fr-FR" sz="1000" b="0" i="1" smtClean="0">
-                              <a:latin typeface="Cambria Math"/>
-                            </a:rPr>
-                            <m:t>′</m:t>
-                          </m:r>
-                        </m:sup>
-                      </m:sSup>
-                      <m:r>
-                        <a:rPr lang="fr-FR" sz="1000" b="0" i="1" smtClean="0">
-                          <a:latin typeface="Cambria Math"/>
-                        </a:rPr>
-                        <m:t>=</m:t>
-                      </m:r>
-                      <m:acc>
-                        <m:accPr>
-                          <m:chr m:val="⃗"/>
-                          <m:ctrlPr>
-                            <a:rPr lang="fr-FR" sz="1000" i="1">
-                              <a:latin typeface="Cambria Math"/>
-                            </a:rPr>
-                          </m:ctrlPr>
-                        </m:accPr>
-                        <m:e>
-                          <m:sSub>
-                            <m:sSubPr>
-                              <m:ctrlPr>
-                                <a:rPr lang="fr-FR" sz="1000" i="1">
-                                  <a:latin typeface="Cambria Math"/>
-                                </a:rPr>
-                              </m:ctrlPr>
-                            </m:sSubPr>
-                            <m:e>
-                              <m:r>
-                                <a:rPr lang="fr-FR" sz="1000" i="1">
-                                  <a:latin typeface="Cambria Math"/>
-                                </a:rPr>
-                                <m:t>𝑦</m:t>
-                              </m:r>
-                            </m:e>
-                            <m:sub>
-                              <m:r>
-                                <a:rPr lang="fr-FR" sz="1000" b="0" i="1" smtClean="0">
-                                  <a:latin typeface="Cambria Math"/>
-                                </a:rPr>
-                                <m:t>2</m:t>
-                              </m:r>
-                            </m:sub>
-                          </m:sSub>
-                        </m:e>
-                      </m:acc>
-                    </m:oMath>
-                  </m:oMathPara>
-                </a14:m>
-                <a:endParaRPr lang="fr-FR" sz="1000" dirty="0"/>
-              </a:p>
-            </p:txBody>
-          </p:sp>
-        </mc:Choice>
-        <mc:Fallback xmlns="">
-          <p:sp>
-            <p:nvSpPr>
-              <p:cNvPr id="78" name="ZoneTexte 77"/>
-              <p:cNvSpPr txBox="1">
-                <a:spLocks noRot="1" noChangeAspect="1" noMove="1" noResize="1" noEditPoints="1" noAdjustHandles="1" noChangeArrowheads="1" noChangeShapeType="1" noTextEdit="1"/>
-              </p:cNvSpPr>
-              <p:nvPr/>
-            </p:nvSpPr>
-            <p:spPr>
-              <a:xfrm>
-                <a:off x="3831389" y="1679084"/>
-                <a:ext cx="673133" cy="260199"/>
-              </a:xfrm>
-              <a:prstGeom prst="rect">
-                <a:avLst/>
-              </a:prstGeom>
-              <a:blipFill rotWithShape="1">
-                <a:blip r:embed="rId19"/>
-                <a:stretch>
-                  <a:fillRect/>
-                </a:stretch>
-              </a:blipFill>
-            </p:spPr>
-            <p:txBody>
-              <a:bodyPr/>
-              <a:lstStyle/>
-              <a:p>
-                <a:r>
-                  <a:rPr lang="fr-FR">
-                    <a:noFill/>
-                  </a:rPr>
-                  <a:t> </a:t>
-                </a:r>
-              </a:p>
-            </p:txBody>
-          </p:sp>
-        </mc:Fallback>
-      </mc:AlternateContent>
-      <mc:AlternateContent xmlns:mc="http://schemas.openxmlformats.org/markup-compatibility/2006" xmlns:a14="http://schemas.microsoft.com/office/drawing/2010/main">
-        <mc:Choice Requires="a14">
-          <p:sp>
-            <p:nvSpPr>
-              <p:cNvPr id="79" name="ZoneTexte 78"/>
-              <p:cNvSpPr txBox="1"/>
-              <p:nvPr/>
-            </p:nvSpPr>
-            <p:spPr>
-              <a:xfrm>
-                <a:off x="3493347" y="1392785"/>
-                <a:ext cx="676083" cy="260199"/>
-              </a:xfrm>
-              <a:prstGeom prst="rect">
-                <a:avLst/>
-              </a:prstGeom>
-              <a:noFill/>
-            </p:spPr>
-            <p:txBody>
-              <a:bodyPr wrap="none" rtlCol="0">
-                <a:spAutoFit/>
-              </a:bodyPr>
-              <a:lstStyle/>
-              <a:p>
-                <a:pPr/>
-                <a14:m>
-                  <m:oMathPara xmlns:m="http://schemas.openxmlformats.org/officeDocument/2006/math">
-                    <m:oMathParaPr>
-                      <m:jc m:val="centerGroup"/>
-                    </m:oMathParaPr>
-                    <m:oMath xmlns:m="http://schemas.openxmlformats.org/officeDocument/2006/math">
-                      <m:sSup>
-                        <m:sSupPr>
-                          <m:ctrlPr>
-                            <a:rPr lang="fr-FR" sz="1000" b="0" i="1" smtClean="0">
-                              <a:latin typeface="Cambria Math"/>
-                            </a:rPr>
-                          </m:ctrlPr>
-                        </m:sSupPr>
-                        <m:e>
-                          <m:acc>
-                            <m:accPr>
-                              <m:chr m:val="⃗"/>
-                              <m:ctrlPr>
-                                <a:rPr lang="fr-FR" sz="1000" b="0" i="1" smtClean="0">
-                                  <a:latin typeface="Cambria Math"/>
-                                </a:rPr>
-                              </m:ctrlPr>
-                            </m:accPr>
-                            <m:e>
-                              <m:sSub>
-                                <m:sSubPr>
-                                  <m:ctrlPr>
-                                    <a:rPr lang="fr-FR" sz="1000" i="1">
-                                      <a:latin typeface="Cambria Math"/>
-                                    </a:rPr>
-                                  </m:ctrlPr>
-                                </m:sSubPr>
-                                <m:e>
-                                  <m:r>
-                                    <a:rPr lang="fr-FR" sz="1000" b="0" i="1" smtClean="0">
-                                      <a:latin typeface="Cambria Math"/>
-                                    </a:rPr>
-                                    <m:t>𝑦</m:t>
-                                  </m:r>
-                                </m:e>
-                                <m:sub>
-                                  <m:r>
-                                    <a:rPr lang="fr-FR" sz="1000" b="0" i="1" smtClean="0">
-                                      <a:latin typeface="Cambria Math"/>
-                                    </a:rPr>
-                                    <m:t>2</m:t>
-                                  </m:r>
-                                </m:sub>
-                              </m:sSub>
-                            </m:e>
-                          </m:acc>
-                        </m:e>
-                        <m:sup>
-                          <m:r>
-                            <a:rPr lang="fr-FR" sz="1000" b="0" i="1" smtClean="0">
-                              <a:latin typeface="Cambria Math"/>
-                            </a:rPr>
-                            <m:t>′</m:t>
-                          </m:r>
-                        </m:sup>
-                      </m:sSup>
-                      <m:r>
-                        <a:rPr lang="fr-FR" sz="1000" b="0" i="1" smtClean="0">
-                          <a:latin typeface="Cambria Math"/>
-                        </a:rPr>
-                        <m:t>=</m:t>
-                      </m:r>
-                      <m:acc>
-                        <m:accPr>
-                          <m:chr m:val="⃗"/>
-                          <m:ctrlPr>
-                            <a:rPr lang="fr-FR" sz="1000" i="1">
-                              <a:latin typeface="Cambria Math"/>
-                            </a:rPr>
-                          </m:ctrlPr>
-                        </m:accPr>
-                        <m:e>
-                          <m:sSub>
-                            <m:sSubPr>
-                              <m:ctrlPr>
-                                <a:rPr lang="fr-FR" sz="1000" i="1">
-                                  <a:latin typeface="Cambria Math"/>
-                                </a:rPr>
-                              </m:ctrlPr>
-                            </m:sSubPr>
-                            <m:e>
-                              <m:r>
-                                <a:rPr lang="fr-FR" sz="1000" i="1">
-                                  <a:latin typeface="Cambria Math"/>
-                                </a:rPr>
-                                <m:t>𝑦</m:t>
-                              </m:r>
-                            </m:e>
-                            <m:sub>
-                              <m:r>
-                                <a:rPr lang="fr-FR" sz="1000" b="0" i="1" smtClean="0">
-                                  <a:latin typeface="Cambria Math"/>
-                                </a:rPr>
-                                <m:t>3</m:t>
-                              </m:r>
-                            </m:sub>
-                          </m:sSub>
-                        </m:e>
-                      </m:acc>
-                    </m:oMath>
-                  </m:oMathPara>
-                </a14:m>
-                <a:endParaRPr lang="fr-FR" sz="1000" dirty="0"/>
-              </a:p>
-            </p:txBody>
-          </p:sp>
-        </mc:Choice>
-        <mc:Fallback xmlns="">
-          <p:sp>
-            <p:nvSpPr>
-              <p:cNvPr id="79" name="ZoneTexte 78"/>
-              <p:cNvSpPr txBox="1">
-                <a:spLocks noRot="1" noChangeAspect="1" noMove="1" noResize="1" noEditPoints="1" noAdjustHandles="1" noChangeArrowheads="1" noChangeShapeType="1" noTextEdit="1"/>
-              </p:cNvSpPr>
-              <p:nvPr/>
-            </p:nvSpPr>
-            <p:spPr>
-              <a:xfrm>
-                <a:off x="3493347" y="1392785"/>
-                <a:ext cx="676083" cy="260199"/>
-              </a:xfrm>
-              <a:prstGeom prst="rect">
-                <a:avLst/>
-              </a:prstGeom>
-              <a:blipFill rotWithShape="1">
-                <a:blip r:embed="rId20"/>
-                <a:stretch>
-                  <a:fillRect/>
-                </a:stretch>
-              </a:blipFill>
-            </p:spPr>
-            <p:txBody>
-              <a:bodyPr/>
-              <a:lstStyle/>
-              <a:p>
-                <a:r>
-                  <a:rPr lang="fr-FR">
-                    <a:noFill/>
-                  </a:rPr>
-                  <a:t> </a:t>
-                </a:r>
-              </a:p>
-            </p:txBody>
-          </p:sp>
-        </mc:Fallback>
-      </mc:AlternateContent>
-      <mc:AlternateContent xmlns:mc="http://schemas.openxmlformats.org/markup-compatibility/2006" xmlns:a14="http://schemas.microsoft.com/office/drawing/2010/main">
-        <mc:Choice Requires="a14">
-          <p:sp>
-            <p:nvSpPr>
-              <p:cNvPr id="80" name="ZoneTexte 79"/>
-              <p:cNvSpPr txBox="1"/>
-              <p:nvPr/>
-            </p:nvSpPr>
-            <p:spPr>
-              <a:xfrm>
-                <a:off x="2966955" y="1051311"/>
-                <a:ext cx="329770" cy="246221"/>
-              </a:xfrm>
-              <a:prstGeom prst="rect">
-                <a:avLst/>
-              </a:prstGeom>
-              <a:noFill/>
-            </p:spPr>
-            <p:txBody>
-              <a:bodyPr wrap="none" rtlCol="0">
-                <a:spAutoFit/>
-              </a:bodyPr>
-              <a:lstStyle/>
-              <a:p>
-                <a:pPr/>
-                <a14:m>
-                  <m:oMathPara xmlns:m="http://schemas.openxmlformats.org/officeDocument/2006/math">
-                    <m:oMathParaPr>
-                      <m:jc m:val="centerGroup"/>
-                    </m:oMathParaPr>
-                    <m:oMath xmlns:m="http://schemas.openxmlformats.org/officeDocument/2006/math">
-                      <m:acc>
-                        <m:accPr>
-                          <m:chr m:val="⃗"/>
-                          <m:ctrlPr>
-                            <a:rPr lang="fr-FR" sz="1000" b="0" i="1" smtClean="0">
-                              <a:latin typeface="Cambria Math"/>
-                            </a:rPr>
-                          </m:ctrlPr>
-                        </m:accPr>
-                        <m:e>
-                          <m:sSub>
-                            <m:sSubPr>
-                              <m:ctrlPr>
-                                <a:rPr lang="fr-FR" sz="1000" i="1">
-                                  <a:latin typeface="Cambria Math"/>
-                                </a:rPr>
-                              </m:ctrlPr>
-                            </m:sSubPr>
-                            <m:e>
-                              <m:r>
-                                <a:rPr lang="fr-FR" sz="1000" b="0" i="1" smtClean="0">
-                                  <a:latin typeface="Cambria Math"/>
-                                </a:rPr>
-                                <m:t>𝑧</m:t>
-                              </m:r>
-                            </m:e>
-                            <m:sub>
-                              <m:r>
-                                <a:rPr lang="fr-FR" sz="1000" b="0" i="1" smtClean="0">
-                                  <a:latin typeface="Cambria Math"/>
-                                </a:rPr>
-                                <m:t>1</m:t>
-                              </m:r>
-                            </m:sub>
-                          </m:sSub>
-                        </m:e>
-                      </m:acc>
-                    </m:oMath>
-                  </m:oMathPara>
-                </a14:m>
-                <a:endParaRPr lang="fr-FR" sz="1000" dirty="0"/>
-              </a:p>
-            </p:txBody>
-          </p:sp>
-        </mc:Choice>
-        <mc:Fallback xmlns="">
-          <p:sp>
-            <p:nvSpPr>
-              <p:cNvPr id="80" name="ZoneTexte 79"/>
-              <p:cNvSpPr txBox="1">
-                <a:spLocks noRot="1" noChangeAspect="1" noMove="1" noResize="1" noEditPoints="1" noAdjustHandles="1" noChangeArrowheads="1" noChangeShapeType="1" noTextEdit="1"/>
-              </p:cNvSpPr>
-              <p:nvPr/>
-            </p:nvSpPr>
-            <p:spPr>
-              <a:xfrm>
-                <a:off x="2966955" y="1051311"/>
-                <a:ext cx="329770" cy="246221"/>
-              </a:xfrm>
-              <a:prstGeom prst="rect">
-                <a:avLst/>
-              </a:prstGeom>
-              <a:blipFill rotWithShape="1">
-                <a:blip r:embed="rId21"/>
-                <a:stretch>
-                  <a:fillRect/>
-                </a:stretch>
-              </a:blipFill>
-            </p:spPr>
-            <p:txBody>
-              <a:bodyPr/>
-              <a:lstStyle/>
-              <a:p>
-                <a:r>
-                  <a:rPr lang="fr-FR">
-                    <a:noFill/>
-                  </a:rPr>
-                  <a:t> </a:t>
-                </a:r>
-              </a:p>
-            </p:txBody>
-          </p:sp>
-        </mc:Fallback>
-      </mc:AlternateContent>
-      <mc:AlternateContent xmlns:mc="http://schemas.openxmlformats.org/markup-compatibility/2006" xmlns:a14="http://schemas.microsoft.com/office/drawing/2010/main">
-        <mc:Choice Requires="a14">
-          <p:sp>
-            <p:nvSpPr>
-              <p:cNvPr id="81" name="ZoneTexte 80"/>
-              <p:cNvSpPr txBox="1"/>
-              <p:nvPr/>
-            </p:nvSpPr>
-            <p:spPr>
-              <a:xfrm>
-                <a:off x="2785460" y="1051310"/>
+                <a:off x="2956043" y="1988839"/>
                 <a:ext cx="332720" cy="246221"/>
               </a:xfrm>
               <a:prstGeom prst="rect">
@@ -6701,7 +5649,7 @@
                           <m:chr m:val="⃗"/>
                           <m:ctrlPr>
                             <a:rPr lang="fr-FR" sz="1000" b="0" i="1" smtClean="0">
-                              <a:latin typeface="Cambria Math"/>
+                              <a:latin typeface="Cambria Math" panose="02040503050406030204" pitchFamily="18" charset="0"/>
                             </a:rPr>
                           </m:ctrlPr>
                         </m:accPr>
@@ -6710,24 +5658,24 @@
                             <m:sSubPr>
                               <m:ctrlPr>
                                 <a:rPr lang="fr-FR" sz="1000" i="1">
-                                  <a:latin typeface="Cambria Math"/>
+                                  <a:latin typeface="Cambria Math" panose="02040503050406030204" pitchFamily="18" charset="0"/>
                                 </a:rPr>
                               </m:ctrlPr>
                             </m:sSubPr>
                             <m:e>
                               <m:r>
                                 <a:rPr lang="fr-FR" sz="1000" b="0" i="1" smtClean="0">
-                                  <a:latin typeface="Cambria Math"/>
+                                  <a:latin typeface="Cambria Math" panose="02040503050406030204" pitchFamily="18" charset="0"/>
                                 </a:rPr>
                                 <m:t>𝑧</m:t>
                               </m:r>
                             </m:e>
                             <m:sub>
                               <m:r>
-                                <a:rPr lang="fr-FR" sz="1000" b="0" i="1" smtClean="0">
+                                <a:rPr lang="fr-FR" sz="1000" i="1">
                                   <a:latin typeface="Cambria Math"/>
                                 </a:rPr>
-                                <m:t>2</m:t>
+                                <m:t>0</m:t>
                               </m:r>
                             </m:sub>
                           </m:sSub>
@@ -6741,10 +5689,16 @@
             </p:txBody>
           </p:sp>
         </mc:Choice>
-        <mc:Fallback xmlns="">
+        <mc:Fallback>
           <p:sp>
             <p:nvSpPr>
-              <p:cNvPr id="81" name="ZoneTexte 80"/>
+              <p:cNvPr id="109" name="ZoneTexte 108">
+                <a:extLst>
+                  <a:ext uri="{FF2B5EF4-FFF2-40B4-BE49-F238E27FC236}">
+                    <a16:creationId xmlns:a16="http://schemas.microsoft.com/office/drawing/2014/main" id="{3096F22A-8DF7-4DC6-8CA6-E5794A199131}"/>
+                  </a:ext>
+                </a:extLst>
+              </p:cNvPr>
               <p:cNvSpPr txBox="1">
                 <a:spLocks noRot="1" noChangeAspect="1" noMove="1" noResize="1" noEditPoints="1" noAdjustHandles="1" noChangeArrowheads="1" noChangeShapeType="1" noTextEdit="1"/>
               </p:cNvSpPr>
@@ -6752,14 +5706,14 @@
             </p:nvSpPr>
             <p:spPr>
               <a:xfrm>
-                <a:off x="2785460" y="1051310"/>
+                <a:off x="2956043" y="1988839"/>
                 <a:ext cx="332720" cy="246221"/>
               </a:xfrm>
               <a:prstGeom prst="rect">
                 <a:avLst/>
               </a:prstGeom>
-              <a:blipFill rotWithShape="1">
-                <a:blip r:embed="rId22"/>
+              <a:blipFill>
+                <a:blip r:embed="rId16"/>
                 <a:stretch>
                   <a:fillRect/>
                 </a:stretch>
@@ -6780,18 +5734,24 @@
           </p:sp>
         </mc:Fallback>
       </mc:AlternateContent>
-      <mc:AlternateContent xmlns:mc="http://schemas.openxmlformats.org/markup-compatibility/2006" xmlns:a14="http://schemas.microsoft.com/office/drawing/2010/main">
-        <mc:Choice Requires="a14">
+      <mc:AlternateContent xmlns:mc="http://schemas.openxmlformats.org/markup-compatibility/2006">
+        <mc:Choice xmlns:a14="http://schemas.microsoft.com/office/drawing/2010/main" Requires="a14">
           <p:sp>
             <p:nvSpPr>
-              <p:cNvPr id="82" name="ZoneTexte 81"/>
+              <p:cNvPr id="110" name="ZoneTexte 109">
+                <a:extLst>
+                  <a:ext uri="{FF2B5EF4-FFF2-40B4-BE49-F238E27FC236}">
+                    <a16:creationId xmlns:a16="http://schemas.microsoft.com/office/drawing/2014/main" id="{FE760916-08CE-4C24-9ACF-681F7EC0320D}"/>
+                  </a:ext>
+                </a:extLst>
+              </p:cNvPr>
               <p:cNvSpPr txBox="1"/>
               <p:nvPr/>
             </p:nvSpPr>
             <p:spPr>
               <a:xfrm>
-                <a:off x="2571809" y="1148430"/>
-                <a:ext cx="332720" cy="246221"/>
+                <a:off x="3536398" y="1988838"/>
+                <a:ext cx="340991" cy="246221"/>
               </a:xfrm>
               <a:prstGeom prst="rect">
                 <a:avLst/>
@@ -6816,7 +5776,7 @@
                           <m:chr m:val="⃗"/>
                           <m:ctrlPr>
                             <a:rPr lang="fr-FR" sz="1000" b="0" i="1" smtClean="0">
-                              <a:latin typeface="Cambria Math"/>
+                              <a:latin typeface="Cambria Math" panose="02040503050406030204" pitchFamily="18" charset="0"/>
                             </a:rPr>
                           </m:ctrlPr>
                         </m:accPr>
@@ -6825,22 +5785,149 @@
                             <m:sSubPr>
                               <m:ctrlPr>
                                 <a:rPr lang="fr-FR" sz="1000" i="1">
-                                  <a:latin typeface="Cambria Math"/>
+                                  <a:latin typeface="Cambria Math" panose="02040503050406030204" pitchFamily="18" charset="0"/>
                                 </a:rPr>
                               </m:ctrlPr>
                             </m:sSubPr>
                             <m:e>
                               <m:r>
                                 <a:rPr lang="fr-FR" sz="1000" b="0" i="1" smtClean="0">
+                                  <a:latin typeface="Cambria Math" panose="02040503050406030204" pitchFamily="18" charset="0"/>
+                                </a:rPr>
+                                <m:t>𝑥</m:t>
+                              </m:r>
+                            </m:e>
+                            <m:sub>
+                              <m:r>
+                                <a:rPr lang="fr-FR" sz="1000" i="1">
                                   <a:latin typeface="Cambria Math"/>
                                 </a:rPr>
-                                <m:t>𝑧</m:t>
+                                <m:t>0</m:t>
+                              </m:r>
+                            </m:sub>
+                          </m:sSub>
+                        </m:e>
+                      </m:acc>
+                    </m:oMath>
+                  </m:oMathPara>
+                </a14:m>
+                <a:endParaRPr lang="fr-FR" sz="1000" dirty="0"/>
+              </a:p>
+            </p:txBody>
+          </p:sp>
+        </mc:Choice>
+        <mc:Fallback>
+          <p:sp>
+            <p:nvSpPr>
+              <p:cNvPr id="110" name="ZoneTexte 109">
+                <a:extLst>
+                  <a:ext uri="{FF2B5EF4-FFF2-40B4-BE49-F238E27FC236}">
+                    <a16:creationId xmlns:a16="http://schemas.microsoft.com/office/drawing/2014/main" id="{FE760916-08CE-4C24-9ACF-681F7EC0320D}"/>
+                  </a:ext>
+                </a:extLst>
+              </p:cNvPr>
+              <p:cNvSpPr txBox="1">
+                <a:spLocks noRot="1" noChangeAspect="1" noMove="1" noResize="1" noEditPoints="1" noAdjustHandles="1" noChangeArrowheads="1" noChangeShapeType="1" noTextEdit="1"/>
+              </p:cNvSpPr>
+              <p:nvPr/>
+            </p:nvSpPr>
+            <p:spPr>
+              <a:xfrm>
+                <a:off x="3536398" y="1988838"/>
+                <a:ext cx="340991" cy="246221"/>
+              </a:xfrm>
+              <a:prstGeom prst="rect">
+                <a:avLst/>
+              </a:prstGeom>
+              <a:blipFill>
+                <a:blip r:embed="rId17"/>
+                <a:stretch>
+                  <a:fillRect/>
+                </a:stretch>
+              </a:blipFill>
+            </p:spPr>
+            <p:txBody>
+              <a:bodyPr/>
+              <a:lstStyle/>
+              <a:p>
+                <a:r>
+                  <a:rPr lang="fr-FR">
+                    <a:noFill/>
+                  </a:rPr>
+                  <a:t> </a:t>
+                </a:r>
+              </a:p>
+            </p:txBody>
+          </p:sp>
+        </mc:Fallback>
+      </mc:AlternateContent>
+      <mc:AlternateContent xmlns:mc="http://schemas.openxmlformats.org/markup-compatibility/2006">
+        <mc:Choice xmlns:a14="http://schemas.microsoft.com/office/drawing/2010/main" Requires="a14">
+          <p:sp>
+            <p:nvSpPr>
+              <p:cNvPr id="112" name="ZoneTexte 111">
+                <a:extLst>
+                  <a:ext uri="{FF2B5EF4-FFF2-40B4-BE49-F238E27FC236}">
+                    <a16:creationId xmlns:a16="http://schemas.microsoft.com/office/drawing/2014/main" id="{4E776C4D-1368-499E-8A5E-9374DE4F1231}"/>
+                  </a:ext>
+                </a:extLst>
+              </p:cNvPr>
+              <p:cNvSpPr txBox="1"/>
+              <p:nvPr/>
+            </p:nvSpPr>
+            <p:spPr>
+              <a:xfrm>
+                <a:off x="3519566" y="1548316"/>
+                <a:ext cx="340991" cy="246221"/>
+              </a:xfrm>
+              <a:prstGeom prst="rect">
+                <a:avLst/>
+              </a:prstGeom>
+              <a:noFill/>
+            </p:spPr>
+            <p:txBody>
+              <a:bodyPr wrap="none" rtlCol="0">
+                <a:spAutoFit/>
+              </a:bodyPr>
+              <a:lstStyle/>
+              <a:p>
+                <a:pPr/>
+                <a14:m>
+                  <m:oMathPara xmlns:m="http://schemas.openxmlformats.org/officeDocument/2006/math">
+                    <m:oMathParaPr>
+                      <m:jc m:val="centerGroup"/>
+                    </m:oMathParaPr>
+                    <m:oMath xmlns:m="http://schemas.openxmlformats.org/officeDocument/2006/math">
+                      <m:acc>
+                        <m:accPr>
+                          <m:chr m:val="⃗"/>
+                          <m:ctrlPr>
+                            <a:rPr lang="fr-FR" sz="1000" b="0" i="1" smtClean="0">
+                              <a:latin typeface="Cambria Math" panose="02040503050406030204" pitchFamily="18" charset="0"/>
+                            </a:rPr>
+                          </m:ctrlPr>
+                        </m:accPr>
+                        <m:e>
+                          <m:sSub>
+                            <m:sSubPr>
+                              <m:ctrlPr>
+                                <a:rPr lang="fr-FR" sz="1000" i="1">
+                                  <a:latin typeface="Cambria Math" panose="02040503050406030204" pitchFamily="18" charset="0"/>
+                                </a:rPr>
+                              </m:ctrlPr>
+                            </m:sSubPr>
+                            <m:e>
+                              <m:r>
+                                <a:rPr lang="fr-FR" sz="1000" b="0" i="1" smtClean="0">
+                                  <a:latin typeface="Cambria Math" panose="02040503050406030204" pitchFamily="18" charset="0"/>
+                                </a:rPr>
+                                <m:t>𝑥</m:t>
                               </m:r>
                             </m:e>
                             <m:sub>
                               <m:r>
                                 <a:rPr lang="fr-FR" sz="1000" b="0" i="1" smtClean="0">
-                                  <a:latin typeface="Cambria Math"/>
+                                  <a:latin typeface="Cambria Math" panose="02040503050406030204" pitchFamily="18" charset="0"/>
                                 </a:rPr>
                                 <m:t>3</m:t>
                               </m:r>
@@ -6856,10 +5943,16 @@
             </p:txBody>
           </p:sp>
         </mc:Choice>
-        <mc:Fallback xmlns="">
+        <mc:Fallback>
           <p:sp>
             <p:nvSpPr>
-              <p:cNvPr id="82" name="ZoneTexte 81"/>
+              <p:cNvPr id="112" name="ZoneTexte 111">
+                <a:extLst>
+                  <a:ext uri="{FF2B5EF4-FFF2-40B4-BE49-F238E27FC236}">
+                    <a16:creationId xmlns:a16="http://schemas.microsoft.com/office/drawing/2014/main" id="{4E776C4D-1368-499E-8A5E-9374DE4F1231}"/>
+                  </a:ext>
+                </a:extLst>
+              </p:cNvPr>
               <p:cNvSpPr txBox="1">
                 <a:spLocks noRot="1" noChangeAspect="1" noMove="1" noResize="1" noEditPoints="1" noAdjustHandles="1" noChangeArrowheads="1" noChangeShapeType="1" noTextEdit="1"/>
               </p:cNvSpPr>
@@ -6867,14 +5960,383 @@
             </p:nvSpPr>
             <p:spPr>
               <a:xfrm>
-                <a:off x="2571809" y="1148430"/>
-                <a:ext cx="332720" cy="246221"/>
+                <a:off x="3519566" y="1548316"/>
+                <a:ext cx="340991" cy="246221"/>
               </a:xfrm>
               <a:prstGeom prst="rect">
                 <a:avLst/>
               </a:prstGeom>
-              <a:blipFill rotWithShape="1">
-                <a:blip r:embed="rId23"/>
+              <a:blipFill>
+                <a:blip r:embed="rId18"/>
+                <a:stretch>
+                  <a:fillRect/>
+                </a:stretch>
+              </a:blipFill>
+            </p:spPr>
+            <p:txBody>
+              <a:bodyPr/>
+              <a:lstStyle/>
+              <a:p>
+                <a:r>
+                  <a:rPr lang="fr-FR">
+                    <a:noFill/>
+                  </a:rPr>
+                  <a:t> </a:t>
+                </a:r>
+              </a:p>
+            </p:txBody>
+          </p:sp>
+        </mc:Fallback>
+      </mc:AlternateContent>
+      <mc:AlternateContent xmlns:mc="http://schemas.openxmlformats.org/markup-compatibility/2006">
+        <mc:Choice xmlns:a14="http://schemas.microsoft.com/office/drawing/2010/main" Requires="a14">
+          <p:sp>
+            <p:nvSpPr>
+              <p:cNvPr id="113" name="ZoneTexte 112">
+                <a:extLst>
+                  <a:ext uri="{FF2B5EF4-FFF2-40B4-BE49-F238E27FC236}">
+                    <a16:creationId xmlns:a16="http://schemas.microsoft.com/office/drawing/2014/main" id="{6C60BED8-F289-4CBD-862D-CAA45AAC66C7}"/>
+                  </a:ext>
+                </a:extLst>
+              </p:cNvPr>
+              <p:cNvSpPr txBox="1"/>
+              <p:nvPr/>
+            </p:nvSpPr>
+            <p:spPr>
+              <a:xfrm>
+                <a:off x="3132743" y="1014606"/>
+                <a:ext cx="341567" cy="246221"/>
+              </a:xfrm>
+              <a:prstGeom prst="rect">
+                <a:avLst/>
+              </a:prstGeom>
+              <a:noFill/>
+            </p:spPr>
+            <p:txBody>
+              <a:bodyPr wrap="none" rtlCol="0">
+                <a:spAutoFit/>
+              </a:bodyPr>
+              <a:lstStyle/>
+              <a:p>
+                <a:pPr/>
+                <a14:m>
+                  <m:oMathPara xmlns:m="http://schemas.openxmlformats.org/officeDocument/2006/math">
+                    <m:oMathParaPr>
+                      <m:jc m:val="centerGroup"/>
+                    </m:oMathParaPr>
+                    <m:oMath xmlns:m="http://schemas.openxmlformats.org/officeDocument/2006/math">
+                      <m:acc>
+                        <m:accPr>
+                          <m:chr m:val="⃗"/>
+                          <m:ctrlPr>
+                            <a:rPr lang="fr-FR" sz="1000" b="0" i="1" smtClean="0">
+                              <a:latin typeface="Cambria Math" panose="02040503050406030204" pitchFamily="18" charset="0"/>
+                            </a:rPr>
+                          </m:ctrlPr>
+                        </m:accPr>
+                        <m:e>
+                          <m:sSub>
+                            <m:sSubPr>
+                              <m:ctrlPr>
+                                <a:rPr lang="fr-FR" sz="1000" i="1">
+                                  <a:latin typeface="Cambria Math" panose="02040503050406030204" pitchFamily="18" charset="0"/>
+                                </a:rPr>
+                              </m:ctrlPr>
+                            </m:sSubPr>
+                            <m:e>
+                              <m:r>
+                                <a:rPr lang="fr-FR" sz="1000" b="0" i="1" smtClean="0">
+                                  <a:latin typeface="Cambria Math" panose="02040503050406030204" pitchFamily="18" charset="0"/>
+                                </a:rPr>
+                                <m:t>𝑦</m:t>
+                              </m:r>
+                            </m:e>
+                            <m:sub>
+                              <m:r>
+                                <a:rPr lang="fr-FR" sz="1000" i="1">
+                                  <a:latin typeface="Cambria Math"/>
+                                </a:rPr>
+                                <m:t>0</m:t>
+                              </m:r>
+                            </m:sub>
+                          </m:sSub>
+                        </m:e>
+                      </m:acc>
+                    </m:oMath>
+                  </m:oMathPara>
+                </a14:m>
+                <a:endParaRPr lang="fr-FR" sz="1000" dirty="0"/>
+              </a:p>
+            </p:txBody>
+          </p:sp>
+        </mc:Choice>
+        <mc:Fallback>
+          <p:sp>
+            <p:nvSpPr>
+              <p:cNvPr id="113" name="ZoneTexte 112">
+                <a:extLst>
+                  <a:ext uri="{FF2B5EF4-FFF2-40B4-BE49-F238E27FC236}">
+                    <a16:creationId xmlns:a16="http://schemas.microsoft.com/office/drawing/2014/main" id="{6C60BED8-F289-4CBD-862D-CAA45AAC66C7}"/>
+                  </a:ext>
+                </a:extLst>
+              </p:cNvPr>
+              <p:cNvSpPr txBox="1">
+                <a:spLocks noRot="1" noChangeAspect="1" noMove="1" noResize="1" noEditPoints="1" noAdjustHandles="1" noChangeArrowheads="1" noChangeShapeType="1" noTextEdit="1"/>
+              </p:cNvSpPr>
+              <p:nvPr/>
+            </p:nvSpPr>
+            <p:spPr>
+              <a:xfrm>
+                <a:off x="3132743" y="1014606"/>
+                <a:ext cx="341567" cy="246221"/>
+              </a:xfrm>
+              <a:prstGeom prst="rect">
+                <a:avLst/>
+              </a:prstGeom>
+              <a:blipFill>
+                <a:blip r:embed="rId19"/>
+                <a:stretch>
+                  <a:fillRect/>
+                </a:stretch>
+              </a:blipFill>
+            </p:spPr>
+            <p:txBody>
+              <a:bodyPr/>
+              <a:lstStyle/>
+              <a:p>
+                <a:r>
+                  <a:rPr lang="fr-FR">
+                    <a:noFill/>
+                  </a:rPr>
+                  <a:t> </a:t>
+                </a:r>
+              </a:p>
+            </p:txBody>
+          </p:sp>
+        </mc:Fallback>
+      </mc:AlternateContent>
+      <mc:AlternateContent xmlns:mc="http://schemas.openxmlformats.org/markup-compatibility/2006">
+        <mc:Choice xmlns:a14="http://schemas.microsoft.com/office/drawing/2010/main" Requires="a14">
+          <p:sp>
+            <p:nvSpPr>
+              <p:cNvPr id="114" name="ZoneTexte 113">
+                <a:extLst>
+                  <a:ext uri="{FF2B5EF4-FFF2-40B4-BE49-F238E27FC236}">
+                    <a16:creationId xmlns:a16="http://schemas.microsoft.com/office/drawing/2014/main" id="{4815F441-F310-4CB1-9996-2F32A635E534}"/>
+                  </a:ext>
+                </a:extLst>
+              </p:cNvPr>
+              <p:cNvSpPr txBox="1"/>
+              <p:nvPr/>
+            </p:nvSpPr>
+            <p:spPr>
+              <a:xfrm>
+                <a:off x="2755143" y="1014605"/>
+                <a:ext cx="341568" cy="246221"/>
+              </a:xfrm>
+              <a:prstGeom prst="rect">
+                <a:avLst/>
+              </a:prstGeom>
+              <a:noFill/>
+            </p:spPr>
+            <p:txBody>
+              <a:bodyPr wrap="none" rtlCol="0">
+                <a:spAutoFit/>
+              </a:bodyPr>
+              <a:lstStyle/>
+              <a:p>
+                <a:pPr/>
+                <a14:m>
+                  <m:oMathPara xmlns:m="http://schemas.openxmlformats.org/officeDocument/2006/math">
+                    <m:oMathParaPr>
+                      <m:jc m:val="centerGroup"/>
+                    </m:oMathParaPr>
+                    <m:oMath xmlns:m="http://schemas.openxmlformats.org/officeDocument/2006/math">
+                      <m:acc>
+                        <m:accPr>
+                          <m:chr m:val="⃗"/>
+                          <m:ctrlPr>
+                            <a:rPr lang="fr-FR" sz="1000" b="0" i="1" smtClean="0">
+                              <a:latin typeface="Cambria Math" panose="02040503050406030204" pitchFamily="18" charset="0"/>
+                            </a:rPr>
+                          </m:ctrlPr>
+                        </m:accPr>
+                        <m:e>
+                          <m:sSub>
+                            <m:sSubPr>
+                              <m:ctrlPr>
+                                <a:rPr lang="fr-FR" sz="1000" i="1">
+                                  <a:latin typeface="Cambria Math" panose="02040503050406030204" pitchFamily="18" charset="0"/>
+                                </a:rPr>
+                              </m:ctrlPr>
+                            </m:sSubPr>
+                            <m:e>
+                              <m:r>
+                                <a:rPr lang="fr-FR" sz="1000" b="0" i="1" smtClean="0">
+                                  <a:latin typeface="Cambria Math" panose="02040503050406030204" pitchFamily="18" charset="0"/>
+                                </a:rPr>
+                                <m:t>𝑦</m:t>
+                              </m:r>
+                            </m:e>
+                            <m:sub>
+                              <m:r>
+                                <a:rPr lang="fr-FR" sz="1000" b="0" i="1" smtClean="0">
+                                  <a:latin typeface="Cambria Math" panose="02040503050406030204" pitchFamily="18" charset="0"/>
+                                </a:rPr>
+                                <m:t>3</m:t>
+                              </m:r>
+                            </m:sub>
+                          </m:sSub>
+                        </m:e>
+                      </m:acc>
+                    </m:oMath>
+                  </m:oMathPara>
+                </a14:m>
+                <a:endParaRPr lang="fr-FR" sz="1000" dirty="0"/>
+              </a:p>
+            </p:txBody>
+          </p:sp>
+        </mc:Choice>
+        <mc:Fallback>
+          <p:sp>
+            <p:nvSpPr>
+              <p:cNvPr id="114" name="ZoneTexte 113">
+                <a:extLst>
+                  <a:ext uri="{FF2B5EF4-FFF2-40B4-BE49-F238E27FC236}">
+                    <a16:creationId xmlns:a16="http://schemas.microsoft.com/office/drawing/2014/main" id="{4815F441-F310-4CB1-9996-2F32A635E534}"/>
+                  </a:ext>
+                </a:extLst>
+              </p:cNvPr>
+              <p:cNvSpPr txBox="1">
+                <a:spLocks noRot="1" noChangeAspect="1" noMove="1" noResize="1" noEditPoints="1" noAdjustHandles="1" noChangeArrowheads="1" noChangeShapeType="1" noTextEdit="1"/>
+              </p:cNvSpPr>
+              <p:nvPr/>
+            </p:nvSpPr>
+            <p:spPr>
+              <a:xfrm>
+                <a:off x="2755143" y="1014605"/>
+                <a:ext cx="341568" cy="246221"/>
+              </a:xfrm>
+              <a:prstGeom prst="rect">
+                <a:avLst/>
+              </a:prstGeom>
+              <a:blipFill>
+                <a:blip r:embed="rId20"/>
+                <a:stretch>
+                  <a:fillRect/>
+                </a:stretch>
+              </a:blipFill>
+            </p:spPr>
+            <p:txBody>
+              <a:bodyPr/>
+              <a:lstStyle/>
+              <a:p>
+                <a:r>
+                  <a:rPr lang="fr-FR">
+                    <a:noFill/>
+                  </a:rPr>
+                  <a:t> </a:t>
+                </a:r>
+              </a:p>
+            </p:txBody>
+          </p:sp>
+        </mc:Fallback>
+      </mc:AlternateContent>
+      <mc:AlternateContent xmlns:mc="http://schemas.openxmlformats.org/markup-compatibility/2006">
+        <mc:Choice xmlns:a14="http://schemas.microsoft.com/office/drawing/2010/main" Requires="a14">
+          <p:sp>
+            <p:nvSpPr>
+              <p:cNvPr id="119" name="ZoneTexte 118">
+                <a:extLst>
+                  <a:ext uri="{FF2B5EF4-FFF2-40B4-BE49-F238E27FC236}">
+                    <a16:creationId xmlns:a16="http://schemas.microsoft.com/office/drawing/2014/main" id="{4F4B9B20-5BA9-4C27-B37B-EA6074699ED4}"/>
+                  </a:ext>
+                </a:extLst>
+              </p:cNvPr>
+              <p:cNvSpPr txBox="1"/>
+              <p:nvPr/>
+            </p:nvSpPr>
+            <p:spPr>
+              <a:xfrm>
+                <a:off x="3675062" y="1772544"/>
+                <a:ext cx="340991" cy="246221"/>
+              </a:xfrm>
+              <a:prstGeom prst="rect">
+                <a:avLst/>
+              </a:prstGeom>
+              <a:noFill/>
+            </p:spPr>
+            <p:txBody>
+              <a:bodyPr wrap="none" rtlCol="0">
+                <a:spAutoFit/>
+              </a:bodyPr>
+              <a:lstStyle/>
+              <a:p>
+                <a:pPr/>
+                <a14:m>
+                  <m:oMathPara xmlns:m="http://schemas.openxmlformats.org/officeDocument/2006/math">
+                    <m:oMathParaPr>
+                      <m:jc m:val="centerGroup"/>
+                    </m:oMathParaPr>
+                    <m:oMath xmlns:m="http://schemas.openxmlformats.org/officeDocument/2006/math">
+                      <m:sSub>
+                        <m:sSubPr>
+                          <m:ctrlPr>
+                            <a:rPr lang="fr-FR" sz="1000" b="0" i="1" smtClean="0">
+                              <a:latin typeface="Cambria Math" panose="02040503050406030204" pitchFamily="18" charset="0"/>
+                            </a:rPr>
+                          </m:ctrlPr>
+                        </m:sSubPr>
+                        <m:e>
+                          <m:r>
+                            <a:rPr lang="fr-FR" sz="1000" b="0" i="1" smtClean="0">
+                              <a:latin typeface="Cambria Math" panose="02040503050406030204" pitchFamily="18" charset="0"/>
+                            </a:rPr>
+                            <m:t>𝜃</m:t>
+                          </m:r>
+                        </m:e>
+                        <m:sub>
+                          <m:r>
+                            <a:rPr lang="fr-FR" sz="1000" b="0" i="1" smtClean="0">
+                              <a:latin typeface="Cambria Math" panose="02040503050406030204" pitchFamily="18" charset="0"/>
+                            </a:rPr>
+                            <m:t>3</m:t>
+                          </m:r>
+                        </m:sub>
+                      </m:sSub>
+                    </m:oMath>
+                  </m:oMathPara>
+                </a14:m>
+                <a:endParaRPr lang="fr-FR" sz="1000" dirty="0"/>
+              </a:p>
+            </p:txBody>
+          </p:sp>
+        </mc:Choice>
+        <mc:Fallback>
+          <p:sp>
+            <p:nvSpPr>
+              <p:cNvPr id="119" name="ZoneTexte 118">
+                <a:extLst>
+                  <a:ext uri="{FF2B5EF4-FFF2-40B4-BE49-F238E27FC236}">
+                    <a16:creationId xmlns:a16="http://schemas.microsoft.com/office/drawing/2014/main" id="{4F4B9B20-5BA9-4C27-B37B-EA6074699ED4}"/>
+                  </a:ext>
+                </a:extLst>
+              </p:cNvPr>
+              <p:cNvSpPr txBox="1">
+                <a:spLocks noRot="1" noChangeAspect="1" noMove="1" noResize="1" noEditPoints="1" noAdjustHandles="1" noChangeArrowheads="1" noChangeShapeType="1" noTextEdit="1"/>
+              </p:cNvSpPr>
+              <p:nvPr/>
+            </p:nvSpPr>
+            <p:spPr>
+              <a:xfrm>
+                <a:off x="3675062" y="1772544"/>
+                <a:ext cx="340991" cy="246221"/>
+              </a:xfrm>
+              <a:prstGeom prst="rect">
+                <a:avLst/>
+              </a:prstGeom>
+              <a:blipFill>
+                <a:blip r:embed="rId21"/>
                 <a:stretch>
                   <a:fillRect/>
                 </a:stretch>
@@ -6975,18 +6437,13 @@
           <a:p>
             <a:pPr algn="ctr"/>
             <a:r>
-              <a:rPr lang="fr-FR" sz="1000" dirty="0" smtClean="0">
+              <a:rPr lang="fr-FR" sz="1000" dirty="0">
                 <a:solidFill>
                   <a:sysClr val="windowText" lastClr="000000"/>
                 </a:solidFill>
               </a:rPr>
               <a:t>Domaine du client</a:t>
             </a:r>
-            <a:endParaRPr lang="fr-FR" sz="1000" dirty="0">
-              <a:solidFill>
-                <a:sysClr val="windowText" lastClr="000000"/>
-              </a:solidFill>
-            </a:endParaRPr>
           </a:p>
         </p:txBody>
       </p:sp>
@@ -7159,18 +6616,13 @@
           <a:p>
             <a:pPr algn="ctr"/>
             <a:r>
-              <a:rPr lang="fr-FR" sz="1000" dirty="0" smtClean="0">
+              <a:rPr lang="fr-FR" sz="1000" dirty="0">
                 <a:solidFill>
                   <a:sysClr val="windowText" lastClr="000000"/>
                 </a:solidFill>
               </a:rPr>
               <a:t>Domaine de la modélisation</a:t>
             </a:r>
-            <a:endParaRPr lang="fr-FR" sz="1000" dirty="0">
-              <a:solidFill>
-                <a:sysClr val="windowText" lastClr="000000"/>
-              </a:solidFill>
-            </a:endParaRPr>
           </a:p>
         </p:txBody>
       </p:sp>
@@ -7277,18 +6729,13 @@
           <a:p>
             <a:pPr algn="ctr"/>
             <a:r>
-              <a:rPr lang="fr-FR" sz="1000" b="1" dirty="0" smtClean="0">
+              <a:rPr lang="fr-FR" sz="1000" b="1" dirty="0">
                 <a:solidFill>
                   <a:sysClr val="windowText" lastClr="000000"/>
                 </a:solidFill>
               </a:rPr>
               <a:t>Couple moteur calculé</a:t>
             </a:r>
-            <a:endParaRPr lang="fr-FR" sz="1000" b="1" dirty="0">
-              <a:solidFill>
-                <a:sysClr val="windowText" lastClr="000000"/>
-              </a:solidFill>
-            </a:endParaRPr>
           </a:p>
         </p:txBody>
       </p:sp>
@@ -7416,18 +6863,13 @@
           <a:p>
             <a:pPr algn="ctr"/>
             <a:r>
-              <a:rPr lang="fr-FR" sz="1100" b="1" dirty="0" smtClean="0">
+              <a:rPr lang="fr-FR" sz="1100" b="1" dirty="0">
                 <a:solidFill>
                   <a:sysClr val="windowText" lastClr="000000"/>
                 </a:solidFill>
               </a:rPr>
               <a:t>Exigence validée ?</a:t>
             </a:r>
-            <a:endParaRPr lang="fr-FR" sz="1100" b="1" dirty="0">
-              <a:solidFill>
-                <a:sysClr val="windowText" lastClr="000000"/>
-              </a:solidFill>
-            </a:endParaRPr>
           </a:p>
         </p:txBody>
       </p:sp>
@@ -7493,18 +6935,13 @@
           <a:p>
             <a:pPr algn="ctr"/>
             <a:r>
-              <a:rPr lang="fr-FR" sz="1100" b="1" dirty="0" smtClean="0">
+              <a:rPr lang="fr-FR" sz="1100" b="1" dirty="0">
                 <a:solidFill>
                   <a:sysClr val="windowText" lastClr="000000"/>
                 </a:solidFill>
               </a:rPr>
               <a:t>Marge d’utilisation</a:t>
             </a:r>
-            <a:endParaRPr lang="fr-FR" sz="1100" b="1" dirty="0">
-              <a:solidFill>
-                <a:sysClr val="windowText" lastClr="000000"/>
-              </a:solidFill>
-            </a:endParaRPr>
           </a:p>
         </p:txBody>
       </p:sp>
@@ -7588,18 +7025,13 @@
           <a:p>
             <a:pPr algn="ctr"/>
             <a:r>
-              <a:rPr lang="fr-FR" sz="1000" dirty="0" smtClean="0">
+              <a:rPr lang="fr-FR" sz="1000" dirty="0">
                 <a:solidFill>
                   <a:sysClr val="windowText" lastClr="000000"/>
                 </a:solidFill>
               </a:rPr>
               <a:t>Domaine du client</a:t>
             </a:r>
-            <a:endParaRPr lang="fr-FR" sz="1000" dirty="0">
-              <a:solidFill>
-                <a:sysClr val="windowText" lastClr="000000"/>
-              </a:solidFill>
-            </a:endParaRPr>
           </a:p>
         </p:txBody>
       </p:sp>
@@ -7708,18 +7140,13 @@
           <a:p>
             <a:pPr algn="ctr"/>
             <a:r>
-              <a:rPr lang="fr-FR" sz="1000" dirty="0" smtClean="0">
+              <a:rPr lang="fr-FR" sz="1000" dirty="0">
                 <a:solidFill>
                   <a:sysClr val="windowText" lastClr="000000"/>
                 </a:solidFill>
               </a:rPr>
               <a:t>Domaine de la modélisation</a:t>
             </a:r>
-            <a:endParaRPr lang="fr-FR" sz="1000" dirty="0">
-              <a:solidFill>
-                <a:sysClr val="windowText" lastClr="000000"/>
-              </a:solidFill>
-            </a:endParaRPr>
           </a:p>
         </p:txBody>
       </p:sp>
@@ -7826,7 +7253,7 @@
           <a:p>
             <a:pPr algn="ctr"/>
             <a:r>
-              <a:rPr lang="fr-FR" sz="1000" b="1" dirty="0" smtClean="0">
+              <a:rPr lang="fr-FR" sz="1000" b="1" dirty="0">
                 <a:solidFill>
                   <a:sysClr val="windowText" lastClr="000000"/>
                 </a:solidFill>
@@ -7925,18 +7352,13 @@
           <a:p>
             <a:pPr algn="ctr"/>
             <a:r>
-              <a:rPr lang="fr-FR" sz="1000" dirty="0" smtClean="0">
+              <a:rPr lang="fr-FR" sz="1000" dirty="0">
                 <a:solidFill>
                   <a:sysClr val="windowText" lastClr="000000"/>
                 </a:solidFill>
               </a:rPr>
               <a:t>Domaine de l’expérimentation</a:t>
             </a:r>
-            <a:endParaRPr lang="fr-FR" sz="1000" dirty="0">
-              <a:solidFill>
-                <a:sysClr val="windowText" lastClr="000000"/>
-              </a:solidFill>
-            </a:endParaRPr>
           </a:p>
         </p:txBody>
       </p:sp>
@@ -8047,18 +7469,13 @@
           <a:p>
             <a:pPr algn="ctr"/>
             <a:r>
-              <a:rPr lang="fr-FR" sz="1000" b="1" dirty="0" smtClean="0">
+              <a:rPr lang="fr-FR" sz="1000" b="1" dirty="0">
                 <a:solidFill>
                   <a:sysClr val="windowText" lastClr="000000"/>
                 </a:solidFill>
               </a:rPr>
               <a:t>Calibration du poids de E.</a:t>
             </a:r>
-            <a:endParaRPr lang="fr-FR" sz="1000" b="1" dirty="0">
-              <a:solidFill>
-                <a:sysClr val="windowText" lastClr="000000"/>
-              </a:solidFill>
-            </a:endParaRPr>
           </a:p>
         </p:txBody>
       </p:sp>
@@ -8117,7 +7534,7 @@
               <a:p>
                 <a:pPr algn="ctr"/>
                 <a:r>
-                  <a:rPr lang="fr-FR" sz="900" dirty="0" smtClean="0">
+                  <a:rPr lang="fr-FR" sz="900" dirty="0">
                     <a:solidFill>
                       <a:sysClr val="windowText" lastClr="000000"/>
                     </a:solidFill>
@@ -8128,7 +7545,7 @@
               <a:p>
                 <a:pPr algn="ctr"/>
                 <a:r>
-                  <a:rPr lang="fr-FR" sz="1050" b="1" dirty="0" smtClean="0">
+                  <a:rPr lang="fr-FR" sz="1050" b="1" dirty="0">
                     <a:solidFill>
                       <a:sysClr val="windowText" lastClr="000000"/>
                     </a:solidFill>
@@ -8138,7 +7555,7 @@
               </a:p>
               <a:p>
                 <a:pPr algn="ctr"/>
-                <a:endParaRPr lang="fr-FR" sz="1050" b="1" dirty="0" smtClean="0">
+                <a:endParaRPr lang="fr-FR" sz="1050" b="1" dirty="0">
                   <a:solidFill>
                     <a:sysClr val="windowText" lastClr="000000"/>
                   </a:solidFill>
@@ -8147,7 +7564,7 @@
               <a:p>
                 <a:pPr algn="ctr"/>
                 <a:r>
-                  <a:rPr lang="fr-FR" sz="1050" b="1" dirty="0" smtClean="0">
+                  <a:rPr lang="fr-FR" sz="1050" b="1" dirty="0">
                     <a:solidFill>
                       <a:sysClr val="windowText" lastClr="000000"/>
                     </a:solidFill>
@@ -8174,7 +7591,7 @@
                             <a:solidFill>
                               <a:schemeClr val="tx1"/>
                             </a:solidFill>
-                            <a:latin typeface="Cambria Math"/>
+                            <a:latin typeface="Cambria Math" panose="02040503050406030204" pitchFamily="18" charset="0"/>
                           </a:rPr>
                         </m:ctrlPr>
                       </m:sSubPr>
@@ -8213,20 +7630,12 @@
                   </m:oMath>
                 </a14:m>
                 <a:r>
-                  <a:rPr lang="fr-FR" sz="1000" dirty="0" smtClean="0">
-                    <a:solidFill>
-                      <a:schemeClr val="tx1"/>
-                    </a:solidFill>
-                  </a:rPr>
-                  <a:t> </a:t>
-                </a:r>
-                <a:r>
                   <a:rPr lang="fr-FR" sz="1000" dirty="0">
                     <a:solidFill>
                       <a:schemeClr val="tx1"/>
                     </a:solidFill>
                   </a:rPr>
-                  <a:t>à la valeur de </a:t>
+                  <a:t> à la valeur de </a:t>
                 </a:r>
                 <a14:m>
                   <m:oMath xmlns:m="http://schemas.openxmlformats.org/officeDocument/2006/math">
@@ -8237,7 +7646,7 @@
                             <a:solidFill>
                               <a:schemeClr val="tx1"/>
                             </a:solidFill>
-                            <a:latin typeface="Cambria Math"/>
+                            <a:latin typeface="Cambria Math" panose="02040503050406030204" pitchFamily="18" charset="0"/>
                           </a:rPr>
                         </m:ctrlPr>
                       </m:sSubPr>
@@ -8276,28 +7685,12 @@
                   </m:oMath>
                 </a14:m>
                 <a:r>
-                  <a:rPr lang="fr-FR" sz="1000" dirty="0" smtClean="0">
-                    <a:solidFill>
-                      <a:schemeClr val="tx1"/>
-                    </a:solidFill>
-                  </a:rPr>
-                  <a:t>mesurée </a:t>
-                </a:r>
-                <a:r>
                   <a:rPr lang="fr-FR" sz="1000" dirty="0">
                     <a:solidFill>
                       <a:schemeClr val="tx1"/>
                     </a:solidFill>
                   </a:rPr>
-                  <a:t>sous  </a:t>
-                </a:r>
-                <a:r>
-                  <a:rPr lang="fr-FR" sz="1000" dirty="0" smtClean="0">
-                    <a:solidFill>
-                      <a:schemeClr val="tx1"/>
-                    </a:solidFill>
-                  </a:rPr>
-                  <a:t>« charge ». </a:t>
+                  <a:t>mesurée sous  « charge ». </a:t>
                 </a:r>
                 <a:endParaRPr lang="fr-FR" sz="1000" b="1" dirty="0">
                   <a:solidFill>
@@ -8437,18 +7830,13 @@
           <a:p>
             <a:pPr algn="ctr"/>
             <a:r>
-              <a:rPr lang="fr-FR" sz="1000" dirty="0" smtClean="0">
+              <a:rPr lang="fr-FR" sz="1000" dirty="0">
                 <a:solidFill>
                   <a:sysClr val="windowText" lastClr="000000"/>
                 </a:solidFill>
               </a:rPr>
               <a:t>Domaine du client</a:t>
             </a:r>
-            <a:endParaRPr lang="fr-FR" sz="1000" dirty="0">
-              <a:solidFill>
-                <a:sysClr val="windowText" lastClr="000000"/>
-              </a:solidFill>
-            </a:endParaRPr>
           </a:p>
         </p:txBody>
       </p:sp>
@@ -8557,18 +7945,13 @@
           <a:p>
             <a:pPr algn="ctr"/>
             <a:r>
-              <a:rPr lang="fr-FR" sz="1000" dirty="0" smtClean="0">
+              <a:rPr lang="fr-FR" sz="1000" dirty="0">
                 <a:solidFill>
                   <a:sysClr val="windowText" lastClr="000000"/>
                 </a:solidFill>
               </a:rPr>
               <a:t>Domaine de la modélisation</a:t>
             </a:r>
-            <a:endParaRPr lang="fr-FR" sz="1000" dirty="0">
-              <a:solidFill>
-                <a:sysClr val="windowText" lastClr="000000"/>
-              </a:solidFill>
-            </a:endParaRPr>
           </a:p>
         </p:txBody>
       </p:sp>
@@ -8675,7 +8058,7 @@
           <a:p>
             <a:pPr algn="ctr"/>
             <a:r>
-              <a:rPr lang="fr-FR" sz="1000" b="1" dirty="0" smtClean="0">
+              <a:rPr lang="fr-FR" sz="1000" b="1" dirty="0">
                 <a:solidFill>
                   <a:sysClr val="windowText" lastClr="000000"/>
                 </a:solidFill>
@@ -8774,18 +8157,13 @@
           <a:p>
             <a:pPr algn="ctr"/>
             <a:r>
-              <a:rPr lang="fr-FR" sz="1000" dirty="0" smtClean="0">
+              <a:rPr lang="fr-FR" sz="1000" dirty="0">
                 <a:solidFill>
                   <a:sysClr val="windowText" lastClr="000000"/>
                 </a:solidFill>
               </a:rPr>
               <a:t>Domaine de l’expérimentation</a:t>
             </a:r>
-            <a:endParaRPr lang="fr-FR" sz="1000" dirty="0">
-              <a:solidFill>
-                <a:sysClr val="windowText" lastClr="000000"/>
-              </a:solidFill>
-            </a:endParaRPr>
           </a:p>
         </p:txBody>
       </p:sp>
@@ -8896,18 +8274,13 @@
           <a:p>
             <a:pPr algn="ctr"/>
             <a:r>
-              <a:rPr lang="fr-FR" sz="1000" b="1" dirty="0" smtClean="0">
+              <a:rPr lang="fr-FR" sz="1000" b="1" dirty="0">
                 <a:solidFill>
                   <a:sysClr val="windowText" lastClr="000000"/>
                 </a:solidFill>
               </a:rPr>
               <a:t>Calibration du poids de E.</a:t>
             </a:r>
-            <a:endParaRPr lang="fr-FR" sz="1000" b="1" dirty="0">
-              <a:solidFill>
-                <a:sysClr val="windowText" lastClr="000000"/>
-              </a:solidFill>
-            </a:endParaRPr>
           </a:p>
         </p:txBody>
       </p:sp>
@@ -8964,7 +8337,7 @@
           <a:p>
             <a:pPr algn="ctr"/>
             <a:r>
-              <a:rPr lang="fr-FR" sz="900" dirty="0" smtClean="0">
+              <a:rPr lang="fr-FR" sz="900" dirty="0">
                 <a:solidFill>
                   <a:sysClr val="windowText" lastClr="000000"/>
                 </a:solidFill>
@@ -8975,7 +8348,7 @@
           <a:p>
             <a:pPr algn="ctr"/>
             <a:r>
-              <a:rPr lang="fr-FR" sz="1050" b="1" dirty="0" smtClean="0">
+              <a:rPr lang="fr-FR" sz="1050" b="1" dirty="0">
                 <a:solidFill>
                   <a:sysClr val="windowText" lastClr="000000"/>
                 </a:solidFill>
@@ -8985,7 +8358,7 @@
           </a:p>
           <a:p>
             <a:pPr algn="ctr"/>
-            <a:endParaRPr lang="fr-FR" sz="1050" b="1" dirty="0" smtClean="0">
+            <a:endParaRPr lang="fr-FR" sz="1050" b="1" dirty="0">
               <a:solidFill>
                 <a:sysClr val="windowText" lastClr="000000"/>
               </a:solidFill>
@@ -8994,7 +8367,7 @@
           <a:p>
             <a:pPr algn="ctr"/>
             <a:r>
-              <a:rPr lang="fr-FR" sz="1050" b="1" dirty="0" smtClean="0">
+              <a:rPr lang="fr-FR" sz="1050" b="1" dirty="0">
                 <a:solidFill>
                   <a:sysClr val="windowText" lastClr="000000"/>
                 </a:solidFill>
@@ -9005,7 +8378,7 @@
           <a:p>
             <a:pPr algn="ctr"/>
             <a:r>
-              <a:rPr lang="fr-FR" sz="1000" smtClean="0">
+              <a:rPr lang="fr-FR" sz="1000">
                 <a:solidFill>
                   <a:schemeClr val="tx1"/>
                 </a:solidFill>
@@ -9100,18 +8473,13 @@
           <a:p>
             <a:pPr algn="ctr"/>
             <a:r>
-              <a:rPr lang="fr-FR" sz="1000" dirty="0" smtClean="0">
+              <a:rPr lang="fr-FR" sz="1000" dirty="0">
                 <a:solidFill>
                   <a:sysClr val="windowText" lastClr="000000"/>
                 </a:solidFill>
               </a:rPr>
               <a:t>Domaine du client</a:t>
             </a:r>
-            <a:endParaRPr lang="fr-FR" sz="1000" dirty="0">
-              <a:solidFill>
-                <a:sysClr val="windowText" lastClr="000000"/>
-              </a:solidFill>
-            </a:endParaRPr>
           </a:p>
         </p:txBody>
       </p:sp>
@@ -9284,18 +8652,13 @@
           <a:p>
             <a:pPr algn="ctr"/>
             <a:r>
-              <a:rPr lang="fr-FR" sz="1000" dirty="0" smtClean="0">
+              <a:rPr lang="fr-FR" sz="1000" dirty="0">
                 <a:solidFill>
                   <a:sysClr val="windowText" lastClr="000000"/>
                 </a:solidFill>
               </a:rPr>
               <a:t>Domaine de la modélisation</a:t>
             </a:r>
-            <a:endParaRPr lang="fr-FR" sz="1000" dirty="0">
-              <a:solidFill>
-                <a:sysClr val="windowText" lastClr="000000"/>
-              </a:solidFill>
-            </a:endParaRPr>
           </a:p>
         </p:txBody>
       </p:sp>
@@ -9404,7 +8767,7 @@
               <a:p>
                 <a:pPr algn="ctr"/>
                 <a:r>
-                  <a:rPr lang="fr-FR" sz="1000" b="1" dirty="0" smtClean="0">
+                  <a:rPr lang="fr-FR" sz="1000" b="1" dirty="0">
                     <a:solidFill>
                       <a:sysClr val="windowText" lastClr="000000"/>
                     </a:solidFill>
@@ -9414,7 +8777,7 @@
               </a:p>
               <a:p>
                 <a:pPr algn="ctr"/>
-                <a:endParaRPr lang="fr-FR" sz="1000" b="1" dirty="0" smtClean="0">
+                <a:endParaRPr lang="fr-FR" sz="1000" b="1" dirty="0">
                   <a:solidFill>
                     <a:sysClr val="windowText" lastClr="000000"/>
                   </a:solidFill>
@@ -9435,7 +8798,7 @@
                               <a:solidFill>
                                 <a:sysClr val="windowText" lastClr="000000"/>
                               </a:solidFill>
-                              <a:latin typeface="Cambria Math"/>
+                              <a:latin typeface="Cambria Math" panose="02040503050406030204" pitchFamily="18" charset="0"/>
                             </a:rPr>
                           </m:ctrlPr>
                         </m:fPr>
@@ -9687,7 +9050,7 @@
           <a:p>
             <a:pPr algn="ctr"/>
             <a:r>
-              <a:rPr lang="fr-FR" sz="1100" b="1" dirty="0" smtClean="0">
+              <a:rPr lang="fr-FR" sz="1100" b="1" dirty="0">
                 <a:solidFill>
                   <a:sysClr val="windowText" lastClr="000000"/>
                 </a:solidFill>
@@ -9706,18 +9069,13 @@
           <a:p>
             <a:pPr algn="ctr"/>
             <a:r>
-              <a:rPr lang="fr-FR" sz="1100" b="1" dirty="0" smtClean="0">
+              <a:rPr lang="fr-FR" sz="1100" b="1" dirty="0">
                 <a:solidFill>
                   <a:sysClr val="windowText" lastClr="000000"/>
                 </a:solidFill>
               </a:rPr>
               <a:t>OUI</a:t>
             </a:r>
-            <a:endParaRPr lang="fr-FR" sz="1100" b="1" dirty="0">
-              <a:solidFill>
-                <a:sysClr val="windowText" lastClr="000000"/>
-              </a:solidFill>
-            </a:endParaRPr>
           </a:p>
         </p:txBody>
       </p:sp>
@@ -9783,18 +9141,13 @@
           <a:p>
             <a:pPr algn="ctr"/>
             <a:r>
-              <a:rPr lang="fr-FR" sz="1100" b="1" dirty="0" smtClean="0">
+              <a:rPr lang="fr-FR" sz="1100" b="1" dirty="0">
                 <a:solidFill>
                   <a:sysClr val="windowText" lastClr="000000"/>
                 </a:solidFill>
               </a:rPr>
               <a:t>Marge d’utilisation</a:t>
             </a:r>
-            <a:endParaRPr lang="fr-FR" sz="1100" b="1" dirty="0">
-              <a:solidFill>
-                <a:sysClr val="windowText" lastClr="000000"/>
-              </a:solidFill>
-            </a:endParaRPr>
           </a:p>
         </p:txBody>
       </p:sp>
@@ -9849,7 +9202,7 @@
                     </m:oMath>
                   </m:oMathPara>
                 </a14:m>
-                <a:endParaRPr lang="fr-FR" sz="1200" b="1" dirty="0" smtClean="0">
+                <a:endParaRPr lang="fr-FR" sz="1200" b="1" dirty="0">
                   <a:solidFill>
                     <a:sysClr val="windowText" lastClr="000000"/>
                   </a:solidFill>
@@ -9858,18 +9211,13 @@
               <a:p>
                 <a:pPr algn="ctr"/>
                 <a:r>
-                  <a:rPr lang="fr-FR" sz="1200" b="1" dirty="0" smtClean="0">
+                  <a:rPr lang="fr-FR" sz="1200" b="1" dirty="0">
                     <a:solidFill>
                       <a:sysClr val="windowText" lastClr="000000"/>
                     </a:solidFill>
                   </a:rPr>
                   <a:t>Le couple étant calculé dans une configuration particulière, un couple supérieur peut être nécessaire.</a:t>
                 </a:r>
-                <a:endParaRPr lang="fr-FR" sz="1200" b="1" dirty="0">
-                  <a:solidFill>
-                    <a:sysClr val="windowText" lastClr="000000"/>
-                  </a:solidFill>
-                </a:endParaRPr>
               </a:p>
             </p:txBody>
           </p:sp>
@@ -9991,18 +9339,13 @@
           <a:p>
             <a:pPr algn="ctr"/>
             <a:r>
-              <a:rPr lang="fr-FR" sz="1400" b="1" dirty="0" smtClean="0">
+              <a:rPr lang="fr-FR" sz="1400" b="1" dirty="0">
                 <a:solidFill>
                   <a:schemeClr val="accent4"/>
                 </a:solidFill>
               </a:rPr>
               <a:t>1</a:t>
             </a:r>
-            <a:endParaRPr lang="fr-FR" sz="1400" b="1" dirty="0">
-              <a:solidFill>
-                <a:schemeClr val="accent4"/>
-              </a:solidFill>
-            </a:endParaRPr>
           </a:p>
         </p:txBody>
       </p:sp>
@@ -10112,18 +9455,13 @@
           <a:p>
             <a:pPr algn="ctr"/>
             <a:r>
-              <a:rPr lang="fr-FR" sz="1400" b="1" dirty="0" smtClean="0">
+              <a:rPr lang="fr-FR" sz="1400" b="1" dirty="0">
                 <a:solidFill>
                   <a:schemeClr val="accent3"/>
                 </a:solidFill>
               </a:rPr>
               <a:t>3</a:t>
             </a:r>
-            <a:endParaRPr lang="fr-FR" sz="1400" b="1" dirty="0">
-              <a:solidFill>
-                <a:schemeClr val="accent3"/>
-              </a:solidFill>
-            </a:endParaRPr>
           </a:p>
         </p:txBody>
       </p:sp>
@@ -10174,18 +9512,13 @@
           <a:p>
             <a:pPr algn="ctr"/>
             <a:r>
-              <a:rPr lang="fr-FR" sz="1400" b="1" dirty="0" smtClean="0">
+              <a:rPr lang="fr-FR" sz="1400" b="1" dirty="0">
                 <a:solidFill>
                   <a:schemeClr val="tx1"/>
                 </a:solidFill>
               </a:rPr>
               <a:t>4</a:t>
             </a:r>
-            <a:endParaRPr lang="fr-FR" sz="1400" b="1" dirty="0">
-              <a:solidFill>
-                <a:schemeClr val="tx1"/>
-              </a:solidFill>
-            </a:endParaRPr>
           </a:p>
         </p:txBody>
       </p:sp>
@@ -10239,7 +9572,7 @@
           <a:p>
             <a:pPr algn="ctr"/>
             <a:r>
-              <a:rPr lang="fr-FR" sz="1400" b="1" dirty="0" smtClean="0">
+              <a:rPr lang="fr-FR" sz="1400" b="1" dirty="0">
                 <a:solidFill>
                   <a:schemeClr val="accent6">
                     <a:lumMod val="50000"/>
@@ -10248,13 +9581,6 @@
               </a:rPr>
               <a:t>0</a:t>
             </a:r>
-            <a:endParaRPr lang="fr-FR" sz="1400" b="1" dirty="0">
-              <a:solidFill>
-                <a:schemeClr val="accent6">
-                  <a:lumMod val="50000"/>
-                </a:schemeClr>
-              </a:solidFill>
-            </a:endParaRPr>
           </a:p>
         </p:txBody>
       </p:sp>
@@ -11067,7 +10393,7 @@
               <a:lstStyle/>
               <a:p>
                 <a:r>
-                  <a:rPr lang="fr-FR" sz="1100" b="0" dirty="0" smtClean="0"/>
+                  <a:rPr lang="fr-FR" sz="1100" b="0" dirty="0"/>
                   <a:t>Pivot </a:t>
                 </a:r>
                 <a14:m>
@@ -11076,7 +10402,7 @@
                       <m:dPr>
                         <m:ctrlPr>
                           <a:rPr lang="fr-FR" sz="1100" b="0" i="1" smtClean="0">
-                            <a:latin typeface="Cambria Math"/>
+                            <a:latin typeface="Cambria Math" panose="02040503050406030204" pitchFamily="18" charset="0"/>
                           </a:rPr>
                         </m:ctrlPr>
                       </m:dPr>
@@ -11098,7 +10424,7 @@
                             <m:chr m:val="⃗"/>
                             <m:ctrlPr>
                               <a:rPr lang="fr-FR" sz="1100" b="0" i="1" smtClean="0">
-                                <a:latin typeface="Cambria Math"/>
+                                <a:latin typeface="Cambria Math" panose="02040503050406030204" pitchFamily="18" charset="0"/>
                               </a:rPr>
                             </m:ctrlPr>
                           </m:accPr>
@@ -11107,7 +10433,7 @@
                               <m:sSubPr>
                                 <m:ctrlPr>
                                   <a:rPr lang="fr-FR" sz="1100" b="0" i="1" smtClean="0">
-                                    <a:latin typeface="Cambria Math"/>
+                                    <a:latin typeface="Cambria Math" panose="02040503050406030204" pitchFamily="18" charset="0"/>
                                   </a:rPr>
                                 </m:ctrlPr>
                               </m:sSubPr>
@@ -11203,7 +10529,7 @@
               <a:lstStyle/>
               <a:p>
                 <a:r>
-                  <a:rPr lang="fr-FR" sz="1100" b="0" dirty="0" smtClean="0"/>
+                  <a:rPr lang="fr-FR" sz="1100" b="0" dirty="0"/>
                   <a:t>Pivot </a:t>
                 </a:r>
                 <a14:m>
@@ -11212,7 +10538,7 @@
                       <m:dPr>
                         <m:ctrlPr>
                           <a:rPr lang="fr-FR" sz="1100" b="0" i="1" smtClean="0">
-                            <a:latin typeface="Cambria Math"/>
+                            <a:latin typeface="Cambria Math" panose="02040503050406030204" pitchFamily="18" charset="0"/>
                           </a:rPr>
                         </m:ctrlPr>
                       </m:dPr>
@@ -11234,7 +10560,7 @@
                             <m:chr m:val="⃗"/>
                             <m:ctrlPr>
                               <a:rPr lang="fr-FR" sz="1100" b="0" i="1" smtClean="0">
-                                <a:latin typeface="Cambria Math"/>
+                                <a:latin typeface="Cambria Math" panose="02040503050406030204" pitchFamily="18" charset="0"/>
                               </a:rPr>
                             </m:ctrlPr>
                           </m:accPr>
@@ -11243,7 +10569,7 @@
                               <m:sSubPr>
                                 <m:ctrlPr>
                                   <a:rPr lang="fr-FR" sz="1100" b="0" i="1" smtClean="0">
-                                    <a:latin typeface="Cambria Math"/>
+                                    <a:latin typeface="Cambria Math" panose="02040503050406030204" pitchFamily="18" charset="0"/>
                                   </a:rPr>
                                 </m:ctrlPr>
                               </m:sSubPr>
@@ -11339,7 +10665,7 @@
               <a:lstStyle/>
               <a:p>
                 <a:r>
-                  <a:rPr lang="fr-FR" sz="1100" b="0" dirty="0" smtClean="0"/>
+                  <a:rPr lang="fr-FR" sz="1100" b="0" dirty="0"/>
                   <a:t>Pivot </a:t>
                 </a:r>
                 <a14:m>
@@ -11348,7 +10674,7 @@
                       <m:dPr>
                         <m:ctrlPr>
                           <a:rPr lang="fr-FR" sz="1100" b="0" i="1" smtClean="0">
-                            <a:latin typeface="Cambria Math"/>
+                            <a:latin typeface="Cambria Math" panose="02040503050406030204" pitchFamily="18" charset="0"/>
                           </a:rPr>
                         </m:ctrlPr>
                       </m:dPr>
@@ -11370,7 +10696,7 @@
                             <m:chr m:val="⃗"/>
                             <m:ctrlPr>
                               <a:rPr lang="fr-FR" sz="1100" b="0" i="1" smtClean="0">
-                                <a:latin typeface="Cambria Math"/>
+                                <a:latin typeface="Cambria Math" panose="02040503050406030204" pitchFamily="18" charset="0"/>
                               </a:rPr>
                             </m:ctrlPr>
                           </m:accPr>
@@ -11379,7 +10705,7 @@
                               <m:sSubPr>
                                 <m:ctrlPr>
                                   <a:rPr lang="fr-FR" sz="1100" b="0" i="1" smtClean="0">
-                                    <a:latin typeface="Cambria Math"/>
+                                    <a:latin typeface="Cambria Math" panose="02040503050406030204" pitchFamily="18" charset="0"/>
                                   </a:rPr>
                                 </m:ctrlPr>
                               </m:sSubPr>
@@ -11475,7 +10801,7 @@
               <a:lstStyle/>
               <a:p>
                 <a:r>
-                  <a:rPr lang="fr-FR" sz="1100" b="0" dirty="0" smtClean="0"/>
+                  <a:rPr lang="fr-FR" sz="1100" b="0" dirty="0"/>
                   <a:t>Glissière </a:t>
                 </a:r>
                 <a14:m>
@@ -11484,7 +10810,7 @@
                       <m:dPr>
                         <m:ctrlPr>
                           <a:rPr lang="fr-FR" sz="1100" b="0" i="1" smtClean="0">
-                            <a:latin typeface="Cambria Math"/>
+                            <a:latin typeface="Cambria Math" panose="02040503050406030204" pitchFamily="18" charset="0"/>
                           </a:rPr>
                         </m:ctrlPr>
                       </m:dPr>
@@ -11506,7 +10832,7 @@
                             <m:chr m:val="⃗"/>
                             <m:ctrlPr>
                               <a:rPr lang="fr-FR" sz="1100" b="0" i="1" smtClean="0">
-                                <a:latin typeface="Cambria Math"/>
+                                <a:latin typeface="Cambria Math" panose="02040503050406030204" pitchFamily="18" charset="0"/>
                               </a:rPr>
                             </m:ctrlPr>
                           </m:accPr>
@@ -11515,7 +10841,7 @@
                               <m:sSubPr>
                                 <m:ctrlPr>
                                   <a:rPr lang="fr-FR" sz="1100" b="0" i="1" smtClean="0">
-                                    <a:latin typeface="Cambria Math"/>
+                                    <a:latin typeface="Cambria Math" panose="02040503050406030204" pitchFamily="18" charset="0"/>
                                   </a:rPr>
                                 </m:ctrlPr>
                               </m:sSubPr>
@@ -11621,7 +10947,7 @@
                         <m:sSubPr>
                           <m:ctrlPr>
                             <a:rPr lang="fr-FR" sz="1400" b="0" i="1" smtClean="0">
-                              <a:latin typeface="Cambria Math"/>
+                              <a:latin typeface="Cambria Math" panose="02040503050406030204" pitchFamily="18" charset="0"/>
                             </a:rPr>
                           </m:ctrlPr>
                         </m:sSubPr>
@@ -11632,7 +10958,7 @@
                               <m:endChr m:val="}"/>
                               <m:ctrlPr>
                                 <a:rPr lang="fr-FR" sz="1400" b="0" i="1" smtClean="0">
-                                  <a:latin typeface="Cambria Math"/>
+                                  <a:latin typeface="Cambria Math" panose="02040503050406030204" pitchFamily="18" charset="0"/>
                                 </a:rPr>
                               </m:ctrlPr>
                             </m:dPr>
@@ -11648,7 +10974,7 @@
                                 <m:dPr>
                                   <m:ctrlPr>
                                     <a:rPr lang="fr-FR" sz="1400" b="0" i="1" smtClean="0">
-                                      <a:latin typeface="Cambria Math"/>
+                                      <a:latin typeface="Cambria Math" panose="02040503050406030204" pitchFamily="18" charset="0"/>
                                       <a:ea typeface="Cambria Math"/>
                                     </a:rPr>
                                   </m:ctrlPr>
@@ -11685,7 +11011,7 @@
                               <m:endChr m:val="}"/>
                               <m:ctrlPr>
                                 <a:rPr lang="fr-FR" sz="1400" b="0" i="1" smtClean="0">
-                                  <a:latin typeface="Cambria Math"/>
+                                  <a:latin typeface="Cambria Math" panose="02040503050406030204" pitchFamily="18" charset="0"/>
                                 </a:rPr>
                               </m:ctrlPr>
                             </m:dPr>
@@ -11694,7 +11020,7 @@
                                 <m:eqArrPr>
                                   <m:ctrlPr>
                                     <a:rPr lang="fr-FR" sz="1400" b="0" i="1" smtClean="0">
-                                      <a:latin typeface="Cambria Math"/>
+                                      <a:latin typeface="Cambria Math" panose="02040503050406030204" pitchFamily="18" charset="0"/>
                                     </a:rPr>
                                   </m:ctrlPr>
                                 </m:eqArrPr>
@@ -11703,7 +11029,7 @@
                                     <m:sSubPr>
                                       <m:ctrlPr>
                                         <a:rPr lang="fr-FR" sz="1400" i="1">
-                                          <a:latin typeface="Cambria Math"/>
+                                          <a:latin typeface="Cambria Math" panose="02040503050406030204" pitchFamily="18" charset="0"/>
                                         </a:rPr>
                                       </m:ctrlPr>
                                     </m:sSubPr>
@@ -11738,7 +11064,7 @@
                                       <m:chr m:val="⃗"/>
                                       <m:ctrlPr>
                                         <a:rPr lang="fr-FR" sz="1400" i="1">
-                                          <a:latin typeface="Cambria Math"/>
+                                          <a:latin typeface="Cambria Math" panose="02040503050406030204" pitchFamily="18" charset="0"/>
                                         </a:rPr>
                                       </m:ctrlPr>
                                     </m:accPr>
@@ -11747,7 +11073,7 @@
                                         <m:sSubPr>
                                           <m:ctrlPr>
                                             <a:rPr lang="fr-FR" sz="1400" i="1">
-                                              <a:latin typeface="Cambria Math"/>
+                                              <a:latin typeface="Cambria Math" panose="02040503050406030204" pitchFamily="18" charset="0"/>
                                             </a:rPr>
                                           </m:ctrlPr>
                                         </m:sSubPr>
@@ -11777,7 +11103,7 @@
                                       <m:chr m:val="⃗"/>
                                       <m:ctrlPr>
                                         <a:rPr lang="fr-FR" sz="1400" i="1">
-                                          <a:latin typeface="Cambria Math"/>
+                                          <a:latin typeface="Cambria Math" panose="02040503050406030204" pitchFamily="18" charset="0"/>
                                         </a:rPr>
                                       </m:ctrlPr>
                                     </m:accPr>
@@ -11800,7 +11126,7 @@
                             <m:sSubPr>
                               <m:ctrlPr>
                                 <a:rPr lang="fr-FR" sz="1400" b="0" i="1" smtClean="0">
-                                  <a:latin typeface="Cambria Math"/>
+                                  <a:latin typeface="Cambria Math" panose="02040503050406030204" pitchFamily="18" charset="0"/>
                                 </a:rPr>
                               </m:ctrlPr>
                             </m:sSubPr>
@@ -11893,7 +11219,7 @@
           <a:lstStyle/>
           <a:p>
             <a:r>
-              <a:rPr lang="fr-FR" sz="1100" b="0" dirty="0" smtClean="0"/>
+              <a:rPr lang="fr-FR" sz="1100" b="0" dirty="0"/>
               <a:t>Pesanteur</a:t>
             </a:r>
             <a:endParaRPr lang="fr-FR" sz="1100" dirty="0"/>
@@ -11934,7 +11260,7 @@
                         <m:sSubPr>
                           <m:ctrlPr>
                             <a:rPr lang="fr-FR" sz="1100" i="1" smtClean="0">
-                              <a:latin typeface="Cambria Math"/>
+                              <a:latin typeface="Cambria Math" panose="02040503050406030204" pitchFamily="18" charset="0"/>
                             </a:rPr>
                           </m:ctrlPr>
                         </m:sSubPr>
@@ -11975,7 +11301,7 @@
                           <m:chr m:val="⃗"/>
                           <m:ctrlPr>
                             <a:rPr lang="fr-FR" sz="1100" i="1">
-                              <a:latin typeface="Cambria Math"/>
+                              <a:latin typeface="Cambria Math" panose="02040503050406030204" pitchFamily="18" charset="0"/>
                             </a:rPr>
                           </m:ctrlPr>
                         </m:accPr>
@@ -11984,7 +11310,7 @@
                             <m:sSubPr>
                               <m:ctrlPr>
                                 <a:rPr lang="fr-FR" sz="1100" i="1">
-                                  <a:latin typeface="Cambria Math"/>
+                                  <a:latin typeface="Cambria Math" panose="02040503050406030204" pitchFamily="18" charset="0"/>
                                 </a:rPr>
                               </m:ctrlPr>
                             </m:sSubPr>
@@ -12088,7 +11414,7 @@
                         <m:sSubPr>
                           <m:ctrlPr>
                             <a:rPr lang="fr-FR" sz="1100" i="1" smtClean="0">
-                              <a:latin typeface="Cambria Math"/>
+                              <a:latin typeface="Cambria Math" panose="02040503050406030204" pitchFamily="18" charset="0"/>
                             </a:rPr>
                           </m:ctrlPr>
                         </m:sSubPr>
@@ -12114,7 +11440,7 @@
                           <m:chr m:val="⃗"/>
                           <m:ctrlPr>
                             <a:rPr lang="fr-FR" sz="1100" i="1">
-                              <a:latin typeface="Cambria Math"/>
+                              <a:latin typeface="Cambria Math" panose="02040503050406030204" pitchFamily="18" charset="0"/>
                             </a:rPr>
                           </m:ctrlPr>
                         </m:accPr>
@@ -12123,7 +11449,7 @@
                             <m:sSubPr>
                               <m:ctrlPr>
                                 <a:rPr lang="fr-FR" sz="1100" i="1">
-                                  <a:latin typeface="Cambria Math"/>
+                                  <a:latin typeface="Cambria Math" panose="02040503050406030204" pitchFamily="18" charset="0"/>
                                 </a:rPr>
                               </m:ctrlPr>
                             </m:sSubPr>
@@ -12227,7 +11553,7 @@
                         <m:sSubPr>
                           <m:ctrlPr>
                             <a:rPr lang="fr-FR" sz="1100" i="1" smtClean="0">
-                              <a:latin typeface="Cambria Math"/>
+                              <a:latin typeface="Cambria Math" panose="02040503050406030204" pitchFamily="18" charset="0"/>
                             </a:rPr>
                           </m:ctrlPr>
                         </m:sSubPr>
@@ -12253,7 +11579,7 @@
                           <m:chr m:val="⃗"/>
                           <m:ctrlPr>
                             <a:rPr lang="fr-FR" sz="1100" i="1">
-                              <a:latin typeface="Cambria Math"/>
+                              <a:latin typeface="Cambria Math" panose="02040503050406030204" pitchFamily="18" charset="0"/>
                             </a:rPr>
                           </m:ctrlPr>
                         </m:accPr>
@@ -12262,7 +11588,7 @@
                             <m:sSubPr>
                               <m:ctrlPr>
                                 <a:rPr lang="fr-FR" sz="1100" i="1">
-                                  <a:latin typeface="Cambria Math"/>
+                                  <a:latin typeface="Cambria Math" panose="02040503050406030204" pitchFamily="18" charset="0"/>
                                 </a:rPr>
                               </m:ctrlPr>
                             </m:sSubPr>
@@ -12366,7 +11692,7 @@
                         <m:sSubPr>
                           <m:ctrlPr>
                             <a:rPr lang="fr-FR" sz="1100" i="1" smtClean="0">
-                              <a:latin typeface="Cambria Math"/>
+                              <a:latin typeface="Cambria Math" panose="02040503050406030204" pitchFamily="18" charset="0"/>
                             </a:rPr>
                           </m:ctrlPr>
                         </m:sSubPr>
@@ -12401,7 +11727,7 @@
                           <m:chr m:val="⃗"/>
                           <m:ctrlPr>
                             <a:rPr lang="fr-FR" sz="1100" i="1">
-                              <a:latin typeface="Cambria Math"/>
+                              <a:latin typeface="Cambria Math" panose="02040503050406030204" pitchFamily="18" charset="0"/>
                             </a:rPr>
                           </m:ctrlPr>
                         </m:accPr>
@@ -12410,7 +11736,7 @@
                             <m:sSubPr>
                               <m:ctrlPr>
                                 <a:rPr lang="fr-FR" sz="1100" i="1">
-                                  <a:latin typeface="Cambria Math"/>
+                                  <a:latin typeface="Cambria Math" panose="02040503050406030204" pitchFamily="18" charset="0"/>
                                 </a:rPr>
                               </m:ctrlPr>
                             </m:sSubPr>
@@ -12754,18 +12080,13 @@
           <a:p>
             <a:pPr algn="ctr"/>
             <a:r>
-              <a:rPr lang="fr-FR" sz="1400" b="1" dirty="0" smtClean="0">
+              <a:rPr lang="fr-FR" sz="1400" b="1" dirty="0">
                 <a:solidFill>
                   <a:schemeClr val="accent4"/>
                 </a:solidFill>
               </a:rPr>
               <a:t>1</a:t>
             </a:r>
-            <a:endParaRPr lang="fr-FR" sz="1400" b="1" dirty="0">
-              <a:solidFill>
-                <a:schemeClr val="accent4"/>
-              </a:solidFill>
-            </a:endParaRPr>
           </a:p>
         </p:txBody>
       </p:sp>
@@ -12819,7 +12140,7 @@
           <a:p>
             <a:pPr algn="ctr"/>
             <a:r>
-              <a:rPr lang="fr-FR" sz="1400" b="1" dirty="0" smtClean="0">
+              <a:rPr lang="fr-FR" sz="1400" b="1" dirty="0">
                 <a:solidFill>
                   <a:schemeClr val="accent6">
                     <a:lumMod val="50000"/>
@@ -12828,13 +12149,6 @@
               </a:rPr>
               <a:t>0</a:t>
             </a:r>
-            <a:endParaRPr lang="fr-FR" sz="1400" b="1" dirty="0">
-              <a:solidFill>
-                <a:schemeClr val="accent6">
-                  <a:lumMod val="50000"/>
-                </a:schemeClr>
-              </a:solidFill>
-            </a:endParaRPr>
           </a:p>
         </p:txBody>
       </p:sp>
@@ -12876,8 +12190,8 @@
           </a:fontRef>
         </p:style>
       </p:cxnSp>
-      <mc:AlternateContent xmlns:mc="http://schemas.openxmlformats.org/markup-compatibility/2006">
-        <mc:Choice xmlns:a14="http://schemas.microsoft.com/office/drawing/2010/main" Requires="a14">
+      <mc:AlternateContent xmlns:mc="http://schemas.openxmlformats.org/markup-compatibility/2006" xmlns:a14="http://schemas.microsoft.com/office/drawing/2010/main">
+        <mc:Choice Requires="a14">
           <p:sp>
             <p:nvSpPr>
               <p:cNvPr id="31" name="ZoneTexte 30"/>
@@ -12901,7 +12215,7 @@
               <a:lstStyle/>
               <a:p>
                 <a:r>
-                  <a:rPr lang="fr-FR" sz="1000" b="0" dirty="0" smtClean="0"/>
+                  <a:rPr lang="fr-FR" sz="1000" b="0" dirty="0"/>
                   <a:t>Pivot </a:t>
                 </a:r>
                 <a14:m>
@@ -12910,7 +12224,7 @@
                       <m:dPr>
                         <m:ctrlPr>
                           <a:rPr lang="fr-FR" sz="1000" b="0" i="1" smtClean="0">
-                            <a:latin typeface="Cambria Math"/>
+                            <a:latin typeface="Cambria Math" panose="02040503050406030204" pitchFamily="18" charset="0"/>
                           </a:rPr>
                         </m:ctrlPr>
                       </m:dPr>
@@ -12932,7 +12246,7 @@
                             <m:chr m:val="⃗"/>
                             <m:ctrlPr>
                               <a:rPr lang="fr-FR" sz="1000" b="0" i="1" smtClean="0">
-                                <a:latin typeface="Cambria Math"/>
+                                <a:latin typeface="Cambria Math" panose="02040503050406030204" pitchFamily="18" charset="0"/>
                               </a:rPr>
                             </m:ctrlPr>
                           </m:accPr>
@@ -12954,7 +12268,7 @@
             </p:txBody>
           </p:sp>
         </mc:Choice>
-        <mc:Fallback>
+        <mc:Fallback xmlns="">
           <p:sp>
             <p:nvSpPr>
               <p:cNvPr id="31" name="ZoneTexte 30"/>
@@ -12993,8 +12307,8 @@
           </p:sp>
         </mc:Fallback>
       </mc:AlternateContent>
-      <mc:AlternateContent xmlns:mc="http://schemas.openxmlformats.org/markup-compatibility/2006">
-        <mc:Choice xmlns:a14="http://schemas.microsoft.com/office/drawing/2010/main" Requires="a14">
+      <mc:AlternateContent xmlns:mc="http://schemas.openxmlformats.org/markup-compatibility/2006" xmlns:a14="http://schemas.microsoft.com/office/drawing/2010/main">
+        <mc:Choice Requires="a14">
           <p:sp>
             <p:nvSpPr>
               <p:cNvPr id="37" name="Rectangle 36"/>
@@ -13027,7 +12341,7 @@
                         <m:sSubPr>
                           <m:ctrlPr>
                             <a:rPr lang="fr-FR" sz="1000" i="1" smtClean="0">
-                              <a:latin typeface="Cambria Math"/>
+                              <a:latin typeface="Cambria Math" panose="02040503050406030204" pitchFamily="18" charset="0"/>
                             </a:rPr>
                           </m:ctrlPr>
                         </m:sSubPr>
@@ -13068,7 +12382,7 @@
                           <m:chr m:val="⃗"/>
                           <m:ctrlPr>
                             <a:rPr lang="fr-FR" sz="1000" i="1">
-                              <a:latin typeface="Cambria Math"/>
+                              <a:latin typeface="Cambria Math" panose="02040503050406030204" pitchFamily="18" charset="0"/>
                             </a:rPr>
                           </m:ctrlPr>
                         </m:accPr>
@@ -13089,7 +12403,7 @@
             </p:txBody>
           </p:sp>
         </mc:Choice>
-        <mc:Fallback>
+        <mc:Fallback xmlns="">
           <p:sp>
             <p:nvSpPr>
               <p:cNvPr id="37" name="Rectangle 36"/>
@@ -13128,8 +12442,8 @@
           </p:sp>
         </mc:Fallback>
       </mc:AlternateContent>
-      <mc:AlternateContent xmlns:mc="http://schemas.openxmlformats.org/markup-compatibility/2006">
-        <mc:Choice xmlns:a14="http://schemas.microsoft.com/office/drawing/2010/main" Requires="a14">
+      <mc:AlternateContent xmlns:mc="http://schemas.openxmlformats.org/markup-compatibility/2006" xmlns:a14="http://schemas.microsoft.com/office/drawing/2010/main">
+        <mc:Choice Requires="a14">
           <p:sp>
             <p:nvSpPr>
               <p:cNvPr id="41" name="ZoneTexte 40"/>
@@ -13153,7 +12467,7 @@
               <a:lstStyle/>
               <a:p>
                 <a:r>
-                  <a:rPr lang="fr-FR" sz="1000" b="0" dirty="0" smtClean="0"/>
+                  <a:rPr lang="fr-FR" sz="1000" b="0" dirty="0"/>
                   <a:t>Pivot </a:t>
                 </a:r>
                 <a14:m>
@@ -13162,7 +12476,7 @@
                       <m:dPr>
                         <m:ctrlPr>
                           <a:rPr lang="fr-FR" sz="1000" b="0" i="1" smtClean="0">
-                            <a:latin typeface="Cambria Math"/>
+                            <a:latin typeface="Cambria Math" panose="02040503050406030204" pitchFamily="18" charset="0"/>
                           </a:rPr>
                         </m:ctrlPr>
                       </m:dPr>
@@ -13184,7 +12498,7 @@
                             <m:chr m:val="⃗"/>
                             <m:ctrlPr>
                               <a:rPr lang="fr-FR" sz="1000" b="0" i="1" smtClean="0">
-                                <a:latin typeface="Cambria Math"/>
+                                <a:latin typeface="Cambria Math" panose="02040503050406030204" pitchFamily="18" charset="0"/>
                               </a:rPr>
                             </m:ctrlPr>
                           </m:accPr>
@@ -13206,7 +12520,7 @@
             </p:txBody>
           </p:sp>
         </mc:Choice>
-        <mc:Fallback>
+        <mc:Fallback xmlns="">
           <p:sp>
             <p:nvSpPr>
               <p:cNvPr id="41" name="ZoneTexte 40"/>
@@ -13468,7 +12782,7 @@
           <a:p>
             <a:pPr algn="ctr"/>
             <a:r>
-              <a:rPr lang="fr-FR" sz="1400" b="1" dirty="0" smtClean="0">
+              <a:rPr lang="fr-FR" sz="1400" b="1" dirty="0">
                 <a:solidFill>
                   <a:schemeClr val="accent4"/>
                 </a:solidFill>
@@ -13476,18 +12790,13 @@
               <a:t>1</a:t>
             </a:r>
             <a:r>
-              <a:rPr lang="fr-FR" sz="1400" b="1" baseline="-25000" dirty="0" smtClean="0">
+              <a:rPr lang="fr-FR" sz="1400" b="1" baseline="-25000" dirty="0">
                 <a:solidFill>
                   <a:schemeClr val="accent4"/>
                 </a:solidFill>
               </a:rPr>
               <a:t>c</a:t>
             </a:r>
-            <a:endParaRPr lang="fr-FR" sz="1400" b="1" baseline="-25000" dirty="0">
-              <a:solidFill>
-                <a:schemeClr val="accent4"/>
-              </a:solidFill>
-            </a:endParaRPr>
           </a:p>
         </p:txBody>
       </p:sp>
@@ -13541,7 +12850,7 @@
           <a:p>
             <a:pPr algn="ctr"/>
             <a:r>
-              <a:rPr lang="fr-FR" sz="1400" b="1" dirty="0" smtClean="0">
+              <a:rPr lang="fr-FR" sz="1400" b="1" dirty="0">
                 <a:solidFill>
                   <a:schemeClr val="accent6">
                     <a:lumMod val="50000"/>
@@ -13550,13 +12859,6 @@
               </a:rPr>
               <a:t>0</a:t>
             </a:r>
-            <a:endParaRPr lang="fr-FR" sz="1400" b="1" dirty="0">
-              <a:solidFill>
-                <a:schemeClr val="accent6">
-                  <a:lumMod val="50000"/>
-                </a:schemeClr>
-              </a:solidFill>
-            </a:endParaRPr>
           </a:p>
         </p:txBody>
       </p:sp>
@@ -13598,8 +12900,8 @@
           </a:fontRef>
         </p:style>
       </p:cxnSp>
-      <mc:AlternateContent xmlns:mc="http://schemas.openxmlformats.org/markup-compatibility/2006">
-        <mc:Choice xmlns:a14="http://schemas.microsoft.com/office/drawing/2010/main" Requires="a14">
+      <mc:AlternateContent xmlns:mc="http://schemas.openxmlformats.org/markup-compatibility/2006" xmlns:a14="http://schemas.microsoft.com/office/drawing/2010/main">
+        <mc:Choice Requires="a14">
           <p:sp>
             <p:nvSpPr>
               <p:cNvPr id="31" name="ZoneTexte 30"/>
@@ -13623,7 +12925,7 @@
               <a:lstStyle/>
               <a:p>
                 <a:r>
-                  <a:rPr lang="fr-FR" sz="1000" b="0" dirty="0" smtClean="0"/>
+                  <a:rPr lang="fr-FR" sz="1000" b="0" dirty="0"/>
                   <a:t>Pivot </a:t>
                 </a:r>
                 <a14:m>
@@ -13632,7 +12934,7 @@
                       <m:dPr>
                         <m:ctrlPr>
                           <a:rPr lang="fr-FR" sz="1000" b="0" i="1" smtClean="0">
-                            <a:latin typeface="Cambria Math"/>
+                            <a:latin typeface="Cambria Math" panose="02040503050406030204" pitchFamily="18" charset="0"/>
                           </a:rPr>
                         </m:ctrlPr>
                       </m:dPr>
@@ -13654,7 +12956,7 @@
                             <m:chr m:val="⃗"/>
                             <m:ctrlPr>
                               <a:rPr lang="fr-FR" sz="1000" b="0" i="1" smtClean="0">
-                                <a:latin typeface="Cambria Math"/>
+                                <a:latin typeface="Cambria Math" panose="02040503050406030204" pitchFamily="18" charset="0"/>
                               </a:rPr>
                             </m:ctrlPr>
                           </m:accPr>
@@ -13676,7 +12978,7 @@
             </p:txBody>
           </p:sp>
         </mc:Choice>
-        <mc:Fallback>
+        <mc:Fallback xmlns="">
           <p:sp>
             <p:nvSpPr>
               <p:cNvPr id="31" name="ZoneTexte 30"/>
@@ -13715,8 +13017,8 @@
           </p:sp>
         </mc:Fallback>
       </mc:AlternateContent>
-      <mc:AlternateContent xmlns:mc="http://schemas.openxmlformats.org/markup-compatibility/2006">
-        <mc:Choice xmlns:a14="http://schemas.microsoft.com/office/drawing/2010/main" Requires="a14">
+      <mc:AlternateContent xmlns:mc="http://schemas.openxmlformats.org/markup-compatibility/2006" xmlns:a14="http://schemas.microsoft.com/office/drawing/2010/main">
+        <mc:Choice Requires="a14">
           <p:sp>
             <p:nvSpPr>
               <p:cNvPr id="37" name="Rectangle 36"/>
@@ -13749,7 +13051,7 @@
                         <m:sSubPr>
                           <m:ctrlPr>
                             <a:rPr lang="fr-FR" sz="1000" i="1" smtClean="0">
-                              <a:latin typeface="Cambria Math"/>
+                              <a:latin typeface="Cambria Math" panose="02040503050406030204" pitchFamily="18" charset="0"/>
                             </a:rPr>
                           </m:ctrlPr>
                         </m:sSubPr>
@@ -13790,7 +13092,7 @@
                           <m:chr m:val="⃗"/>
                           <m:ctrlPr>
                             <a:rPr lang="fr-FR" sz="1000" i="1">
-                              <a:latin typeface="Cambria Math"/>
+                              <a:latin typeface="Cambria Math" panose="02040503050406030204" pitchFamily="18" charset="0"/>
                             </a:rPr>
                           </m:ctrlPr>
                         </m:accPr>
@@ -13811,7 +13113,7 @@
             </p:txBody>
           </p:sp>
         </mc:Choice>
-        <mc:Fallback>
+        <mc:Fallback xmlns="">
           <p:sp>
             <p:nvSpPr>
               <p:cNvPr id="37" name="Rectangle 36"/>
@@ -13850,8 +13152,8 @@
           </p:sp>
         </mc:Fallback>
       </mc:AlternateContent>
-      <mc:AlternateContent xmlns:mc="http://schemas.openxmlformats.org/markup-compatibility/2006">
-        <mc:Choice xmlns:a14="http://schemas.microsoft.com/office/drawing/2010/main" Requires="a14">
+      <mc:AlternateContent xmlns:mc="http://schemas.openxmlformats.org/markup-compatibility/2006" xmlns:a14="http://schemas.microsoft.com/office/drawing/2010/main">
+        <mc:Choice Requires="a14">
           <p:sp>
             <p:nvSpPr>
               <p:cNvPr id="41" name="ZoneTexte 40"/>
@@ -13875,7 +13177,7 @@
               <a:lstStyle/>
               <a:p>
                 <a:r>
-                  <a:rPr lang="fr-FR" sz="1000" b="0" dirty="0" smtClean="0"/>
+                  <a:rPr lang="fr-FR" sz="1000" b="0" dirty="0"/>
                   <a:t>Pivot </a:t>
                 </a:r>
                 <a14:m>
@@ -13884,7 +13186,7 @@
                       <m:dPr>
                         <m:ctrlPr>
                           <a:rPr lang="fr-FR" sz="1000" b="0" i="1" smtClean="0">
-                            <a:latin typeface="Cambria Math"/>
+                            <a:latin typeface="Cambria Math" panose="02040503050406030204" pitchFamily="18" charset="0"/>
                           </a:rPr>
                         </m:ctrlPr>
                       </m:dPr>
@@ -13906,7 +13208,7 @@
                             <m:chr m:val="⃗"/>
                             <m:ctrlPr>
                               <a:rPr lang="fr-FR" sz="1000" b="0" i="1" smtClean="0">
-                                <a:latin typeface="Cambria Math"/>
+                                <a:latin typeface="Cambria Math" panose="02040503050406030204" pitchFamily="18" charset="0"/>
                               </a:rPr>
                             </m:ctrlPr>
                           </m:accPr>
@@ -13928,7 +13230,7 @@
             </p:txBody>
           </p:sp>
         </mc:Choice>
-        <mc:Fallback>
+        <mc:Fallback xmlns="">
           <p:sp>
             <p:nvSpPr>
               <p:cNvPr id="41" name="ZoneTexte 40"/>
@@ -14160,7 +13462,7 @@
           <a:p>
             <a:pPr algn="ctr"/>
             <a:r>
-              <a:rPr lang="fr-FR" sz="1400" b="1" dirty="0" smtClean="0">
+              <a:rPr lang="fr-FR" sz="1400" b="1" dirty="0">
                 <a:solidFill>
                   <a:schemeClr val="accent4"/>
                 </a:solidFill>
@@ -14168,18 +13470,13 @@
               <a:t>1</a:t>
             </a:r>
             <a:r>
-              <a:rPr lang="fr-FR" sz="1400" b="1" baseline="-25000" dirty="0" smtClean="0">
+              <a:rPr lang="fr-FR" sz="1400" b="1" baseline="-25000" dirty="0">
                 <a:solidFill>
                   <a:schemeClr val="accent4"/>
                 </a:solidFill>
               </a:rPr>
               <a:t>a</a:t>
             </a:r>
-            <a:endParaRPr lang="fr-FR" sz="1400" b="1" baseline="-25000" dirty="0">
-              <a:solidFill>
-                <a:schemeClr val="accent4"/>
-              </a:solidFill>
-            </a:endParaRPr>
           </a:p>
         </p:txBody>
       </p:sp>
@@ -14307,7 +13604,7 @@
           <a:p>
             <a:pPr algn="ctr"/>
             <a:r>
-              <a:rPr lang="fr-FR" sz="1400" b="1" dirty="0" smtClean="0">
+              <a:rPr lang="fr-FR" sz="1400" b="1" dirty="0">
                 <a:solidFill>
                   <a:schemeClr val="accent4"/>
                 </a:solidFill>
@@ -14315,23 +13612,18 @@
               <a:t>1</a:t>
             </a:r>
             <a:r>
-              <a:rPr lang="fr-FR" sz="1400" b="1" baseline="-25000" dirty="0" smtClean="0">
+              <a:rPr lang="fr-FR" sz="1400" b="1" baseline="-25000" dirty="0">
                 <a:solidFill>
                   <a:schemeClr val="accent4"/>
                 </a:solidFill>
               </a:rPr>
               <a:t>b</a:t>
             </a:r>
-            <a:endParaRPr lang="fr-FR" sz="1400" b="1" baseline="-25000" dirty="0">
-              <a:solidFill>
-                <a:schemeClr val="accent4"/>
-              </a:solidFill>
-            </a:endParaRPr>
           </a:p>
         </p:txBody>
       </p:sp>
-      <mc:AlternateContent xmlns:mc="http://schemas.openxmlformats.org/markup-compatibility/2006">
-        <mc:Choice xmlns:a14="http://schemas.microsoft.com/office/drawing/2010/main" Requires="a14">
+      <mc:AlternateContent xmlns:mc="http://schemas.openxmlformats.org/markup-compatibility/2006" xmlns:a14="http://schemas.microsoft.com/office/drawing/2010/main">
+        <mc:Choice Requires="a14">
           <p:sp>
             <p:nvSpPr>
               <p:cNvPr id="16" name="ZoneTexte 15"/>
@@ -14354,6 +13646,7 @@
               </a:bodyPr>
               <a:lstStyle/>
               <a:p>
+                <a:pPr/>
                 <a14:m>
                   <m:oMathPara xmlns:m="http://schemas.openxmlformats.org/officeDocument/2006/math">
                     <m:oMathParaPr>
@@ -14364,7 +13657,7 @@
                         <m:sSubPr>
                           <m:ctrlPr>
                             <a:rPr lang="fr-FR" sz="1050" b="0" i="1" smtClean="0">
-                              <a:latin typeface="Cambria Math"/>
+                              <a:latin typeface="Cambria Math" panose="02040503050406030204" pitchFamily="18" charset="0"/>
                             </a:rPr>
                           </m:ctrlPr>
                         </m:sSubPr>
@@ -14375,7 +13668,7 @@
                               <m:endChr m:val="}"/>
                               <m:ctrlPr>
                                 <a:rPr lang="fr-FR" sz="1050" i="1" smtClean="0">
-                                  <a:latin typeface="Cambria Math"/>
+                                  <a:latin typeface="Cambria Math" panose="02040503050406030204" pitchFamily="18" charset="0"/>
                                 </a:rPr>
                               </m:ctrlPr>
                             </m:dPr>
@@ -14392,7 +13685,7 @@
                                   </m:mcs>
                                   <m:ctrlPr>
                                     <a:rPr lang="fr-FR" sz="1050" i="1">
-                                      <a:latin typeface="Cambria Math"/>
+                                      <a:latin typeface="Cambria Math" panose="02040503050406030204" pitchFamily="18" charset="0"/>
                                     </a:rPr>
                                   </m:ctrlPr>
                                 </m:mPr>
@@ -14449,7 +13742,7 @@
                                       <m:sSubPr>
                                         <m:ctrlPr>
                                           <a:rPr lang="fr-FR" sz="1050" i="1">
-                                            <a:latin typeface="Cambria Math"/>
+                                            <a:latin typeface="Cambria Math" panose="02040503050406030204" pitchFamily="18" charset="0"/>
                                           </a:rPr>
                                         </m:ctrlPr>
                                       </m:sSubPr>
@@ -14487,7 +13780,7 @@
                             <m:dPr>
                               <m:ctrlPr>
                                 <a:rPr lang="fr-FR" sz="1050" i="1">
-                                  <a:latin typeface="Cambria Math"/>
+                                  <a:latin typeface="Cambria Math" panose="02040503050406030204" pitchFamily="18" charset="0"/>
                                 </a:rPr>
                               </m:ctrlPr>
                             </m:dPr>
@@ -14497,7 +13790,7 @@
                                   <m:chr m:val="⃗"/>
                                   <m:ctrlPr>
                                     <a:rPr lang="fr-FR" sz="1050" i="1">
-                                      <a:latin typeface="Cambria Math"/>
+                                      <a:latin typeface="Cambria Math" panose="02040503050406030204" pitchFamily="18" charset="0"/>
                                     </a:rPr>
                                   </m:ctrlPr>
                                 </m:accPr>
@@ -14521,7 +13814,7 @@
                                   <m:chr m:val="⃗"/>
                                   <m:ctrlPr>
                                     <a:rPr lang="fr-FR" sz="1050" i="1">
-                                      <a:latin typeface="Cambria Math"/>
+                                      <a:latin typeface="Cambria Math" panose="02040503050406030204" pitchFamily="18" charset="0"/>
                                     </a:rPr>
                                   </m:ctrlPr>
                                 </m:accPr>
@@ -14545,7 +13838,7 @@
                                   <m:chr m:val="⃗"/>
                                   <m:ctrlPr>
                                     <a:rPr lang="fr-FR" sz="1050" i="1">
-                                      <a:latin typeface="Cambria Math"/>
+                                      <a:latin typeface="Cambria Math" panose="02040503050406030204" pitchFamily="18" charset="0"/>
                                     </a:rPr>
                                   </m:ctrlPr>
                                 </m:accPr>
@@ -14570,7 +13863,7 @@
             </p:txBody>
           </p:sp>
         </mc:Choice>
-        <mc:Fallback>
+        <mc:Fallback xmlns="">
           <p:sp>
             <p:nvSpPr>
               <p:cNvPr id="16" name="ZoneTexte 15"/>
@@ -14609,8 +13902,8 @@
           </p:sp>
         </mc:Fallback>
       </mc:AlternateContent>
-      <mc:AlternateContent xmlns:mc="http://schemas.openxmlformats.org/markup-compatibility/2006">
-        <mc:Choice xmlns:a14="http://schemas.microsoft.com/office/drawing/2010/main" Requires="a14">
+      <mc:AlternateContent xmlns:mc="http://schemas.openxmlformats.org/markup-compatibility/2006" xmlns:a14="http://schemas.microsoft.com/office/drawing/2010/main">
+        <mc:Choice Requires="a14">
           <p:sp>
             <p:nvSpPr>
               <p:cNvPr id="27" name="ZoneTexte 26"/>
@@ -14633,6 +13926,7 @@
               </a:bodyPr>
               <a:lstStyle/>
               <a:p>
+                <a:pPr/>
                 <a14:m>
                   <m:oMathPara xmlns:m="http://schemas.openxmlformats.org/officeDocument/2006/math">
                     <m:oMathParaPr>
@@ -14643,7 +13937,7 @@
                         <m:sSubPr>
                           <m:ctrlPr>
                             <a:rPr lang="fr-FR" sz="1050" b="0" i="1" smtClean="0">
-                              <a:latin typeface="Cambria Math"/>
+                              <a:latin typeface="Cambria Math" panose="02040503050406030204" pitchFamily="18" charset="0"/>
                             </a:rPr>
                           </m:ctrlPr>
                         </m:sSubPr>
@@ -14654,7 +13948,7 @@
                               <m:endChr m:val="}"/>
                               <m:ctrlPr>
                                 <a:rPr lang="fr-FR" sz="1050" i="1" smtClean="0">
-                                  <a:latin typeface="Cambria Math"/>
+                                  <a:latin typeface="Cambria Math" panose="02040503050406030204" pitchFamily="18" charset="0"/>
                                 </a:rPr>
                               </m:ctrlPr>
                             </m:dPr>
@@ -14671,7 +13965,7 @@
                                   </m:mcs>
                                   <m:ctrlPr>
                                     <a:rPr lang="fr-FR" sz="1050" i="1">
-                                      <a:latin typeface="Cambria Math"/>
+                                      <a:latin typeface="Cambria Math" panose="02040503050406030204" pitchFamily="18" charset="0"/>
                                     </a:rPr>
                                   </m:ctrlPr>
                                 </m:mPr>
@@ -14728,7 +14022,7 @@
                                       <m:sSubPr>
                                         <m:ctrlPr>
                                           <a:rPr lang="fr-FR" sz="1050" i="1">
-                                            <a:latin typeface="Cambria Math"/>
+                                            <a:latin typeface="Cambria Math" panose="02040503050406030204" pitchFamily="18" charset="0"/>
                                           </a:rPr>
                                         </m:ctrlPr>
                                       </m:sSubPr>
@@ -14772,7 +14066,7 @@
                             <m:dPr>
                               <m:ctrlPr>
                                 <a:rPr lang="fr-FR" sz="1050" b="0" i="1" smtClean="0">
-                                  <a:latin typeface="Cambria Math"/>
+                                  <a:latin typeface="Cambria Math" panose="02040503050406030204" pitchFamily="18" charset="0"/>
                                 </a:rPr>
                               </m:ctrlPr>
                             </m:dPr>
@@ -14782,7 +14076,7 @@
                                   <m:chr m:val="⃗"/>
                                   <m:ctrlPr>
                                     <a:rPr lang="fr-FR" sz="1050" i="1">
-                                      <a:latin typeface="Cambria Math"/>
+                                      <a:latin typeface="Cambria Math" panose="02040503050406030204" pitchFamily="18" charset="0"/>
                                     </a:rPr>
                                   </m:ctrlPr>
                                 </m:accPr>
@@ -14806,7 +14100,7 @@
                                   <m:chr m:val="⃗"/>
                                   <m:ctrlPr>
                                     <a:rPr lang="fr-FR" sz="1050" i="1">
-                                      <a:latin typeface="Cambria Math"/>
+                                      <a:latin typeface="Cambria Math" panose="02040503050406030204" pitchFamily="18" charset="0"/>
                                     </a:rPr>
                                   </m:ctrlPr>
                                 </m:accPr>
@@ -14830,7 +14124,7 @@
                                   <m:chr m:val="⃗"/>
                                   <m:ctrlPr>
                                     <a:rPr lang="fr-FR" sz="1050" i="1">
-                                      <a:latin typeface="Cambria Math"/>
+                                      <a:latin typeface="Cambria Math" panose="02040503050406030204" pitchFamily="18" charset="0"/>
                                     </a:rPr>
                                   </m:ctrlPr>
                                 </m:accPr>
@@ -14855,7 +14149,7 @@
             </p:txBody>
           </p:sp>
         </mc:Choice>
-        <mc:Fallback>
+        <mc:Fallback xmlns="">
           <p:sp>
             <p:nvSpPr>
               <p:cNvPr id="27" name="ZoneTexte 26"/>
@@ -15027,18 +14321,13 @@
           <a:p>
             <a:pPr algn="ctr"/>
             <a:r>
-              <a:rPr lang="fr-FR" sz="1400" b="1" dirty="0" smtClean="0">
+              <a:rPr lang="fr-FR" sz="1400" b="1" dirty="0">
                 <a:solidFill>
                   <a:schemeClr val="accent4"/>
                 </a:solidFill>
               </a:rPr>
               <a:t>1</a:t>
             </a:r>
-            <a:endParaRPr lang="fr-FR" sz="1400" b="1" dirty="0">
-              <a:solidFill>
-                <a:schemeClr val="accent4"/>
-              </a:solidFill>
-            </a:endParaRPr>
           </a:p>
         </p:txBody>
       </p:sp>
@@ -15148,18 +14437,13 @@
           <a:p>
             <a:pPr algn="ctr"/>
             <a:r>
-              <a:rPr lang="fr-FR" sz="1400" b="1" dirty="0" smtClean="0">
+              <a:rPr lang="fr-FR" sz="1400" b="1" dirty="0">
                 <a:solidFill>
                   <a:schemeClr val="accent3"/>
                 </a:solidFill>
               </a:rPr>
               <a:t>3</a:t>
             </a:r>
-            <a:endParaRPr lang="fr-FR" sz="1400" b="1" dirty="0">
-              <a:solidFill>
-                <a:schemeClr val="accent3"/>
-              </a:solidFill>
-            </a:endParaRPr>
           </a:p>
         </p:txBody>
       </p:sp>
@@ -15210,18 +14494,13 @@
           <a:p>
             <a:pPr algn="ctr"/>
             <a:r>
-              <a:rPr lang="fr-FR" sz="1400" b="1" dirty="0" smtClean="0">
+              <a:rPr lang="fr-FR" sz="1400" b="1" dirty="0">
                 <a:solidFill>
                   <a:schemeClr val="tx1"/>
                 </a:solidFill>
               </a:rPr>
               <a:t>4</a:t>
             </a:r>
-            <a:endParaRPr lang="fr-FR" sz="1400" b="1" dirty="0">
-              <a:solidFill>
-                <a:schemeClr val="tx1"/>
-              </a:solidFill>
-            </a:endParaRPr>
           </a:p>
         </p:txBody>
       </p:sp>
@@ -15275,7 +14554,7 @@
           <a:p>
             <a:pPr algn="ctr"/>
             <a:r>
-              <a:rPr lang="fr-FR" sz="1400" b="1" dirty="0" smtClean="0">
+              <a:rPr lang="fr-FR" sz="1400" b="1" dirty="0">
                 <a:solidFill>
                   <a:schemeClr val="accent6">
                     <a:lumMod val="50000"/>
@@ -15284,13 +14563,6 @@
               </a:rPr>
               <a:t>0</a:t>
             </a:r>
-            <a:endParaRPr lang="fr-FR" sz="1400" b="1" dirty="0">
-              <a:solidFill>
-                <a:schemeClr val="accent6">
-                  <a:lumMod val="50000"/>
-                </a:schemeClr>
-              </a:solidFill>
-            </a:endParaRPr>
           </a:p>
         </p:txBody>
       </p:sp>
@@ -15471,7 +14743,7 @@
               <a:lstStyle/>
               <a:p>
                 <a:r>
-                  <a:rPr lang="fr-FR" sz="1100" b="0" dirty="0" smtClean="0"/>
+                  <a:rPr lang="fr-FR" sz="1100" b="0" dirty="0"/>
                   <a:t>Pivot </a:t>
                 </a:r>
                 <a14:m>
@@ -15480,7 +14752,7 @@
                       <m:dPr>
                         <m:ctrlPr>
                           <a:rPr lang="fr-FR" sz="1100" b="0" i="1" smtClean="0">
-                            <a:latin typeface="Cambria Math"/>
+                            <a:latin typeface="Cambria Math" panose="02040503050406030204" pitchFamily="18" charset="0"/>
                           </a:rPr>
                         </m:ctrlPr>
                       </m:dPr>
@@ -15502,7 +14774,7 @@
                             <m:chr m:val="⃗"/>
                             <m:ctrlPr>
                               <a:rPr lang="fr-FR" sz="1100" b="0" i="1" smtClean="0">
-                                <a:latin typeface="Cambria Math"/>
+                                <a:latin typeface="Cambria Math" panose="02040503050406030204" pitchFamily="18" charset="0"/>
                               </a:rPr>
                             </m:ctrlPr>
                           </m:accPr>
@@ -15511,7 +14783,7 @@
                               <m:sSubPr>
                                 <m:ctrlPr>
                                   <a:rPr lang="fr-FR" sz="1100" b="0" i="1" smtClean="0">
-                                    <a:latin typeface="Cambria Math"/>
+                                    <a:latin typeface="Cambria Math" panose="02040503050406030204" pitchFamily="18" charset="0"/>
                                   </a:rPr>
                                 </m:ctrlPr>
                               </m:sSubPr>
@@ -15607,7 +14879,7 @@
               <a:lstStyle/>
               <a:p>
                 <a:r>
-                  <a:rPr lang="fr-FR" sz="1100" b="0" dirty="0" smtClean="0"/>
+                  <a:rPr lang="fr-FR" sz="1100" b="0" dirty="0"/>
                   <a:t>Pivot </a:t>
                 </a:r>
                 <a14:m>
@@ -15616,7 +14888,7 @@
                       <m:dPr>
                         <m:ctrlPr>
                           <a:rPr lang="fr-FR" sz="1100" b="0" i="1" smtClean="0">
-                            <a:latin typeface="Cambria Math"/>
+                            <a:latin typeface="Cambria Math" panose="02040503050406030204" pitchFamily="18" charset="0"/>
                           </a:rPr>
                         </m:ctrlPr>
                       </m:dPr>
@@ -15638,7 +14910,7 @@
                             <m:chr m:val="⃗"/>
                             <m:ctrlPr>
                               <a:rPr lang="fr-FR" sz="1100" b="0" i="1" smtClean="0">
-                                <a:latin typeface="Cambria Math"/>
+                                <a:latin typeface="Cambria Math" panose="02040503050406030204" pitchFamily="18" charset="0"/>
                               </a:rPr>
                             </m:ctrlPr>
                           </m:accPr>
@@ -15647,7 +14919,7 @@
                               <m:sSubPr>
                                 <m:ctrlPr>
                                   <a:rPr lang="fr-FR" sz="1100" b="0" i="1" smtClean="0">
-                                    <a:latin typeface="Cambria Math"/>
+                                    <a:latin typeface="Cambria Math" panose="02040503050406030204" pitchFamily="18" charset="0"/>
                                   </a:rPr>
                                 </m:ctrlPr>
                               </m:sSubPr>
@@ -15743,7 +15015,7 @@
               <a:lstStyle/>
               <a:p>
                 <a:r>
-                  <a:rPr lang="fr-FR" sz="1100" b="0" dirty="0" smtClean="0"/>
+                  <a:rPr lang="fr-FR" sz="1100" b="0" dirty="0"/>
                   <a:t>Pivot </a:t>
                 </a:r>
                 <a14:m>
@@ -15752,7 +15024,7 @@
                       <m:dPr>
                         <m:ctrlPr>
                           <a:rPr lang="fr-FR" sz="1100" b="0" i="1" smtClean="0">
-                            <a:latin typeface="Cambria Math"/>
+                            <a:latin typeface="Cambria Math" panose="02040503050406030204" pitchFamily="18" charset="0"/>
                           </a:rPr>
                         </m:ctrlPr>
                       </m:dPr>
@@ -15774,7 +15046,7 @@
                             <m:chr m:val="⃗"/>
                             <m:ctrlPr>
                               <a:rPr lang="fr-FR" sz="1100" b="0" i="1" smtClean="0">
-                                <a:latin typeface="Cambria Math"/>
+                                <a:latin typeface="Cambria Math" panose="02040503050406030204" pitchFamily="18" charset="0"/>
                               </a:rPr>
                             </m:ctrlPr>
                           </m:accPr>
@@ -15783,7 +15055,7 @@
                               <m:sSubPr>
                                 <m:ctrlPr>
                                   <a:rPr lang="fr-FR" sz="1100" b="0" i="1" smtClean="0">
-                                    <a:latin typeface="Cambria Math"/>
+                                    <a:latin typeface="Cambria Math" panose="02040503050406030204" pitchFamily="18" charset="0"/>
                                   </a:rPr>
                                 </m:ctrlPr>
                               </m:sSubPr>
@@ -15879,7 +15151,7 @@
               <a:lstStyle/>
               <a:p>
                 <a:r>
-                  <a:rPr lang="fr-FR" sz="1100" b="0" dirty="0" smtClean="0"/>
+                  <a:rPr lang="fr-FR" sz="1100" b="0" dirty="0"/>
                   <a:t>Glissière </a:t>
                 </a:r>
                 <a14:m>
@@ -15888,7 +15160,7 @@
                       <m:dPr>
                         <m:ctrlPr>
                           <a:rPr lang="fr-FR" sz="1100" b="0" i="1" smtClean="0">
-                            <a:latin typeface="Cambria Math"/>
+                            <a:latin typeface="Cambria Math" panose="02040503050406030204" pitchFamily="18" charset="0"/>
                           </a:rPr>
                         </m:ctrlPr>
                       </m:dPr>
@@ -15898,7 +15170,7 @@
                             <m:chr m:val="⃗"/>
                             <m:ctrlPr>
                               <a:rPr lang="fr-FR" sz="1100" b="0" i="1" smtClean="0">
-                                <a:latin typeface="Cambria Math"/>
+                                <a:latin typeface="Cambria Math" panose="02040503050406030204" pitchFamily="18" charset="0"/>
                               </a:rPr>
                             </m:ctrlPr>
                           </m:accPr>
@@ -15907,7 +15179,7 @@
                               <m:sSubPr>
                                 <m:ctrlPr>
                                   <a:rPr lang="fr-FR" sz="1100" b="0" i="1" smtClean="0">
-                                    <a:latin typeface="Cambria Math"/>
+                                    <a:latin typeface="Cambria Math" panose="02040503050406030204" pitchFamily="18" charset="0"/>
                                   </a:rPr>
                                 </m:ctrlPr>
                               </m:sSubPr>
@@ -16132,7 +15404,7 @@
           <a:lstStyle/>
           <a:p>
             <a:r>
-              <a:rPr lang="fr-FR" sz="1100" b="0" dirty="0" smtClean="0"/>
+              <a:rPr lang="fr-FR" sz="1100" b="0" dirty="0"/>
               <a:t>Liaison à définir</a:t>
             </a:r>
             <a:endParaRPr lang="fr-FR" sz="1100" dirty="0"/>
